--- a/alex/figs/_final/figs.pptx
+++ b/alex/figs/_final/figs.pptx
@@ -117,7 +117,7 @@
 <file path=ppt/revisionInfo.xml><?xml version="1.0" encoding="utf-8"?>
 <p1510:revInfo xmlns:a="http://schemas.openxmlformats.org/drawingml/2006/main" xmlns:r="http://schemas.openxmlformats.org/officeDocument/2006/relationships" xmlns:p1510="http://schemas.microsoft.com/office/powerpoint/2015/10/main">
   <p1510:revLst>
-    <p1510:client id="{7619ECA8-B982-4109-BE04-6E3A8004BC22}" v="343" dt="2024-01-19T15:45:54.351"/>
+    <p1510:client id="{7619ECA8-B982-4109-BE04-6E3A8004BC22}" v="363" dt="2024-01-19T16:11:34.246"/>
   </p1510:revLst>
 </p1510:revInfo>
 </file>
@@ -127,12 +127,12 @@
   <pc:docChgLst>
     <pc:chgData name="Alexander von Lühmann" userId="4ffc4e2d339b4992" providerId="LiveId" clId="{7619ECA8-B982-4109-BE04-6E3A8004BC22}"/>
     <pc:docChg chg="undo redo custSel addSld modSld modMainMaster">
-      <pc:chgData name="Alexander von Lühmann" userId="4ffc4e2d339b4992" providerId="LiveId" clId="{7619ECA8-B982-4109-BE04-6E3A8004BC22}" dt="2024-01-19T15:46:18.335" v="7406"/>
+      <pc:chgData name="Alexander von Lühmann" userId="4ffc4e2d339b4992" providerId="LiveId" clId="{7619ECA8-B982-4109-BE04-6E3A8004BC22}" dt="2024-01-19T16:11:36.793" v="7486" actId="20577"/>
       <pc:docMkLst>
         <pc:docMk/>
       </pc:docMkLst>
       <pc:sldChg chg="addSp delSp modSp new mod">
-        <pc:chgData name="Alexander von Lühmann" userId="4ffc4e2d339b4992" providerId="LiveId" clId="{7619ECA8-B982-4109-BE04-6E3A8004BC22}" dt="2024-01-19T14:40:52.534" v="6711" actId="478"/>
+        <pc:chgData name="Alexander von Lühmann" userId="4ffc4e2d339b4992" providerId="LiveId" clId="{7619ECA8-B982-4109-BE04-6E3A8004BC22}" dt="2024-01-19T16:11:36.793" v="7486" actId="20577"/>
         <pc:sldMkLst>
           <pc:docMk/>
           <pc:sldMk cId="2936482709" sldId="256"/>
@@ -145,12 +145,36 @@
             <ac:spMk id="2" creationId="{0B3E4C5C-CBE5-17D4-05BE-B58050FE78F0}"/>
           </ac:spMkLst>
         </pc:spChg>
+        <pc:spChg chg="add del mod">
+          <ac:chgData name="Alexander von Lühmann" userId="4ffc4e2d339b4992" providerId="LiveId" clId="{7619ECA8-B982-4109-BE04-6E3A8004BC22}" dt="2024-01-19T16:00:25.859" v="7410" actId="478"/>
+          <ac:spMkLst>
+            <pc:docMk/>
+            <pc:sldMk cId="2936482709" sldId="256"/>
+            <ac:spMk id="2" creationId="{D030DEDE-9E76-B156-A75F-E83ECD8146B9}"/>
+          </ac:spMkLst>
+        </pc:spChg>
+        <pc:spChg chg="add mod">
+          <ac:chgData name="Alexander von Lühmann" userId="4ffc4e2d339b4992" providerId="LiveId" clId="{7619ECA8-B982-4109-BE04-6E3A8004BC22}" dt="2024-01-19T16:10:55.234" v="7466" actId="20577"/>
+          <ac:spMkLst>
+            <pc:docMk/>
+            <pc:sldMk cId="2936482709" sldId="256"/>
+            <ac:spMk id="2" creationId="{E892A405-896C-3070-56E0-B471EB5EB8BE}"/>
+          </ac:spMkLst>
+        </pc:spChg>
         <pc:spChg chg="add mod">
           <ac:chgData name="Alexander von Lühmann" userId="4ffc4e2d339b4992" providerId="LiveId" clId="{7619ECA8-B982-4109-BE04-6E3A8004BC22}" dt="2024-01-19T11:23:30.164" v="2903" actId="1076"/>
           <ac:spMkLst>
             <pc:docMk/>
             <pc:sldMk cId="2936482709" sldId="256"/>
-            <ac:spMk id="2" creationId="{D030DEDE-9E76-B156-A75F-E83ECD8146B9}"/>
+            <ac:spMk id="3" creationId="{5CF7ECD3-34A4-B1D4-8253-BAAE571F0021}"/>
+          </ac:spMkLst>
+        </pc:spChg>
+        <pc:spChg chg="del">
+          <ac:chgData name="Alexander von Lühmann" userId="4ffc4e2d339b4992" providerId="LiveId" clId="{7619ECA8-B982-4109-BE04-6E3A8004BC22}" dt="2024-01-17T14:51:48.961" v="2" actId="478"/>
+          <ac:spMkLst>
+            <pc:docMk/>
+            <pc:sldMk cId="2936482709" sldId="256"/>
+            <ac:spMk id="3" creationId="{A8DF91CA-BE85-2AD1-A3D5-5B66013A25F1}"/>
           </ac:spMkLst>
         </pc:spChg>
         <pc:spChg chg="add mod">
@@ -158,15 +182,175 @@
           <ac:spMkLst>
             <pc:docMk/>
             <pc:sldMk cId="2936482709" sldId="256"/>
-            <ac:spMk id="3" creationId="{5CF7ECD3-34A4-B1D4-8253-BAAE571F0021}"/>
-          </ac:spMkLst>
-        </pc:spChg>
-        <pc:spChg chg="del">
-          <ac:chgData name="Alexander von Lühmann" userId="4ffc4e2d339b4992" providerId="LiveId" clId="{7619ECA8-B982-4109-BE04-6E3A8004BC22}" dt="2024-01-17T14:51:48.961" v="2" actId="478"/>
+            <ac:spMk id="4" creationId="{F76F4A3D-7977-70B9-2F17-BBEA06F7E790}"/>
+          </ac:spMkLst>
+        </pc:spChg>
+        <pc:spChg chg="add mod">
+          <ac:chgData name="Alexander von Lühmann" userId="4ffc4e2d339b4992" providerId="LiveId" clId="{7619ECA8-B982-4109-BE04-6E3A8004BC22}" dt="2024-01-19T16:00:53.581" v="7422" actId="1036"/>
           <ac:spMkLst>
             <pc:docMk/>
             <pc:sldMk cId="2936482709" sldId="256"/>
-            <ac:spMk id="3" creationId="{A8DF91CA-BE85-2AD1-A3D5-5B66013A25F1}"/>
+            <ac:spMk id="5" creationId="{349A2FEC-5F24-8A29-31F3-A0F1A7034FBE}"/>
+          </ac:spMkLst>
+        </pc:spChg>
+        <pc:spChg chg="add mod">
+          <ac:chgData name="Alexander von Lühmann" userId="4ffc4e2d339b4992" providerId="LiveId" clId="{7619ECA8-B982-4109-BE04-6E3A8004BC22}" dt="2024-01-19T16:09:38.782" v="7460" actId="571"/>
+          <ac:spMkLst>
+            <pc:docMk/>
+            <pc:sldMk cId="2936482709" sldId="256"/>
+            <ac:spMk id="7" creationId="{069D31A2-64AC-4F04-157A-D22A01B3BAF8}"/>
+          </ac:spMkLst>
+        </pc:spChg>
+        <pc:spChg chg="add del mod">
+          <ac:chgData name="Alexander von Lühmann" userId="4ffc4e2d339b4992" providerId="LiveId" clId="{7619ECA8-B982-4109-BE04-6E3A8004BC22}" dt="2024-01-19T16:00:49.587" v="7420" actId="478"/>
+          <ac:spMkLst>
+            <pc:docMk/>
+            <pc:sldMk cId="2936482709" sldId="256"/>
+            <ac:spMk id="7" creationId="{09BD37AD-A7D6-0BA7-2B6F-242ADF96A758}"/>
+          </ac:spMkLst>
+        </pc:spChg>
+        <pc:spChg chg="add mod">
+          <ac:chgData name="Alexander von Lühmann" userId="4ffc4e2d339b4992" providerId="LiveId" clId="{7619ECA8-B982-4109-BE04-6E3A8004BC22}" dt="2024-01-19T16:01:02.587" v="7423" actId="571"/>
+          <ac:spMkLst>
+            <pc:docMk/>
+            <pc:sldMk cId="2936482709" sldId="256"/>
+            <ac:spMk id="9" creationId="{8219D6E6-59A0-F155-3257-772104CC4384}"/>
+          </ac:spMkLst>
+        </pc:spChg>
+        <pc:spChg chg="add mod">
+          <ac:chgData name="Alexander von Lühmann" userId="4ffc4e2d339b4992" providerId="LiveId" clId="{7619ECA8-B982-4109-BE04-6E3A8004BC22}" dt="2024-01-19T16:01:18.236" v="7435" actId="1037"/>
+          <ac:spMkLst>
+            <pc:docMk/>
+            <pc:sldMk cId="2936482709" sldId="256"/>
+            <ac:spMk id="10" creationId="{03652BDF-0BD8-9CDD-FEB0-50D043877550}"/>
+          </ac:spMkLst>
+        </pc:spChg>
+        <pc:spChg chg="add mod">
+          <ac:chgData name="Alexander von Lühmann" userId="4ffc4e2d339b4992" providerId="LiveId" clId="{7619ECA8-B982-4109-BE04-6E3A8004BC22}" dt="2024-01-19T16:01:30.651" v="7450" actId="1037"/>
+          <ac:spMkLst>
+            <pc:docMk/>
+            <pc:sldMk cId="2936482709" sldId="256"/>
+            <ac:spMk id="11" creationId="{C3F0C18B-3836-3C45-0413-34EB4A37AC42}"/>
+          </ac:spMkLst>
+        </pc:spChg>
+        <pc:spChg chg="add mod">
+          <ac:chgData name="Alexander von Lühmann" userId="4ffc4e2d339b4992" providerId="LiveId" clId="{7619ECA8-B982-4109-BE04-6E3A8004BC22}" dt="2024-01-19T16:11:04.865" v="7469" actId="20577"/>
+          <ac:spMkLst>
+            <pc:docMk/>
+            <pc:sldMk cId="2936482709" sldId="256"/>
+            <ac:spMk id="13" creationId="{7E985A4D-4C65-D934-C83F-8C448F20EABE}"/>
+          </ac:spMkLst>
+        </pc:spChg>
+        <pc:spChg chg="add mod">
+          <ac:chgData name="Alexander von Lühmann" userId="4ffc4e2d339b4992" providerId="LiveId" clId="{7619ECA8-B982-4109-BE04-6E3A8004BC22}" dt="2024-01-19T16:01:41.323" v="7457" actId="1035"/>
+          <ac:spMkLst>
+            <pc:docMk/>
+            <pc:sldMk cId="2936482709" sldId="256"/>
+            <ac:spMk id="14" creationId="{A9173CF8-79A3-1EC8-6A73-DA7F1E9E1158}"/>
+          </ac:spMkLst>
+        </pc:spChg>
+        <pc:spChg chg="add del mod topLvl">
+          <ac:chgData name="Alexander von Lühmann" userId="4ffc4e2d339b4992" providerId="LiveId" clId="{7619ECA8-B982-4109-BE04-6E3A8004BC22}" dt="2024-01-19T11:22:38.690" v="2811" actId="478"/>
+          <ac:spMkLst>
+            <pc:docMk/>
+            <pc:sldMk cId="2936482709" sldId="256"/>
+            <ac:spMk id="15" creationId="{0160A463-8BFA-B212-1811-90665EAAE975}"/>
+          </ac:spMkLst>
+        </pc:spChg>
+        <pc:spChg chg="add mod">
+          <ac:chgData name="Alexander von Lühmann" userId="4ffc4e2d339b4992" providerId="LiveId" clId="{7619ECA8-B982-4109-BE04-6E3A8004BC22}" dt="2024-01-19T16:10:43.783" v="7463" actId="571"/>
+          <ac:spMkLst>
+            <pc:docMk/>
+            <pc:sldMk cId="2936482709" sldId="256"/>
+            <ac:spMk id="15" creationId="{93CE584A-C060-04DC-8F7D-250D792F0AB5}"/>
+          </ac:spMkLst>
+        </pc:spChg>
+        <pc:spChg chg="add del mod">
+          <ac:chgData name="Alexander von Lühmann" userId="4ffc4e2d339b4992" providerId="LiveId" clId="{7619ECA8-B982-4109-BE04-6E3A8004BC22}" dt="2024-01-17T15:08:46.149" v="80" actId="478"/>
+          <ac:spMkLst>
+            <pc:docMk/>
+            <pc:sldMk cId="2936482709" sldId="256"/>
+            <ac:spMk id="16" creationId="{50126C3E-923D-6CD7-A5AF-3E36A72E4FAF}"/>
+          </ac:spMkLst>
+        </pc:spChg>
+        <pc:spChg chg="add mod">
+          <ac:chgData name="Alexander von Lühmann" userId="4ffc4e2d339b4992" providerId="LiveId" clId="{7619ECA8-B982-4109-BE04-6E3A8004BC22}" dt="2024-01-19T16:11:22.396" v="7475" actId="1035"/>
+          <ac:spMkLst>
+            <pc:docMk/>
+            <pc:sldMk cId="2936482709" sldId="256"/>
+            <ac:spMk id="17" creationId="{C0AA0554-E14D-D4D5-1062-8CD45E8990AE}"/>
+          </ac:spMkLst>
+        </pc:spChg>
+        <pc:spChg chg="add mod">
+          <ac:chgData name="Alexander von Lühmann" userId="4ffc4e2d339b4992" providerId="LiveId" clId="{7619ECA8-B982-4109-BE04-6E3A8004BC22}" dt="2024-01-19T16:11:36.793" v="7486" actId="20577"/>
+          <ac:spMkLst>
+            <pc:docMk/>
+            <pc:sldMk cId="2936482709" sldId="256"/>
+            <ac:spMk id="20" creationId="{7D1AEB98-7BC8-1429-1D93-4FDD4AC95626}"/>
+          </ac:spMkLst>
+        </pc:spChg>
+        <pc:spChg chg="del mod topLvl">
+          <ac:chgData name="Alexander von Lühmann" userId="4ffc4e2d339b4992" providerId="LiveId" clId="{7619ECA8-B982-4109-BE04-6E3A8004BC22}" dt="2024-01-19T11:22:38.691" v="2813"/>
+          <ac:spMkLst>
+            <pc:docMk/>
+            <pc:sldMk cId="2936482709" sldId="256"/>
+            <ac:spMk id="20" creationId="{ACC5ED8A-C3BD-5B94-17A2-D5CF2F6B40C0}"/>
+          </ac:spMkLst>
+        </pc:spChg>
+        <pc:spChg chg="mod">
+          <ac:chgData name="Alexander von Lühmann" userId="4ffc4e2d339b4992" providerId="LiveId" clId="{7619ECA8-B982-4109-BE04-6E3A8004BC22}" dt="2024-01-19T11:43:26.375" v="3630" actId="207"/>
+          <ac:spMkLst>
+            <pc:docMk/>
+            <pc:sldMk cId="2936482709" sldId="256"/>
+            <ac:spMk id="23" creationId="{95694BEC-C059-AAC6-B7FE-F2BA97019CC3}"/>
+          </ac:spMkLst>
+        </pc:spChg>
+        <pc:spChg chg="mod">
+          <ac:chgData name="Alexander von Lühmann" userId="4ffc4e2d339b4992" providerId="LiveId" clId="{7619ECA8-B982-4109-BE04-6E3A8004BC22}" dt="2024-01-19T11:43:26.375" v="3630" actId="207"/>
+          <ac:spMkLst>
+            <pc:docMk/>
+            <pc:sldMk cId="2936482709" sldId="256"/>
+            <ac:spMk id="26" creationId="{125DEFB0-4589-2A2D-89C5-85AAFE2972B0}"/>
+          </ac:spMkLst>
+        </pc:spChg>
+        <pc:spChg chg="mod">
+          <ac:chgData name="Alexander von Lühmann" userId="4ffc4e2d339b4992" providerId="LiveId" clId="{7619ECA8-B982-4109-BE04-6E3A8004BC22}" dt="2024-01-19T11:43:26.375" v="3630" actId="207"/>
+          <ac:spMkLst>
+            <pc:docMk/>
+            <pc:sldMk cId="2936482709" sldId="256"/>
+            <ac:spMk id="29" creationId="{4C35315F-8254-5828-566A-6BE949C8300A}"/>
+          </ac:spMkLst>
+        </pc:spChg>
+        <pc:spChg chg="mod">
+          <ac:chgData name="Alexander von Lühmann" userId="4ffc4e2d339b4992" providerId="LiveId" clId="{7619ECA8-B982-4109-BE04-6E3A8004BC22}" dt="2024-01-19T11:43:26.375" v="3630" actId="207"/>
+          <ac:spMkLst>
+            <pc:docMk/>
+            <pc:sldMk cId="2936482709" sldId="256"/>
+            <ac:spMk id="32" creationId="{29FA3BBA-3F0C-8FED-90F1-C25286BC3836}"/>
+          </ac:spMkLst>
+        </pc:spChg>
+        <pc:spChg chg="mod">
+          <ac:chgData name="Alexander von Lühmann" userId="4ffc4e2d339b4992" providerId="LiveId" clId="{7619ECA8-B982-4109-BE04-6E3A8004BC22}" dt="2024-01-19T11:43:26.375" v="3630" actId="207"/>
+          <ac:spMkLst>
+            <pc:docMk/>
+            <pc:sldMk cId="2936482709" sldId="256"/>
+            <ac:spMk id="35" creationId="{755E49AA-AE1F-DCE2-0445-461329EB6C29}"/>
+          </ac:spMkLst>
+        </pc:spChg>
+        <pc:spChg chg="mod">
+          <ac:chgData name="Alexander von Lühmann" userId="4ffc4e2d339b4992" providerId="LiveId" clId="{7619ECA8-B982-4109-BE04-6E3A8004BC22}" dt="2024-01-19T11:43:26.375" v="3630" actId="207"/>
+          <ac:spMkLst>
+            <pc:docMk/>
+            <pc:sldMk cId="2936482709" sldId="256"/>
+            <ac:spMk id="38" creationId="{CBBB128A-A5D5-9525-76A3-B09F41FBA7AA}"/>
+          </ac:spMkLst>
+        </pc:spChg>
+        <pc:spChg chg="del mod topLvl">
+          <ac:chgData name="Alexander von Lühmann" userId="4ffc4e2d339b4992" providerId="LiveId" clId="{7619ECA8-B982-4109-BE04-6E3A8004BC22}" dt="2024-01-19T11:23:21.526" v="2902"/>
+          <ac:spMkLst>
+            <pc:docMk/>
+            <pc:sldMk cId="2936482709" sldId="256"/>
+            <ac:spMk id="41" creationId="{323B5EBB-F43A-1A71-4EF1-A370929CFCDD}"/>
           </ac:spMkLst>
         </pc:spChg>
         <pc:spChg chg="add mod">
@@ -174,87 +358,7 @@
           <ac:spMkLst>
             <pc:docMk/>
             <pc:sldMk cId="2936482709" sldId="256"/>
-            <ac:spMk id="4" creationId="{F76F4A3D-7977-70B9-2F17-BBEA06F7E790}"/>
-          </ac:spMkLst>
-        </pc:spChg>
-        <pc:spChg chg="add del mod topLvl">
-          <ac:chgData name="Alexander von Lühmann" userId="4ffc4e2d339b4992" providerId="LiveId" clId="{7619ECA8-B982-4109-BE04-6E3A8004BC22}" dt="2024-01-19T11:22:38.690" v="2811" actId="478"/>
-          <ac:spMkLst>
-            <pc:docMk/>
-            <pc:sldMk cId="2936482709" sldId="256"/>
-            <ac:spMk id="15" creationId="{0160A463-8BFA-B212-1811-90665EAAE975}"/>
-          </ac:spMkLst>
-        </pc:spChg>
-        <pc:spChg chg="add del mod">
-          <ac:chgData name="Alexander von Lühmann" userId="4ffc4e2d339b4992" providerId="LiveId" clId="{7619ECA8-B982-4109-BE04-6E3A8004BC22}" dt="2024-01-17T15:08:46.149" v="80" actId="478"/>
-          <ac:spMkLst>
-            <pc:docMk/>
-            <pc:sldMk cId="2936482709" sldId="256"/>
-            <ac:spMk id="16" creationId="{50126C3E-923D-6CD7-A5AF-3E36A72E4FAF}"/>
-          </ac:spMkLst>
-        </pc:spChg>
-        <pc:spChg chg="del mod topLvl">
-          <ac:chgData name="Alexander von Lühmann" userId="4ffc4e2d339b4992" providerId="LiveId" clId="{7619ECA8-B982-4109-BE04-6E3A8004BC22}" dt="2024-01-19T11:22:38.691" v="2813"/>
-          <ac:spMkLst>
-            <pc:docMk/>
-            <pc:sldMk cId="2936482709" sldId="256"/>
-            <ac:spMk id="20" creationId="{ACC5ED8A-C3BD-5B94-17A2-D5CF2F6B40C0}"/>
-          </ac:spMkLst>
-        </pc:spChg>
-        <pc:spChg chg="mod">
-          <ac:chgData name="Alexander von Lühmann" userId="4ffc4e2d339b4992" providerId="LiveId" clId="{7619ECA8-B982-4109-BE04-6E3A8004BC22}" dt="2024-01-19T11:43:26.375" v="3630" actId="207"/>
-          <ac:spMkLst>
-            <pc:docMk/>
-            <pc:sldMk cId="2936482709" sldId="256"/>
-            <ac:spMk id="23" creationId="{95694BEC-C059-AAC6-B7FE-F2BA97019CC3}"/>
-          </ac:spMkLst>
-        </pc:spChg>
-        <pc:spChg chg="mod">
-          <ac:chgData name="Alexander von Lühmann" userId="4ffc4e2d339b4992" providerId="LiveId" clId="{7619ECA8-B982-4109-BE04-6E3A8004BC22}" dt="2024-01-19T11:43:26.375" v="3630" actId="207"/>
-          <ac:spMkLst>
-            <pc:docMk/>
-            <pc:sldMk cId="2936482709" sldId="256"/>
-            <ac:spMk id="26" creationId="{125DEFB0-4589-2A2D-89C5-85AAFE2972B0}"/>
-          </ac:spMkLst>
-        </pc:spChg>
-        <pc:spChg chg="mod">
-          <ac:chgData name="Alexander von Lühmann" userId="4ffc4e2d339b4992" providerId="LiveId" clId="{7619ECA8-B982-4109-BE04-6E3A8004BC22}" dt="2024-01-19T11:43:26.375" v="3630" actId="207"/>
-          <ac:spMkLst>
-            <pc:docMk/>
-            <pc:sldMk cId="2936482709" sldId="256"/>
-            <ac:spMk id="29" creationId="{4C35315F-8254-5828-566A-6BE949C8300A}"/>
-          </ac:spMkLst>
-        </pc:spChg>
-        <pc:spChg chg="mod">
-          <ac:chgData name="Alexander von Lühmann" userId="4ffc4e2d339b4992" providerId="LiveId" clId="{7619ECA8-B982-4109-BE04-6E3A8004BC22}" dt="2024-01-19T11:43:26.375" v="3630" actId="207"/>
-          <ac:spMkLst>
-            <pc:docMk/>
-            <pc:sldMk cId="2936482709" sldId="256"/>
-            <ac:spMk id="32" creationId="{29FA3BBA-3F0C-8FED-90F1-C25286BC3836}"/>
-          </ac:spMkLst>
-        </pc:spChg>
-        <pc:spChg chg="mod">
-          <ac:chgData name="Alexander von Lühmann" userId="4ffc4e2d339b4992" providerId="LiveId" clId="{7619ECA8-B982-4109-BE04-6E3A8004BC22}" dt="2024-01-19T11:43:26.375" v="3630" actId="207"/>
-          <ac:spMkLst>
-            <pc:docMk/>
-            <pc:sldMk cId="2936482709" sldId="256"/>
-            <ac:spMk id="35" creationId="{755E49AA-AE1F-DCE2-0445-461329EB6C29}"/>
-          </ac:spMkLst>
-        </pc:spChg>
-        <pc:spChg chg="mod">
-          <ac:chgData name="Alexander von Lühmann" userId="4ffc4e2d339b4992" providerId="LiveId" clId="{7619ECA8-B982-4109-BE04-6E3A8004BC22}" dt="2024-01-19T11:43:26.375" v="3630" actId="207"/>
-          <ac:spMkLst>
-            <pc:docMk/>
-            <pc:sldMk cId="2936482709" sldId="256"/>
-            <ac:spMk id="38" creationId="{CBBB128A-A5D5-9525-76A3-B09F41FBA7AA}"/>
-          </ac:spMkLst>
-        </pc:spChg>
-        <pc:spChg chg="del mod topLvl">
-          <ac:chgData name="Alexander von Lühmann" userId="4ffc4e2d339b4992" providerId="LiveId" clId="{7619ECA8-B982-4109-BE04-6E3A8004BC22}" dt="2024-01-19T11:23:21.526" v="2902"/>
-          <ac:spMkLst>
-            <pc:docMk/>
-            <pc:sldMk cId="2936482709" sldId="256"/>
-            <ac:spMk id="41" creationId="{323B5EBB-F43A-1A71-4EF1-A370929CFCDD}"/>
+            <ac:spMk id="42" creationId="{ED948801-8A3B-CB8D-E0B0-C140B1ED1E4C}"/>
           </ac:spMkLst>
         </pc:spChg>
         <pc:spChg chg="add mod">
@@ -262,7 +366,7 @@
           <ac:spMkLst>
             <pc:docMk/>
             <pc:sldMk cId="2936482709" sldId="256"/>
-            <ac:spMk id="42" creationId="{ED948801-8A3B-CB8D-E0B0-C140B1ED1E4C}"/>
+            <ac:spMk id="43" creationId="{70327FDB-2DA8-FD99-F3B3-CF136D910A90}"/>
           </ac:spMkLst>
         </pc:spChg>
         <pc:spChg chg="add mod">
@@ -270,7 +374,7 @@
           <ac:spMkLst>
             <pc:docMk/>
             <pc:sldMk cId="2936482709" sldId="256"/>
-            <ac:spMk id="43" creationId="{70327FDB-2DA8-FD99-F3B3-CF136D910A90}"/>
+            <ac:spMk id="44" creationId="{EC448791-27E2-D020-0D00-1737C01C0EC9}"/>
           </ac:spMkLst>
         </pc:spChg>
         <pc:spChg chg="add mod">
@@ -278,7 +382,7 @@
           <ac:spMkLst>
             <pc:docMk/>
             <pc:sldMk cId="2936482709" sldId="256"/>
-            <ac:spMk id="44" creationId="{EC448791-27E2-D020-0D00-1737C01C0EC9}"/>
+            <ac:spMk id="45" creationId="{77A3CDDB-EC1F-EE01-99BE-50C4BE7BBE32}"/>
           </ac:spMkLst>
         </pc:spChg>
         <pc:spChg chg="add mod">
@@ -286,7 +390,7 @@
           <ac:spMkLst>
             <pc:docMk/>
             <pc:sldMk cId="2936482709" sldId="256"/>
-            <ac:spMk id="45" creationId="{77A3CDDB-EC1F-EE01-99BE-50C4BE7BBE32}"/>
+            <ac:spMk id="46" creationId="{C1A2BE51-377A-5B64-EC1B-D33DB0C043DD}"/>
           </ac:spMkLst>
         </pc:spChg>
         <pc:spChg chg="add mod">
@@ -294,7 +398,7 @@
           <ac:spMkLst>
             <pc:docMk/>
             <pc:sldMk cId="2936482709" sldId="256"/>
-            <ac:spMk id="46" creationId="{C1A2BE51-377A-5B64-EC1B-D33DB0C043DD}"/>
+            <ac:spMk id="47" creationId="{BB1D648C-068C-4D3F-0653-73B7CE7510CD}"/>
           </ac:spMkLst>
         </pc:spChg>
         <pc:spChg chg="add mod">
@@ -302,7 +406,7 @@
           <ac:spMkLst>
             <pc:docMk/>
             <pc:sldMk cId="2936482709" sldId="256"/>
-            <ac:spMk id="47" creationId="{BB1D648C-068C-4D3F-0653-73B7CE7510CD}"/>
+            <ac:spMk id="48" creationId="{43E2B5ED-1E81-38E3-1E7A-74838DC65FF0}"/>
           </ac:spMkLst>
         </pc:spChg>
         <pc:spChg chg="add mod">
@@ -310,7 +414,7 @@
           <ac:spMkLst>
             <pc:docMk/>
             <pc:sldMk cId="2936482709" sldId="256"/>
-            <ac:spMk id="48" creationId="{43E2B5ED-1E81-38E3-1E7A-74838DC65FF0}"/>
+            <ac:spMk id="49" creationId="{7EFDF77F-F6E4-4D4E-8C7E-FEBD1A84208E}"/>
           </ac:spMkLst>
         </pc:spChg>
         <pc:spChg chg="add mod">
@@ -318,7 +422,7 @@
           <ac:spMkLst>
             <pc:docMk/>
             <pc:sldMk cId="2936482709" sldId="256"/>
-            <ac:spMk id="49" creationId="{7EFDF77F-F6E4-4D4E-8C7E-FEBD1A84208E}"/>
+            <ac:spMk id="50" creationId="{F13D8ADB-DEA1-E220-7D56-2CB704686D30}"/>
           </ac:spMkLst>
         </pc:spChg>
         <pc:spChg chg="add mod">
@@ -326,7 +430,7 @@
           <ac:spMkLst>
             <pc:docMk/>
             <pc:sldMk cId="2936482709" sldId="256"/>
-            <ac:spMk id="50" creationId="{F13D8ADB-DEA1-E220-7D56-2CB704686D30}"/>
+            <ac:spMk id="51" creationId="{9A64D01F-70CE-9CA9-425E-3E3556FC019E}"/>
           </ac:spMkLst>
         </pc:spChg>
         <pc:spChg chg="add mod">
@@ -334,7 +438,7 @@
           <ac:spMkLst>
             <pc:docMk/>
             <pc:sldMk cId="2936482709" sldId="256"/>
-            <ac:spMk id="51" creationId="{9A64D01F-70CE-9CA9-425E-3E3556FC019E}"/>
+            <ac:spMk id="52" creationId="{CB5307F2-5602-8B3E-0BDB-4085769B92C3}"/>
           </ac:spMkLst>
         </pc:spChg>
         <pc:spChg chg="add mod">
@@ -342,7 +446,7 @@
           <ac:spMkLst>
             <pc:docMk/>
             <pc:sldMk cId="2936482709" sldId="256"/>
-            <ac:spMk id="52" creationId="{CB5307F2-5602-8B3E-0BDB-4085769B92C3}"/>
+            <ac:spMk id="53" creationId="{1023BAED-C373-E87B-0B1A-FB29D6A72981}"/>
           </ac:spMkLst>
         </pc:spChg>
         <pc:spChg chg="add mod">
@@ -350,7 +454,15 @@
           <ac:spMkLst>
             <pc:docMk/>
             <pc:sldMk cId="2936482709" sldId="256"/>
-            <ac:spMk id="53" creationId="{1023BAED-C373-E87B-0B1A-FB29D6A72981}"/>
+            <ac:spMk id="54" creationId="{FAFE8B62-952A-939E-8F35-0E92B7F7072D}"/>
+          </ac:spMkLst>
+        </pc:spChg>
+        <pc:spChg chg="add del mod">
+          <ac:chgData name="Alexander von Lühmann" userId="4ffc4e2d339b4992" providerId="LiveId" clId="{7619ECA8-B982-4109-BE04-6E3A8004BC22}" dt="2024-01-17T16:38:09.722" v="1338" actId="478"/>
+          <ac:spMkLst>
+            <pc:docMk/>
+            <pc:sldMk cId="2936482709" sldId="256"/>
+            <ac:spMk id="55" creationId="{B81B8041-6A68-8127-34B6-9CFAD327A004}"/>
           </ac:spMkLst>
         </pc:spChg>
         <pc:spChg chg="add mod">
@@ -358,15 +470,7 @@
           <ac:spMkLst>
             <pc:docMk/>
             <pc:sldMk cId="2936482709" sldId="256"/>
-            <ac:spMk id="54" creationId="{FAFE8B62-952A-939E-8F35-0E92B7F7072D}"/>
-          </ac:spMkLst>
-        </pc:spChg>
-        <pc:spChg chg="add del mod">
-          <ac:chgData name="Alexander von Lühmann" userId="4ffc4e2d339b4992" providerId="LiveId" clId="{7619ECA8-B982-4109-BE04-6E3A8004BC22}" dt="2024-01-17T16:38:09.722" v="1338" actId="478"/>
-          <ac:spMkLst>
-            <pc:docMk/>
-            <pc:sldMk cId="2936482709" sldId="256"/>
-            <ac:spMk id="55" creationId="{B81B8041-6A68-8127-34B6-9CFAD327A004}"/>
+            <ac:spMk id="56" creationId="{8E1558FE-BEAA-099C-025D-5B71E609A5D1}"/>
           </ac:spMkLst>
         </pc:spChg>
         <pc:spChg chg="add mod">
@@ -374,7 +478,23 @@
           <ac:spMkLst>
             <pc:docMk/>
             <pc:sldMk cId="2936482709" sldId="256"/>
-            <ac:spMk id="56" creationId="{8E1558FE-BEAA-099C-025D-5B71E609A5D1}"/>
+            <ac:spMk id="57" creationId="{A15055AE-CF9C-BF7B-298D-992345A9D5E5}"/>
+          </ac:spMkLst>
+        </pc:spChg>
+        <pc:spChg chg="add del mod">
+          <ac:chgData name="Alexander von Lühmann" userId="4ffc4e2d339b4992" providerId="LiveId" clId="{7619ECA8-B982-4109-BE04-6E3A8004BC22}" dt="2024-01-17T16:38:54.576" v="1387" actId="478"/>
+          <ac:spMkLst>
+            <pc:docMk/>
+            <pc:sldMk cId="2936482709" sldId="256"/>
+            <ac:spMk id="58" creationId="{22FFD296-8CA4-AE3F-0ED5-051BD0BC3F2E}"/>
+          </ac:spMkLst>
+        </pc:spChg>
+        <pc:spChg chg="mod">
+          <ac:chgData name="Alexander von Lühmann" userId="4ffc4e2d339b4992" providerId="LiveId" clId="{7619ECA8-B982-4109-BE04-6E3A8004BC22}" dt="2024-01-19T11:45:51.577" v="3648" actId="571"/>
+          <ac:spMkLst>
+            <pc:docMk/>
+            <pc:sldMk cId="2936482709" sldId="256"/>
+            <ac:spMk id="58" creationId="{884852CE-9DC1-5F92-EB69-CE7B8919F74F}"/>
           </ac:spMkLst>
         </pc:spChg>
         <pc:spChg chg="add mod">
@@ -382,23 +502,7 @@
           <ac:spMkLst>
             <pc:docMk/>
             <pc:sldMk cId="2936482709" sldId="256"/>
-            <ac:spMk id="57" creationId="{A15055AE-CF9C-BF7B-298D-992345A9D5E5}"/>
-          </ac:spMkLst>
-        </pc:spChg>
-        <pc:spChg chg="add del mod">
-          <ac:chgData name="Alexander von Lühmann" userId="4ffc4e2d339b4992" providerId="LiveId" clId="{7619ECA8-B982-4109-BE04-6E3A8004BC22}" dt="2024-01-17T16:38:54.576" v="1387" actId="478"/>
-          <ac:spMkLst>
-            <pc:docMk/>
-            <pc:sldMk cId="2936482709" sldId="256"/>
-            <ac:spMk id="58" creationId="{22FFD296-8CA4-AE3F-0ED5-051BD0BC3F2E}"/>
-          </ac:spMkLst>
-        </pc:spChg>
-        <pc:spChg chg="mod">
-          <ac:chgData name="Alexander von Lühmann" userId="4ffc4e2d339b4992" providerId="LiveId" clId="{7619ECA8-B982-4109-BE04-6E3A8004BC22}" dt="2024-01-19T11:45:51.577" v="3648" actId="571"/>
-          <ac:spMkLst>
-            <pc:docMk/>
-            <pc:sldMk cId="2936482709" sldId="256"/>
-            <ac:spMk id="58" creationId="{884852CE-9DC1-5F92-EB69-CE7B8919F74F}"/>
+            <ac:spMk id="59" creationId="{820CF24B-7670-D6D7-0493-ECF07E4247FD}"/>
           </ac:spMkLst>
         </pc:spChg>
         <pc:spChg chg="add mod">
@@ -406,7 +510,7 @@
           <ac:spMkLst>
             <pc:docMk/>
             <pc:sldMk cId="2936482709" sldId="256"/>
-            <ac:spMk id="59" creationId="{820CF24B-7670-D6D7-0493-ECF07E4247FD}"/>
+            <ac:spMk id="60" creationId="{03547C35-885F-FA93-AE76-FC67F24E5EF6}"/>
           </ac:spMkLst>
         </pc:spChg>
         <pc:spChg chg="add mod">
@@ -414,7 +518,7 @@
           <ac:spMkLst>
             <pc:docMk/>
             <pc:sldMk cId="2936482709" sldId="256"/>
-            <ac:spMk id="60" creationId="{03547C35-885F-FA93-AE76-FC67F24E5EF6}"/>
+            <ac:spMk id="61" creationId="{1FD37A34-7266-C685-3118-CB4E9E433213}"/>
           </ac:spMkLst>
         </pc:spChg>
         <pc:spChg chg="add mod">
@@ -422,7 +526,7 @@
           <ac:spMkLst>
             <pc:docMk/>
             <pc:sldMk cId="2936482709" sldId="256"/>
-            <ac:spMk id="61" creationId="{1FD37A34-7266-C685-3118-CB4E9E433213}"/>
+            <ac:spMk id="62" creationId="{5E9C3597-DB71-298B-A4B0-49101886540F}"/>
           </ac:spMkLst>
         </pc:spChg>
         <pc:spChg chg="add mod">
@@ -430,7 +534,7 @@
           <ac:spMkLst>
             <pc:docMk/>
             <pc:sldMk cId="2936482709" sldId="256"/>
-            <ac:spMk id="62" creationId="{5E9C3597-DB71-298B-A4B0-49101886540F}"/>
+            <ac:spMk id="63" creationId="{01A91EC9-E29E-4F9D-67B2-C1BDECC26C36}"/>
           </ac:spMkLst>
         </pc:spChg>
         <pc:spChg chg="add mod">
@@ -438,7 +542,7 @@
           <ac:spMkLst>
             <pc:docMk/>
             <pc:sldMk cId="2936482709" sldId="256"/>
-            <ac:spMk id="63" creationId="{01A91EC9-E29E-4F9D-67B2-C1BDECC26C36}"/>
+            <ac:spMk id="64" creationId="{CB333BE8-AA9D-D78E-6B65-B9A1E410B9B6}"/>
           </ac:spMkLst>
         </pc:spChg>
         <pc:spChg chg="add mod">
@@ -446,7 +550,7 @@
           <ac:spMkLst>
             <pc:docMk/>
             <pc:sldMk cId="2936482709" sldId="256"/>
-            <ac:spMk id="64" creationId="{CB333BE8-AA9D-D78E-6B65-B9A1E410B9B6}"/>
+            <ac:spMk id="65" creationId="{1D5C7010-3CC8-BF26-18D4-E2C188D2F223}"/>
           </ac:spMkLst>
         </pc:spChg>
         <pc:spChg chg="add mod">
@@ -454,7 +558,7 @@
           <ac:spMkLst>
             <pc:docMk/>
             <pc:sldMk cId="2936482709" sldId="256"/>
-            <ac:spMk id="65" creationId="{1D5C7010-3CC8-BF26-18D4-E2C188D2F223}"/>
+            <ac:spMk id="66" creationId="{B6C0C1E7-1642-B57B-EE72-66D1EA3A70C2}"/>
           </ac:spMkLst>
         </pc:spChg>
         <pc:spChg chg="add mod">
@@ -462,7 +566,7 @@
           <ac:spMkLst>
             <pc:docMk/>
             <pc:sldMk cId="2936482709" sldId="256"/>
-            <ac:spMk id="66" creationId="{B6C0C1E7-1642-B57B-EE72-66D1EA3A70C2}"/>
+            <ac:spMk id="67" creationId="{293C0FD8-80A1-8D2B-69E2-AA9D3D97042D}"/>
           </ac:spMkLst>
         </pc:spChg>
         <pc:spChg chg="add mod">
@@ -470,7 +574,23 @@
           <ac:spMkLst>
             <pc:docMk/>
             <pc:sldMk cId="2936482709" sldId="256"/>
-            <ac:spMk id="67" creationId="{293C0FD8-80A1-8D2B-69E2-AA9D3D97042D}"/>
+            <ac:spMk id="68" creationId="{84FB9B3B-D531-8747-A722-B69730CDAA43}"/>
+          </ac:spMkLst>
+        </pc:spChg>
+        <pc:spChg chg="add mod">
+          <ac:chgData name="Alexander von Lühmann" userId="4ffc4e2d339b4992" providerId="LiveId" clId="{7619ECA8-B982-4109-BE04-6E3A8004BC22}" dt="2024-01-17T16:43:20.623" v="1658"/>
+          <ac:spMkLst>
+            <pc:docMk/>
+            <pc:sldMk cId="2936482709" sldId="256"/>
+            <ac:spMk id="69" creationId="{7E1E6302-B096-9E84-65FD-206F48A06672}"/>
+          </ac:spMkLst>
+        </pc:spChg>
+        <pc:spChg chg="add mod">
+          <ac:chgData name="Alexander von Lühmann" userId="4ffc4e2d339b4992" providerId="LiveId" clId="{7619ECA8-B982-4109-BE04-6E3A8004BC22}" dt="2024-01-17T16:43:23.446" v="1659"/>
+          <ac:spMkLst>
+            <pc:docMk/>
+            <pc:sldMk cId="2936482709" sldId="256"/>
+            <ac:spMk id="70" creationId="{D60E715C-8C16-6CDC-555A-6593FB7515E3}"/>
           </ac:spMkLst>
         </pc:spChg>
         <pc:spChg chg="add mod">
@@ -478,23 +598,7 @@
           <ac:spMkLst>
             <pc:docMk/>
             <pc:sldMk cId="2936482709" sldId="256"/>
-            <ac:spMk id="68" creationId="{84FB9B3B-D531-8747-A722-B69730CDAA43}"/>
-          </ac:spMkLst>
-        </pc:spChg>
-        <pc:spChg chg="add mod">
-          <ac:chgData name="Alexander von Lühmann" userId="4ffc4e2d339b4992" providerId="LiveId" clId="{7619ECA8-B982-4109-BE04-6E3A8004BC22}" dt="2024-01-17T16:43:20.623" v="1658"/>
-          <ac:spMkLst>
-            <pc:docMk/>
-            <pc:sldMk cId="2936482709" sldId="256"/>
-            <ac:spMk id="69" creationId="{7E1E6302-B096-9E84-65FD-206F48A06672}"/>
-          </ac:spMkLst>
-        </pc:spChg>
-        <pc:spChg chg="add mod">
-          <ac:chgData name="Alexander von Lühmann" userId="4ffc4e2d339b4992" providerId="LiveId" clId="{7619ECA8-B982-4109-BE04-6E3A8004BC22}" dt="2024-01-17T16:43:23.446" v="1659"/>
-          <ac:spMkLst>
-            <pc:docMk/>
-            <pc:sldMk cId="2936482709" sldId="256"/>
-            <ac:spMk id="70" creationId="{D60E715C-8C16-6CDC-555A-6593FB7515E3}"/>
+            <ac:spMk id="71" creationId="{DF9D9501-00D2-0BF6-638C-69BC42C50F61}"/>
           </ac:spMkLst>
         </pc:spChg>
         <pc:spChg chg="add mod">
@@ -502,7 +606,7 @@
           <ac:spMkLst>
             <pc:docMk/>
             <pc:sldMk cId="2936482709" sldId="256"/>
-            <ac:spMk id="71" creationId="{DF9D9501-00D2-0BF6-638C-69BC42C50F61}"/>
+            <ac:spMk id="72" creationId="{0BB2265E-7345-CF89-4F71-AEF237B65A03}"/>
           </ac:spMkLst>
         </pc:spChg>
         <pc:spChg chg="add mod">
@@ -510,7 +614,7 @@
           <ac:spMkLst>
             <pc:docMk/>
             <pc:sldMk cId="2936482709" sldId="256"/>
-            <ac:spMk id="72" creationId="{0BB2265E-7345-CF89-4F71-AEF237B65A03}"/>
+            <ac:spMk id="73" creationId="{1646FCBC-8528-9F8C-98D6-433B372E0D3E}"/>
           </ac:spMkLst>
         </pc:spChg>
         <pc:spChg chg="add mod">
@@ -518,7 +622,7 @@
           <ac:spMkLst>
             <pc:docMk/>
             <pc:sldMk cId="2936482709" sldId="256"/>
-            <ac:spMk id="73" creationId="{1646FCBC-8528-9F8C-98D6-433B372E0D3E}"/>
+            <ac:spMk id="74" creationId="{ABFF5A30-592F-15C8-51CF-EA660729F693}"/>
           </ac:spMkLst>
         </pc:spChg>
         <pc:spChg chg="add mod">
@@ -526,7 +630,7 @@
           <ac:spMkLst>
             <pc:docMk/>
             <pc:sldMk cId="2936482709" sldId="256"/>
-            <ac:spMk id="74" creationId="{ABFF5A30-592F-15C8-51CF-EA660729F693}"/>
+            <ac:spMk id="75" creationId="{2081AF33-988C-4318-A859-1673B8668FF4}"/>
           </ac:spMkLst>
         </pc:spChg>
         <pc:spChg chg="add mod">
@@ -534,7 +638,7 @@
           <ac:spMkLst>
             <pc:docMk/>
             <pc:sldMk cId="2936482709" sldId="256"/>
-            <ac:spMk id="75" creationId="{2081AF33-988C-4318-A859-1673B8668FF4}"/>
+            <ac:spMk id="76" creationId="{C8BA2908-C898-B07A-269A-49FE7AC46EFE}"/>
           </ac:spMkLst>
         </pc:spChg>
         <pc:spChg chg="add mod">
@@ -542,7 +646,7 @@
           <ac:spMkLst>
             <pc:docMk/>
             <pc:sldMk cId="2936482709" sldId="256"/>
-            <ac:spMk id="76" creationId="{C8BA2908-C898-B07A-269A-49FE7AC46EFE}"/>
+            <ac:spMk id="77" creationId="{41E6161B-7547-0B1F-B5C4-B75452E2D767}"/>
           </ac:spMkLst>
         </pc:spChg>
         <pc:spChg chg="add mod">
@@ -550,7 +654,7 @@
           <ac:spMkLst>
             <pc:docMk/>
             <pc:sldMk cId="2936482709" sldId="256"/>
-            <ac:spMk id="77" creationId="{41E6161B-7547-0B1F-B5C4-B75452E2D767}"/>
+            <ac:spMk id="78" creationId="{289FA8E6-C58D-AA15-D29B-726876274125}"/>
           </ac:spMkLst>
         </pc:spChg>
         <pc:spChg chg="add mod">
@@ -558,7 +662,7 @@
           <ac:spMkLst>
             <pc:docMk/>
             <pc:sldMk cId="2936482709" sldId="256"/>
-            <ac:spMk id="78" creationId="{289FA8E6-C58D-AA15-D29B-726876274125}"/>
+            <ac:spMk id="79" creationId="{3222DDE1-1470-BEB3-C263-C6FD42BDC7F8}"/>
           </ac:spMkLst>
         </pc:spChg>
         <pc:spChg chg="add mod">
@@ -566,7 +670,7 @@
           <ac:spMkLst>
             <pc:docMk/>
             <pc:sldMk cId="2936482709" sldId="256"/>
-            <ac:spMk id="79" creationId="{3222DDE1-1470-BEB3-C263-C6FD42BDC7F8}"/>
+            <ac:spMk id="80" creationId="{CEEA97C6-8B01-68E8-0BA8-E3BB456A82F6}"/>
           </ac:spMkLst>
         </pc:spChg>
         <pc:spChg chg="add mod">
@@ -574,7 +678,7 @@
           <ac:spMkLst>
             <pc:docMk/>
             <pc:sldMk cId="2936482709" sldId="256"/>
-            <ac:spMk id="80" creationId="{CEEA97C6-8B01-68E8-0BA8-E3BB456A82F6}"/>
+            <ac:spMk id="81" creationId="{0BB6D735-C0B0-43F5-B2E7-597790FF5A24}"/>
           </ac:spMkLst>
         </pc:spChg>
         <pc:spChg chg="add mod">
@@ -582,7 +686,7 @@
           <ac:spMkLst>
             <pc:docMk/>
             <pc:sldMk cId="2936482709" sldId="256"/>
-            <ac:spMk id="81" creationId="{0BB6D735-C0B0-43F5-B2E7-597790FF5A24}"/>
+            <ac:spMk id="82" creationId="{6042EEA5-D6AF-48D6-17D4-792A6728A10D}"/>
           </ac:spMkLst>
         </pc:spChg>
         <pc:spChg chg="add mod">
@@ -590,7 +694,7 @@
           <ac:spMkLst>
             <pc:docMk/>
             <pc:sldMk cId="2936482709" sldId="256"/>
-            <ac:spMk id="82" creationId="{6042EEA5-D6AF-48D6-17D4-792A6728A10D}"/>
+            <ac:spMk id="83" creationId="{5B165B9A-F187-4718-14AE-7748483DF8B7}"/>
           </ac:spMkLst>
         </pc:spChg>
         <pc:spChg chg="add mod">
@@ -598,7 +702,7 @@
           <ac:spMkLst>
             <pc:docMk/>
             <pc:sldMk cId="2936482709" sldId="256"/>
-            <ac:spMk id="83" creationId="{5B165B9A-F187-4718-14AE-7748483DF8B7}"/>
+            <ac:spMk id="84" creationId="{DF9AF9C1-54D8-16B5-0A0C-E5D828398D9F}"/>
           </ac:spMkLst>
         </pc:spChg>
         <pc:spChg chg="add mod">
@@ -606,7 +710,7 @@
           <ac:spMkLst>
             <pc:docMk/>
             <pc:sldMk cId="2936482709" sldId="256"/>
-            <ac:spMk id="84" creationId="{DF9AF9C1-54D8-16B5-0A0C-E5D828398D9F}"/>
+            <ac:spMk id="85" creationId="{860ABA83-DE06-5747-C498-C89B85C40DDC}"/>
           </ac:spMkLst>
         </pc:spChg>
         <pc:spChg chg="add mod">
@@ -614,7 +718,7 @@
           <ac:spMkLst>
             <pc:docMk/>
             <pc:sldMk cId="2936482709" sldId="256"/>
-            <ac:spMk id="85" creationId="{860ABA83-DE06-5747-C498-C89B85C40DDC}"/>
+            <ac:spMk id="86" creationId="{4D1F8B63-F41B-21F3-80C2-A6B7363481BB}"/>
           </ac:spMkLst>
         </pc:spChg>
         <pc:spChg chg="add mod">
@@ -622,7 +726,7 @@
           <ac:spMkLst>
             <pc:docMk/>
             <pc:sldMk cId="2936482709" sldId="256"/>
-            <ac:spMk id="86" creationId="{4D1F8B63-F41B-21F3-80C2-A6B7363481BB}"/>
+            <ac:spMk id="87" creationId="{5F8AAB3E-A53F-D878-56AF-687FC9405FBD}"/>
           </ac:spMkLst>
         </pc:spChg>
         <pc:spChg chg="add mod">
@@ -630,7 +734,7 @@
           <ac:spMkLst>
             <pc:docMk/>
             <pc:sldMk cId="2936482709" sldId="256"/>
-            <ac:spMk id="87" creationId="{5F8AAB3E-A53F-D878-56AF-687FC9405FBD}"/>
+            <ac:spMk id="88" creationId="{EE55C933-0BF3-D739-D59B-76AB0A7D0C18}"/>
           </ac:spMkLst>
         </pc:spChg>
         <pc:spChg chg="add mod">
@@ -638,7 +742,7 @@
           <ac:spMkLst>
             <pc:docMk/>
             <pc:sldMk cId="2936482709" sldId="256"/>
-            <ac:spMk id="88" creationId="{EE55C933-0BF3-D739-D59B-76AB0A7D0C18}"/>
+            <ac:spMk id="89" creationId="{337FD03D-178B-8262-6F18-0159D860929D}"/>
           </ac:spMkLst>
         </pc:spChg>
         <pc:spChg chg="add mod">
@@ -646,7 +750,7 @@
           <ac:spMkLst>
             <pc:docMk/>
             <pc:sldMk cId="2936482709" sldId="256"/>
-            <ac:spMk id="89" creationId="{337FD03D-178B-8262-6F18-0159D860929D}"/>
+            <ac:spMk id="90" creationId="{EA4BF886-17B1-D2CB-D4A8-1D0612DA38CB}"/>
           </ac:spMkLst>
         </pc:spChg>
         <pc:spChg chg="add mod">
@@ -654,7 +758,7 @@
           <ac:spMkLst>
             <pc:docMk/>
             <pc:sldMk cId="2936482709" sldId="256"/>
-            <ac:spMk id="90" creationId="{EA4BF886-17B1-D2CB-D4A8-1D0612DA38CB}"/>
+            <ac:spMk id="91" creationId="{FEADB292-4D45-B0D2-19A8-C67533BBD6B7}"/>
           </ac:spMkLst>
         </pc:spChg>
         <pc:spChg chg="add mod">
@@ -662,7 +766,7 @@
           <ac:spMkLst>
             <pc:docMk/>
             <pc:sldMk cId="2936482709" sldId="256"/>
-            <ac:spMk id="91" creationId="{FEADB292-4D45-B0D2-19A8-C67533BBD6B7}"/>
+            <ac:spMk id="92" creationId="{852B4FC2-F0C8-B078-74D6-39CA7583DB58}"/>
           </ac:spMkLst>
         </pc:spChg>
         <pc:spChg chg="add mod">
@@ -670,7 +774,7 @@
           <ac:spMkLst>
             <pc:docMk/>
             <pc:sldMk cId="2936482709" sldId="256"/>
-            <ac:spMk id="92" creationId="{852B4FC2-F0C8-B078-74D6-39CA7583DB58}"/>
+            <ac:spMk id="93" creationId="{08E81BDA-265E-836A-6572-50FF07DD8012}"/>
           </ac:spMkLst>
         </pc:spChg>
         <pc:spChg chg="add mod">
@@ -678,7 +782,7 @@
           <ac:spMkLst>
             <pc:docMk/>
             <pc:sldMk cId="2936482709" sldId="256"/>
-            <ac:spMk id="93" creationId="{08E81BDA-265E-836A-6572-50FF07DD8012}"/>
+            <ac:spMk id="94" creationId="{54291E7F-C8E5-7FEE-B3B3-193BF6D72F53}"/>
           </ac:spMkLst>
         </pc:spChg>
         <pc:spChg chg="add mod">
@@ -686,7 +790,7 @@
           <ac:spMkLst>
             <pc:docMk/>
             <pc:sldMk cId="2936482709" sldId="256"/>
-            <ac:spMk id="94" creationId="{54291E7F-C8E5-7FEE-B3B3-193BF6D72F53}"/>
+            <ac:spMk id="95" creationId="{E15C9A60-924D-2455-1637-19E4AC59141A}"/>
           </ac:spMkLst>
         </pc:spChg>
         <pc:spChg chg="add mod">
@@ -694,7 +798,7 @@
           <ac:spMkLst>
             <pc:docMk/>
             <pc:sldMk cId="2936482709" sldId="256"/>
-            <ac:spMk id="95" creationId="{E15C9A60-924D-2455-1637-19E4AC59141A}"/>
+            <ac:spMk id="96" creationId="{1213A133-4022-812E-6CA0-5AF9AEB58C0E}"/>
           </ac:spMkLst>
         </pc:spChg>
         <pc:spChg chg="add mod">
@@ -702,7 +806,7 @@
           <ac:spMkLst>
             <pc:docMk/>
             <pc:sldMk cId="2936482709" sldId="256"/>
-            <ac:spMk id="96" creationId="{1213A133-4022-812E-6CA0-5AF9AEB58C0E}"/>
+            <ac:spMk id="97" creationId="{20F8EBDF-D6C6-E192-3720-F40625B1800B}"/>
           </ac:spMkLst>
         </pc:spChg>
         <pc:spChg chg="add mod">
@@ -710,7 +814,15 @@
           <ac:spMkLst>
             <pc:docMk/>
             <pc:sldMk cId="2936482709" sldId="256"/>
-            <ac:spMk id="97" creationId="{20F8EBDF-D6C6-E192-3720-F40625B1800B}"/>
+            <ac:spMk id="98" creationId="{AF514462-6AE0-0B3A-0B5B-8537D3C6372F}"/>
+          </ac:spMkLst>
+        </pc:spChg>
+        <pc:spChg chg="add mod">
+          <ac:chgData name="Alexander von Lühmann" userId="4ffc4e2d339b4992" providerId="LiveId" clId="{7619ECA8-B982-4109-BE04-6E3A8004BC22}" dt="2024-01-19T16:00:22.669" v="7409" actId="1037"/>
+          <ac:spMkLst>
+            <pc:docMk/>
+            <pc:sldMk cId="2936482709" sldId="256"/>
+            <ac:spMk id="99" creationId="{FD126B86-8A89-4EFF-5CBE-517E6A5F7D44}"/>
           </ac:spMkLst>
         </pc:spChg>
         <pc:spChg chg="add mod">
@@ -718,7 +830,23 @@
           <ac:spMkLst>
             <pc:docMk/>
             <pc:sldMk cId="2936482709" sldId="256"/>
-            <ac:spMk id="98" creationId="{AF514462-6AE0-0B3A-0B5B-8537D3C6372F}"/>
+            <ac:spMk id="100" creationId="{B4B60D85-A133-E370-1EA4-7CA3615A3A53}"/>
+          </ac:spMkLst>
+        </pc:spChg>
+        <pc:spChg chg="add del mod">
+          <ac:chgData name="Alexander von Lühmann" userId="4ffc4e2d339b4992" providerId="LiveId" clId="{7619ECA8-B982-4109-BE04-6E3A8004BC22}" dt="2024-01-17T16:53:53.135" v="2308" actId="478"/>
+          <ac:spMkLst>
+            <pc:docMk/>
+            <pc:sldMk cId="2936482709" sldId="256"/>
+            <ac:spMk id="101" creationId="{16CBAC73-9833-6D04-8916-632B1E415C30}"/>
+          </ac:spMkLst>
+        </pc:spChg>
+        <pc:spChg chg="mod topLvl">
+          <ac:chgData name="Alexander von Lühmann" userId="4ffc4e2d339b4992" providerId="LiveId" clId="{7619ECA8-B982-4109-BE04-6E3A8004BC22}" dt="2024-01-19T11:45:59.275" v="3659" actId="478"/>
+          <ac:spMkLst>
+            <pc:docMk/>
+            <pc:sldMk cId="2936482709" sldId="256"/>
+            <ac:spMk id="101" creationId="{A18BD645-7B4F-0C1D-D4FD-17B2EBA637B5}"/>
           </ac:spMkLst>
         </pc:spChg>
         <pc:spChg chg="add mod">
@@ -726,7 +854,31 @@
           <ac:spMkLst>
             <pc:docMk/>
             <pc:sldMk cId="2936482709" sldId="256"/>
-            <ac:spMk id="99" creationId="{FD126B86-8A89-4EFF-5CBE-517E6A5F7D44}"/>
+            <ac:spMk id="102" creationId="{6875F132-347B-CA40-A33D-116E46BDB969}"/>
+          </ac:spMkLst>
+        </pc:spChg>
+        <pc:spChg chg="add del mod">
+          <ac:chgData name="Alexander von Lühmann" userId="4ffc4e2d339b4992" providerId="LiveId" clId="{7619ECA8-B982-4109-BE04-6E3A8004BC22}" dt="2024-01-17T16:53:53.137" v="2310"/>
+          <ac:spMkLst>
+            <pc:docMk/>
+            <pc:sldMk cId="2936482709" sldId="256"/>
+            <ac:spMk id="103" creationId="{4E57AC43-7914-CF74-2EF9-92C4FF764B67}"/>
+          </ac:spMkLst>
+        </pc:spChg>
+        <pc:spChg chg="add del mod">
+          <ac:chgData name="Alexander von Lühmann" userId="4ffc4e2d339b4992" providerId="LiveId" clId="{7619ECA8-B982-4109-BE04-6E3A8004BC22}" dt="2024-01-19T10:54:24.745" v="2709" actId="478"/>
+          <ac:spMkLst>
+            <pc:docMk/>
+            <pc:sldMk cId="2936482709" sldId="256"/>
+            <ac:spMk id="104" creationId="{0DEE6935-DECD-9F2F-15F3-C578EA9F038A}"/>
+          </ac:spMkLst>
+        </pc:spChg>
+        <pc:spChg chg="add del mod">
+          <ac:chgData name="Alexander von Lühmann" userId="4ffc4e2d339b4992" providerId="LiveId" clId="{7619ECA8-B982-4109-BE04-6E3A8004BC22}" dt="2024-01-19T10:54:15.019" v="2703" actId="478"/>
+          <ac:spMkLst>
+            <pc:docMk/>
+            <pc:sldMk cId="2936482709" sldId="256"/>
+            <ac:spMk id="105" creationId="{149FCF59-B191-54DB-5E12-F9DEEA1DC1F0}"/>
           </ac:spMkLst>
         </pc:spChg>
         <pc:spChg chg="add mod">
@@ -734,23 +886,7 @@
           <ac:spMkLst>
             <pc:docMk/>
             <pc:sldMk cId="2936482709" sldId="256"/>
-            <ac:spMk id="100" creationId="{B4B60D85-A133-E370-1EA4-7CA3615A3A53}"/>
-          </ac:spMkLst>
-        </pc:spChg>
-        <pc:spChg chg="add del mod">
-          <ac:chgData name="Alexander von Lühmann" userId="4ffc4e2d339b4992" providerId="LiveId" clId="{7619ECA8-B982-4109-BE04-6E3A8004BC22}" dt="2024-01-17T16:53:53.135" v="2308" actId="478"/>
-          <ac:spMkLst>
-            <pc:docMk/>
-            <pc:sldMk cId="2936482709" sldId="256"/>
-            <ac:spMk id="101" creationId="{16CBAC73-9833-6D04-8916-632B1E415C30}"/>
-          </ac:spMkLst>
-        </pc:spChg>
-        <pc:spChg chg="mod topLvl">
-          <ac:chgData name="Alexander von Lühmann" userId="4ffc4e2d339b4992" providerId="LiveId" clId="{7619ECA8-B982-4109-BE04-6E3A8004BC22}" dt="2024-01-19T11:45:59.275" v="3659" actId="478"/>
-          <ac:spMkLst>
-            <pc:docMk/>
-            <pc:sldMk cId="2936482709" sldId="256"/>
-            <ac:spMk id="101" creationId="{A18BD645-7B4F-0C1D-D4FD-17B2EBA637B5}"/>
+            <ac:spMk id="106" creationId="{CE45ACAD-B433-8694-E5E8-297020CBB4A7}"/>
           </ac:spMkLst>
         </pc:spChg>
         <pc:spChg chg="add mod">
@@ -758,31 +894,7 @@
           <ac:spMkLst>
             <pc:docMk/>
             <pc:sldMk cId="2936482709" sldId="256"/>
-            <ac:spMk id="102" creationId="{6875F132-347B-CA40-A33D-116E46BDB969}"/>
-          </ac:spMkLst>
-        </pc:spChg>
-        <pc:spChg chg="add del mod">
-          <ac:chgData name="Alexander von Lühmann" userId="4ffc4e2d339b4992" providerId="LiveId" clId="{7619ECA8-B982-4109-BE04-6E3A8004BC22}" dt="2024-01-17T16:53:53.137" v="2310"/>
-          <ac:spMkLst>
-            <pc:docMk/>
-            <pc:sldMk cId="2936482709" sldId="256"/>
-            <ac:spMk id="103" creationId="{4E57AC43-7914-CF74-2EF9-92C4FF764B67}"/>
-          </ac:spMkLst>
-        </pc:spChg>
-        <pc:spChg chg="add del mod">
-          <ac:chgData name="Alexander von Lühmann" userId="4ffc4e2d339b4992" providerId="LiveId" clId="{7619ECA8-B982-4109-BE04-6E3A8004BC22}" dt="2024-01-19T10:54:24.745" v="2709" actId="478"/>
-          <ac:spMkLst>
-            <pc:docMk/>
-            <pc:sldMk cId="2936482709" sldId="256"/>
-            <ac:spMk id="104" creationId="{0DEE6935-DECD-9F2F-15F3-C578EA9F038A}"/>
-          </ac:spMkLst>
-        </pc:spChg>
-        <pc:spChg chg="add del mod">
-          <ac:chgData name="Alexander von Lühmann" userId="4ffc4e2d339b4992" providerId="LiveId" clId="{7619ECA8-B982-4109-BE04-6E3A8004BC22}" dt="2024-01-19T10:54:15.019" v="2703" actId="478"/>
-          <ac:spMkLst>
-            <pc:docMk/>
-            <pc:sldMk cId="2936482709" sldId="256"/>
-            <ac:spMk id="105" creationId="{149FCF59-B191-54DB-5E12-F9DEEA1DC1F0}"/>
+            <ac:spMk id="107" creationId="{EA4D80A8-B768-1809-2E8E-C77AAD85C4DC}"/>
           </ac:spMkLst>
         </pc:spChg>
         <pc:spChg chg="add mod">
@@ -790,7 +902,7 @@
           <ac:spMkLst>
             <pc:docMk/>
             <pc:sldMk cId="2936482709" sldId="256"/>
-            <ac:spMk id="106" creationId="{CE45ACAD-B433-8694-E5E8-297020CBB4A7}"/>
+            <ac:spMk id="108" creationId="{926EEF2E-3248-EDFB-2481-8510BEDCEBCD}"/>
           </ac:spMkLst>
         </pc:spChg>
         <pc:spChg chg="add mod">
@@ -798,7 +910,15 @@
           <ac:spMkLst>
             <pc:docMk/>
             <pc:sldMk cId="2936482709" sldId="256"/>
-            <ac:spMk id="107" creationId="{EA4D80A8-B768-1809-2E8E-C77AAD85C4DC}"/>
+            <ac:spMk id="109" creationId="{4707A68B-6709-A447-E7FB-0627B1312F82}"/>
+          </ac:spMkLst>
+        </pc:spChg>
+        <pc:spChg chg="add del mod">
+          <ac:chgData name="Alexander von Lühmann" userId="4ffc4e2d339b4992" providerId="LiveId" clId="{7619ECA8-B982-4109-BE04-6E3A8004BC22}" dt="2024-01-19T10:54:27.376" v="2710" actId="478"/>
+          <ac:spMkLst>
+            <pc:docMk/>
+            <pc:sldMk cId="2936482709" sldId="256"/>
+            <ac:spMk id="110" creationId="{393CAD5C-3144-9AD7-82BD-854561FCF43C}"/>
           </ac:spMkLst>
         </pc:spChg>
         <pc:spChg chg="add mod">
@@ -806,7 +926,7 @@
           <ac:spMkLst>
             <pc:docMk/>
             <pc:sldMk cId="2936482709" sldId="256"/>
-            <ac:spMk id="108" creationId="{926EEF2E-3248-EDFB-2481-8510BEDCEBCD}"/>
+            <ac:spMk id="111" creationId="{2632ACAC-386B-C3D5-23A0-ACAB8FBBA1FD}"/>
           </ac:spMkLst>
         </pc:spChg>
         <pc:spChg chg="add mod">
@@ -814,15 +934,31 @@
           <ac:spMkLst>
             <pc:docMk/>
             <pc:sldMk cId="2936482709" sldId="256"/>
-            <ac:spMk id="109" creationId="{4707A68B-6709-A447-E7FB-0627B1312F82}"/>
+            <ac:spMk id="112" creationId="{9BF0F018-93A4-5E50-FD4D-E2BED7B05389}"/>
           </ac:spMkLst>
         </pc:spChg>
         <pc:spChg chg="add del mod">
-          <ac:chgData name="Alexander von Lühmann" userId="4ffc4e2d339b4992" providerId="LiveId" clId="{7619ECA8-B982-4109-BE04-6E3A8004BC22}" dt="2024-01-19T10:54:27.376" v="2710" actId="478"/>
+          <ac:chgData name="Alexander von Lühmann" userId="4ffc4e2d339b4992" providerId="LiveId" clId="{7619ECA8-B982-4109-BE04-6E3A8004BC22}" dt="2024-01-19T16:11:16.498" v="7471" actId="478"/>
           <ac:spMkLst>
             <pc:docMk/>
             <pc:sldMk cId="2936482709" sldId="256"/>
-            <ac:spMk id="110" creationId="{393CAD5C-3144-9AD7-82BD-854561FCF43C}"/>
+            <ac:spMk id="113" creationId="{88988FCC-5678-A6E2-2929-329DC21C2ECA}"/>
+          </ac:spMkLst>
+        </pc:spChg>
+        <pc:spChg chg="add del mod">
+          <ac:chgData name="Alexander von Lühmann" userId="4ffc4e2d339b4992" providerId="LiveId" clId="{7619ECA8-B982-4109-BE04-6E3A8004BC22}" dt="2024-01-19T16:11:14.833" v="7470" actId="478"/>
+          <ac:spMkLst>
+            <pc:docMk/>
+            <pc:sldMk cId="2936482709" sldId="256"/>
+            <ac:spMk id="114" creationId="{57DE1716-DD1B-604C-150A-00770159C14A}"/>
+          </ac:spMkLst>
+        </pc:spChg>
+        <pc:spChg chg="add del mod">
+          <ac:chgData name="Alexander von Lühmann" userId="4ffc4e2d339b4992" providerId="LiveId" clId="{7619ECA8-B982-4109-BE04-6E3A8004BC22}" dt="2024-01-19T16:10:39.362" v="7462" actId="478"/>
+          <ac:spMkLst>
+            <pc:docMk/>
+            <pc:sldMk cId="2936482709" sldId="256"/>
+            <ac:spMk id="115" creationId="{566D5299-1029-9518-EEF7-DAD128C9F00B}"/>
           </ac:spMkLst>
         </pc:spChg>
         <pc:spChg chg="add mod">
@@ -830,7 +966,7 @@
           <ac:spMkLst>
             <pc:docMk/>
             <pc:sldMk cId="2936482709" sldId="256"/>
-            <ac:spMk id="111" creationId="{2632ACAC-386B-C3D5-23A0-ACAB8FBBA1FD}"/>
+            <ac:spMk id="116" creationId="{6006DF99-CF9C-B8A3-A32A-7E093467DC58}"/>
           </ac:spMkLst>
         </pc:spChg>
         <pc:spChg chg="add mod">
@@ -838,7 +974,31 @@
           <ac:spMkLst>
             <pc:docMk/>
             <pc:sldMk cId="2936482709" sldId="256"/>
-            <ac:spMk id="112" creationId="{9BF0F018-93A4-5E50-FD4D-E2BED7B05389}"/>
+            <ac:spMk id="117" creationId="{F64D9D4E-F7E6-A5E5-C6A7-0B867F154DF7}"/>
+          </ac:spMkLst>
+        </pc:spChg>
+        <pc:spChg chg="add del mod">
+          <ac:chgData name="Alexander von Lühmann" userId="4ffc4e2d339b4992" providerId="LiveId" clId="{7619ECA8-B982-4109-BE04-6E3A8004BC22}" dt="2024-01-19T16:01:11.268" v="7429" actId="478"/>
+          <ac:spMkLst>
+            <pc:docMk/>
+            <pc:sldMk cId="2936482709" sldId="256"/>
+            <ac:spMk id="118" creationId="{F9BAE297-34F5-8464-858B-7D230DED0F81}"/>
+          </ac:spMkLst>
+        </pc:spChg>
+        <pc:spChg chg="add del mod">
+          <ac:chgData name="Alexander von Lühmann" userId="4ffc4e2d339b4992" providerId="LiveId" clId="{7619ECA8-B982-4109-BE04-6E3A8004BC22}" dt="2024-01-17T17:00:28.973" v="2434" actId="478"/>
+          <ac:spMkLst>
+            <pc:docMk/>
+            <pc:sldMk cId="2936482709" sldId="256"/>
+            <ac:spMk id="119" creationId="{DBD87DF0-BEA0-92AB-0FE1-034FC10EB80F}"/>
+          </ac:spMkLst>
+        </pc:spChg>
+        <pc:spChg chg="add del mod">
+          <ac:chgData name="Alexander von Lühmann" userId="4ffc4e2d339b4992" providerId="LiveId" clId="{7619ECA8-B982-4109-BE04-6E3A8004BC22}" dt="2024-01-19T16:01:04.545" v="7424" actId="478"/>
+          <ac:spMkLst>
+            <pc:docMk/>
+            <pc:sldMk cId="2936482709" sldId="256"/>
+            <ac:spMk id="120" creationId="{61BD61CA-DD63-3B12-CF29-B0BED5A72EC7}"/>
           </ac:spMkLst>
         </pc:spChg>
         <pc:spChg chg="add mod">
@@ -846,7 +1006,7 @@
           <ac:spMkLst>
             <pc:docMk/>
             <pc:sldMk cId="2936482709" sldId="256"/>
-            <ac:spMk id="113" creationId="{88988FCC-5678-A6E2-2929-329DC21C2ECA}"/>
+            <ac:spMk id="121" creationId="{79974D51-22E4-437E-90B1-428562D3EE7C}"/>
           </ac:spMkLst>
         </pc:spChg>
         <pc:spChg chg="add mod">
@@ -854,7 +1014,15 @@
           <ac:spMkLst>
             <pc:docMk/>
             <pc:sldMk cId="2936482709" sldId="256"/>
-            <ac:spMk id="114" creationId="{57DE1716-DD1B-604C-150A-00770159C14A}"/>
+            <ac:spMk id="122" creationId="{7B2CC075-23E7-FB71-3996-5582ECCAA208}"/>
+          </ac:spMkLst>
+        </pc:spChg>
+        <pc:spChg chg="add del mod">
+          <ac:chgData name="Alexander von Lühmann" userId="4ffc4e2d339b4992" providerId="LiveId" clId="{7619ECA8-B982-4109-BE04-6E3A8004BC22}" dt="2024-01-19T16:01:27.691" v="7445" actId="478"/>
+          <ac:spMkLst>
+            <pc:docMk/>
+            <pc:sldMk cId="2936482709" sldId="256"/>
+            <ac:spMk id="123" creationId="{8F975824-3452-D457-0392-9D2B4929EDA2}"/>
           </ac:spMkLst>
         </pc:spChg>
         <pc:spChg chg="add mod">
@@ -862,83 +1030,11 @@
           <ac:spMkLst>
             <pc:docMk/>
             <pc:sldMk cId="2936482709" sldId="256"/>
-            <ac:spMk id="115" creationId="{566D5299-1029-9518-EEF7-DAD128C9F00B}"/>
-          </ac:spMkLst>
-        </pc:spChg>
-        <pc:spChg chg="add mod">
-          <ac:chgData name="Alexander von Lühmann" userId="4ffc4e2d339b4992" providerId="LiveId" clId="{7619ECA8-B982-4109-BE04-6E3A8004BC22}" dt="2024-01-19T11:23:30.164" v="2903" actId="1076"/>
-          <ac:spMkLst>
-            <pc:docMk/>
-            <pc:sldMk cId="2936482709" sldId="256"/>
-            <ac:spMk id="116" creationId="{6006DF99-CF9C-B8A3-A32A-7E093467DC58}"/>
-          </ac:spMkLst>
-        </pc:spChg>
-        <pc:spChg chg="add mod">
-          <ac:chgData name="Alexander von Lühmann" userId="4ffc4e2d339b4992" providerId="LiveId" clId="{7619ECA8-B982-4109-BE04-6E3A8004BC22}" dt="2024-01-19T11:23:30.164" v="2903" actId="1076"/>
-          <ac:spMkLst>
-            <pc:docMk/>
-            <pc:sldMk cId="2936482709" sldId="256"/>
-            <ac:spMk id="117" creationId="{F64D9D4E-F7E6-A5E5-C6A7-0B867F154DF7}"/>
-          </ac:spMkLst>
-        </pc:spChg>
-        <pc:spChg chg="add mod">
-          <ac:chgData name="Alexander von Lühmann" userId="4ffc4e2d339b4992" providerId="LiveId" clId="{7619ECA8-B982-4109-BE04-6E3A8004BC22}" dt="2024-01-19T11:23:30.164" v="2903" actId="1076"/>
-          <ac:spMkLst>
-            <pc:docMk/>
-            <pc:sldMk cId="2936482709" sldId="256"/>
-            <ac:spMk id="118" creationId="{F9BAE297-34F5-8464-858B-7D230DED0F81}"/>
+            <ac:spMk id="124" creationId="{691D68A9-D3F8-37A8-4AF2-14384F7F5875}"/>
           </ac:spMkLst>
         </pc:spChg>
         <pc:spChg chg="add del mod">
-          <ac:chgData name="Alexander von Lühmann" userId="4ffc4e2d339b4992" providerId="LiveId" clId="{7619ECA8-B982-4109-BE04-6E3A8004BC22}" dt="2024-01-17T17:00:28.973" v="2434" actId="478"/>
-          <ac:spMkLst>
-            <pc:docMk/>
-            <pc:sldMk cId="2936482709" sldId="256"/>
-            <ac:spMk id="119" creationId="{DBD87DF0-BEA0-92AB-0FE1-034FC10EB80F}"/>
-          </ac:spMkLst>
-        </pc:spChg>
-        <pc:spChg chg="add mod">
-          <ac:chgData name="Alexander von Lühmann" userId="4ffc4e2d339b4992" providerId="LiveId" clId="{7619ECA8-B982-4109-BE04-6E3A8004BC22}" dt="2024-01-19T11:23:30.164" v="2903" actId="1076"/>
-          <ac:spMkLst>
-            <pc:docMk/>
-            <pc:sldMk cId="2936482709" sldId="256"/>
-            <ac:spMk id="120" creationId="{61BD61CA-DD63-3B12-CF29-B0BED5A72EC7}"/>
-          </ac:spMkLst>
-        </pc:spChg>
-        <pc:spChg chg="add mod">
-          <ac:chgData name="Alexander von Lühmann" userId="4ffc4e2d339b4992" providerId="LiveId" clId="{7619ECA8-B982-4109-BE04-6E3A8004BC22}" dt="2024-01-19T11:23:30.164" v="2903" actId="1076"/>
-          <ac:spMkLst>
-            <pc:docMk/>
-            <pc:sldMk cId="2936482709" sldId="256"/>
-            <ac:spMk id="121" creationId="{79974D51-22E4-437E-90B1-428562D3EE7C}"/>
-          </ac:spMkLst>
-        </pc:spChg>
-        <pc:spChg chg="add mod">
-          <ac:chgData name="Alexander von Lühmann" userId="4ffc4e2d339b4992" providerId="LiveId" clId="{7619ECA8-B982-4109-BE04-6E3A8004BC22}" dt="2024-01-19T11:23:30.164" v="2903" actId="1076"/>
-          <ac:spMkLst>
-            <pc:docMk/>
-            <pc:sldMk cId="2936482709" sldId="256"/>
-            <ac:spMk id="122" creationId="{7B2CC075-23E7-FB71-3996-5582ECCAA208}"/>
-          </ac:spMkLst>
-        </pc:spChg>
-        <pc:spChg chg="add mod">
-          <ac:chgData name="Alexander von Lühmann" userId="4ffc4e2d339b4992" providerId="LiveId" clId="{7619ECA8-B982-4109-BE04-6E3A8004BC22}" dt="2024-01-19T11:41:04.246" v="3615" actId="1036"/>
-          <ac:spMkLst>
-            <pc:docMk/>
-            <pc:sldMk cId="2936482709" sldId="256"/>
-            <ac:spMk id="123" creationId="{8F975824-3452-D457-0392-9D2B4929EDA2}"/>
-          </ac:spMkLst>
-        </pc:spChg>
-        <pc:spChg chg="add mod">
-          <ac:chgData name="Alexander von Lühmann" userId="4ffc4e2d339b4992" providerId="LiveId" clId="{7619ECA8-B982-4109-BE04-6E3A8004BC22}" dt="2024-01-19T11:23:30.164" v="2903" actId="1076"/>
-          <ac:spMkLst>
-            <pc:docMk/>
-            <pc:sldMk cId="2936482709" sldId="256"/>
-            <ac:spMk id="124" creationId="{691D68A9-D3F8-37A8-4AF2-14384F7F5875}"/>
-          </ac:spMkLst>
-        </pc:spChg>
-        <pc:spChg chg="add del mod">
-          <ac:chgData name="Alexander von Lühmann" userId="4ffc4e2d339b4992" providerId="LiveId" clId="{7619ECA8-B982-4109-BE04-6E3A8004BC22}" dt="2024-01-19T11:23:30.164" v="2903" actId="1076"/>
+          <ac:chgData name="Alexander von Lühmann" userId="4ffc4e2d339b4992" providerId="LiveId" clId="{7619ECA8-B982-4109-BE04-6E3A8004BC22}" dt="2024-01-19T16:01:33.265" v="7451" actId="478"/>
           <ac:spMkLst>
             <pc:docMk/>
             <pc:sldMk cId="2936482709" sldId="256"/>
@@ -1383,6 +1479,22 @@
             <pc:docMk/>
             <pc:sldMk cId="2936482709" sldId="256"/>
             <ac:picMk id="12" creationId="{C2839FF0-0890-5296-FD76-FD35D6248E69}"/>
+          </ac:picMkLst>
+        </pc:picChg>
+        <pc:picChg chg="add mod">
+          <ac:chgData name="Alexander von Lühmann" userId="4ffc4e2d339b4992" providerId="LiveId" clId="{7619ECA8-B982-4109-BE04-6E3A8004BC22}" dt="2024-01-19T16:01:36.610" v="7453" actId="571"/>
+          <ac:picMkLst>
+            <pc:docMk/>
+            <pc:sldMk cId="2936482709" sldId="256"/>
+            <ac:picMk id="13" creationId="{045BA7BD-AFF0-1B7A-C5B1-91E16451EF6C}"/>
+          </ac:picMkLst>
+        </pc:picChg>
+        <pc:picChg chg="add mod">
+          <ac:chgData name="Alexander von Lühmann" userId="4ffc4e2d339b4992" providerId="LiveId" clId="{7619ECA8-B982-4109-BE04-6E3A8004BC22}" dt="2024-01-19T16:11:27.731" v="7480"/>
+          <ac:picMkLst>
+            <pc:docMk/>
+            <pc:sldMk cId="2936482709" sldId="256"/>
+            <ac:picMk id="19" creationId="{83DF592D-05FB-DE37-D1D8-950254EB920C}"/>
           </ac:picMkLst>
         </pc:picChg>
         <pc:picChg chg="add del mod">
@@ -4180,6 +4292,70 @@
           </pc:spChg>
         </pc:sldLayoutChg>
       </pc:sldMasterChg>
+    </pc:docChg>
+  </pc:docChgLst>
+  <pc:docChgLst>
+    <pc:chgData name="Alexander von Lühmann" userId="4ffc4e2d339b4992" providerId="LiveId" clId="{04C89652-2929-448C-BA61-03F910F75776}"/>
+    <pc:docChg chg="modSld">
+      <pc:chgData name="Alexander von Lühmann" userId="4ffc4e2d339b4992" providerId="LiveId" clId="{04C89652-2929-448C-BA61-03F910F75776}" dt="2024-01-19T16:24:37.076" v="11" actId="20577"/>
+      <pc:docMkLst>
+        <pc:docMk/>
+      </pc:docMkLst>
+      <pc:sldChg chg="modSp mod">
+        <pc:chgData name="Alexander von Lühmann" userId="4ffc4e2d339b4992" providerId="LiveId" clId="{04C89652-2929-448C-BA61-03F910F75776}" dt="2024-01-19T16:24:37.076" v="11" actId="20577"/>
+        <pc:sldMkLst>
+          <pc:docMk/>
+          <pc:sldMk cId="2936482709" sldId="256"/>
+        </pc:sldMkLst>
+        <pc:spChg chg="mod">
+          <ac:chgData name="Alexander von Lühmann" userId="4ffc4e2d339b4992" providerId="LiveId" clId="{04C89652-2929-448C-BA61-03F910F75776}" dt="2024-01-19T16:24:23.846" v="1" actId="20577"/>
+          <ac:spMkLst>
+            <pc:docMk/>
+            <pc:sldMk cId="2936482709" sldId="256"/>
+            <ac:spMk id="68" creationId="{84FB9B3B-D531-8747-A722-B69730CDAA43}"/>
+          </ac:spMkLst>
+        </pc:spChg>
+        <pc:spChg chg="mod">
+          <ac:chgData name="Alexander von Lühmann" userId="4ffc4e2d339b4992" providerId="LiveId" clId="{04C89652-2929-448C-BA61-03F910F75776}" dt="2024-01-19T16:24:27.020" v="3" actId="20577"/>
+          <ac:spMkLst>
+            <pc:docMk/>
+            <pc:sldMk cId="2936482709" sldId="256"/>
+            <ac:spMk id="71" creationId="{DF9D9501-00D2-0BF6-638C-69BC42C50F61}"/>
+          </ac:spMkLst>
+        </pc:spChg>
+        <pc:spChg chg="mod">
+          <ac:chgData name="Alexander von Lühmann" userId="4ffc4e2d339b4992" providerId="LiveId" clId="{04C89652-2929-448C-BA61-03F910F75776}" dt="2024-01-19T16:24:29.363" v="5" actId="20577"/>
+          <ac:spMkLst>
+            <pc:docMk/>
+            <pc:sldMk cId="2936482709" sldId="256"/>
+            <ac:spMk id="72" creationId="{0BB2265E-7345-CF89-4F71-AEF237B65A03}"/>
+          </ac:spMkLst>
+        </pc:spChg>
+        <pc:spChg chg="mod">
+          <ac:chgData name="Alexander von Lühmann" userId="4ffc4e2d339b4992" providerId="LiveId" clId="{04C89652-2929-448C-BA61-03F910F75776}" dt="2024-01-19T16:24:31.804" v="7" actId="20577"/>
+          <ac:spMkLst>
+            <pc:docMk/>
+            <pc:sldMk cId="2936482709" sldId="256"/>
+            <ac:spMk id="73" creationId="{1646FCBC-8528-9F8C-98D6-433B372E0D3E}"/>
+          </ac:spMkLst>
+        </pc:spChg>
+        <pc:spChg chg="mod">
+          <ac:chgData name="Alexander von Lühmann" userId="4ffc4e2d339b4992" providerId="LiveId" clId="{04C89652-2929-448C-BA61-03F910F75776}" dt="2024-01-19T16:24:34.174" v="9" actId="20577"/>
+          <ac:spMkLst>
+            <pc:docMk/>
+            <pc:sldMk cId="2936482709" sldId="256"/>
+            <ac:spMk id="74" creationId="{ABFF5A30-592F-15C8-51CF-EA660729F693}"/>
+          </ac:spMkLst>
+        </pc:spChg>
+        <pc:spChg chg="mod">
+          <ac:chgData name="Alexander von Lühmann" userId="4ffc4e2d339b4992" providerId="LiveId" clId="{04C89652-2929-448C-BA61-03F910F75776}" dt="2024-01-19T16:24:37.076" v="11" actId="20577"/>
+          <ac:spMkLst>
+            <pc:docMk/>
+            <pc:sldMk cId="2936482709" sldId="256"/>
+            <ac:spMk id="75" creationId="{2081AF33-988C-4318-A859-1673B8668FF4}"/>
+          </ac:spMkLst>
+        </pc:spChg>
+      </pc:sldChg>
     </pc:docChg>
   </pc:docChgLst>
 </pc:chgInfo>
@@ -9075,7 +9251,7 @@
         <p:spPr>
           <a:xfrm>
             <a:off x="4126228" y="3867201"/>
-            <a:ext cx="280846" cy="307777"/>
+            <a:ext cx="486030" cy="307777"/>
           </a:xfrm>
           <a:prstGeom prst="rect">
             <a:avLst/>
@@ -9104,7 +9280,7 @@
                   </a:outerShdw>
                 </a:effectLst>
               </a:rPr>
-              <a:t>1</a:t>
+              <a:t>1Hz</a:t>
             </a:r>
           </a:p>
         </p:txBody>
@@ -9124,7 +9300,7 @@
         <p:spPr>
           <a:xfrm>
             <a:off x="4126228" y="4021089"/>
-            <a:ext cx="280846" cy="307777"/>
+            <a:ext cx="486030" cy="307777"/>
           </a:xfrm>
           <a:prstGeom prst="rect">
             <a:avLst/>
@@ -9153,7 +9329,7 @@
                   </a:outerShdw>
                 </a:effectLst>
               </a:rPr>
-              <a:t>2</a:t>
+              <a:t>2Hz</a:t>
             </a:r>
           </a:p>
         </p:txBody>
@@ -9173,7 +9349,7 @@
         <p:spPr>
           <a:xfrm>
             <a:off x="4126228" y="4163630"/>
-            <a:ext cx="280846" cy="307777"/>
+            <a:ext cx="500458" cy="307777"/>
           </a:xfrm>
           <a:prstGeom prst="rect">
             <a:avLst/>
@@ -9202,7 +9378,7 @@
                   </a:outerShdw>
                 </a:effectLst>
               </a:rPr>
-              <a:t>3</a:t>
+              <a:t>3HZ</a:t>
             </a:r>
           </a:p>
         </p:txBody>
@@ -9222,7 +9398,7 @@
         <p:spPr>
           <a:xfrm>
             <a:off x="4126228" y="4400706"/>
-            <a:ext cx="280846" cy="307777"/>
+            <a:ext cx="486030" cy="307777"/>
           </a:xfrm>
           <a:prstGeom prst="rect">
             <a:avLst/>
@@ -9251,7 +9427,7 @@
                   </a:outerShdw>
                 </a:effectLst>
               </a:rPr>
-              <a:t>4</a:t>
+              <a:t>4Hz</a:t>
             </a:r>
           </a:p>
         </p:txBody>
@@ -9271,7 +9447,7 @@
         <p:spPr>
           <a:xfrm>
             <a:off x="4126228" y="4696890"/>
-            <a:ext cx="280846" cy="307777"/>
+            <a:ext cx="486030" cy="307777"/>
           </a:xfrm>
           <a:prstGeom prst="rect">
             <a:avLst/>
@@ -9300,7 +9476,7 @@
                   </a:outerShdw>
                 </a:effectLst>
               </a:rPr>
-              <a:t>5</a:t>
+              <a:t>5Hz</a:t>
             </a:r>
           </a:p>
         </p:txBody>
@@ -9320,7 +9496,7 @@
         <p:spPr>
           <a:xfrm>
             <a:off x="4126228" y="4883829"/>
-            <a:ext cx="280846" cy="307777"/>
+            <a:ext cx="486030" cy="307777"/>
           </a:xfrm>
           <a:prstGeom prst="rect">
             <a:avLst/>
@@ -9342,15 +9518,22 @@
           <a:lstStyle/>
           <a:p>
             <a:r>
-              <a:rPr lang="en-US" sz="1400" dirty="0">
+              <a:rPr lang="en-US" sz="1400">
                 <a:effectLst>
                   <a:outerShdw blurRad="88900" sx="106000" sy="106000" algn="ctr" rotWithShape="0">
                     <a:schemeClr val="bg1"/>
                   </a:outerShdw>
                 </a:effectLst>
               </a:rPr>
-              <a:t>8</a:t>
-            </a:r>
+              <a:t>8Hz</a:t>
+            </a:r>
+            <a:endParaRPr lang="en-US" sz="1400" dirty="0">
+              <a:effectLst>
+                <a:outerShdw blurRad="88900" sx="106000" sy="106000" algn="ctr" rotWithShape="0">
+                  <a:schemeClr val="bg1"/>
+                </a:outerShdw>
+              </a:effectLst>
+            </a:endParaRPr>
           </a:p>
         </p:txBody>
       </p:sp>
@@ -10646,8 +10829,8 @@
           <p:nvPr/>
         </p:nvSpPr>
         <p:spPr>
-          <a:xfrm rot="16200000">
-            <a:off x="2476050" y="3203310"/>
+          <a:xfrm>
+            <a:off x="2178257" y="3363619"/>
             <a:ext cx="428322" cy="307777"/>
           </a:xfrm>
           <a:prstGeom prst="rect">
@@ -11055,10 +11238,10 @@
       </p:sp>
       <p:sp>
         <p:nvSpPr>
-          <p:cNvPr id="113" name="TextBox 112">
-            <a:extLst>
-              <a:ext uri="{FF2B5EF4-FFF2-40B4-BE49-F238E27FC236}">
-                <a16:creationId xmlns:a16="http://schemas.microsoft.com/office/drawing/2014/main" id="{88988FCC-5678-A6E2-2929-329DC21C2ECA}"/>
+          <p:cNvPr id="116" name="TextBox 115">
+            <a:extLst>
+              <a:ext uri="{FF2B5EF4-FFF2-40B4-BE49-F238E27FC236}">
+                <a16:creationId xmlns:a16="http://schemas.microsoft.com/office/drawing/2014/main" id="{6006DF99-CF9C-B8A3-A32A-7E093467DC58}"/>
               </a:ext>
             </a:extLst>
           </p:cNvPr>
@@ -11067,8 +11250,8 @@
         </p:nvSpPr>
         <p:spPr>
           <a:xfrm rot="16200000">
-            <a:off x="3819667" y="4403779"/>
-            <a:ext cx="428322" cy="307777"/>
+            <a:off x="5168446" y="5841318"/>
+            <a:ext cx="524503" cy="307777"/>
           </a:xfrm>
           <a:prstGeom prst="rect">
             <a:avLst/>
@@ -11100,17 +11283,17 @@
                   </a:outerShdw>
                 </a:effectLst>
               </a:rPr>
-              <a:t>4.3</a:t>
-            </a:r>
-          </a:p>
-        </p:txBody>
-      </p:sp>
-      <p:sp>
-        <p:nvSpPr>
-          <p:cNvPr id="114" name="TextBox 113">
-            <a:extLst>
-              <a:ext uri="{FF2B5EF4-FFF2-40B4-BE49-F238E27FC236}">
-                <a16:creationId xmlns:a16="http://schemas.microsoft.com/office/drawing/2014/main" id="{57DE1716-DD1B-604C-150A-00770159C14A}"/>
+              <a:t>70.0</a:t>
+            </a:r>
+          </a:p>
+        </p:txBody>
+      </p:sp>
+      <p:sp>
+        <p:nvSpPr>
+          <p:cNvPr id="117" name="TextBox 116">
+            <a:extLst>
+              <a:ext uri="{FF2B5EF4-FFF2-40B4-BE49-F238E27FC236}">
+                <a16:creationId xmlns:a16="http://schemas.microsoft.com/office/drawing/2014/main" id="{F64D9D4E-F7E6-A5E5-C6A7-0B867F154DF7}"/>
               </a:ext>
             </a:extLst>
           </p:cNvPr>
@@ -11119,8 +11302,8 @@
         </p:nvSpPr>
         <p:spPr>
           <a:xfrm rot="16200000">
-            <a:off x="3882202" y="3863353"/>
-            <a:ext cx="280846" cy="307777"/>
+            <a:off x="5171004" y="7619162"/>
+            <a:ext cx="524503" cy="307777"/>
           </a:xfrm>
           <a:prstGeom prst="rect">
             <a:avLst/>
@@ -11152,17 +11335,17 @@
                   </a:outerShdw>
                 </a:effectLst>
               </a:rPr>
-              <a:t>3</a:t>
-            </a:r>
-          </a:p>
-        </p:txBody>
-      </p:sp>
-      <p:sp>
-        <p:nvSpPr>
-          <p:cNvPr id="115" name="TextBox 114">
-            <a:extLst>
-              <a:ext uri="{FF2B5EF4-FFF2-40B4-BE49-F238E27FC236}">
-                <a16:creationId xmlns:a16="http://schemas.microsoft.com/office/drawing/2014/main" id="{566D5299-1029-9518-EEF7-DAD128C9F00B}"/>
+              <a:t>20.0</a:t>
+            </a:r>
+          </a:p>
+        </p:txBody>
+      </p:sp>
+      <p:sp>
+        <p:nvSpPr>
+          <p:cNvPr id="121" name="TextBox 120">
+            <a:extLst>
+              <a:ext uri="{FF2B5EF4-FFF2-40B4-BE49-F238E27FC236}">
+                <a16:creationId xmlns:a16="http://schemas.microsoft.com/office/drawing/2014/main" id="{79974D51-22E4-437E-90B1-428562D3EE7C}"/>
               </a:ext>
             </a:extLst>
           </p:cNvPr>
@@ -11171,8 +11354,8 @@
         </p:nvSpPr>
         <p:spPr>
           <a:xfrm rot="16200000">
-            <a:off x="3898212" y="4691742"/>
-            <a:ext cx="280846" cy="307777"/>
+            <a:off x="7933414" y="6127753"/>
+            <a:ext cx="524503" cy="307777"/>
           </a:xfrm>
           <a:prstGeom prst="rect">
             <a:avLst/>
@@ -11204,17 +11387,17 @@
                   </a:outerShdw>
                 </a:effectLst>
               </a:rPr>
-              <a:t>3</a:t>
-            </a:r>
-          </a:p>
-        </p:txBody>
-      </p:sp>
-      <p:sp>
-        <p:nvSpPr>
-          <p:cNvPr id="116" name="TextBox 115">
-            <a:extLst>
-              <a:ext uri="{FF2B5EF4-FFF2-40B4-BE49-F238E27FC236}">
-                <a16:creationId xmlns:a16="http://schemas.microsoft.com/office/drawing/2014/main" id="{6006DF99-CF9C-B8A3-A32A-7E093467DC58}"/>
+              <a:t>78.6</a:t>
+            </a:r>
+          </a:p>
+        </p:txBody>
+      </p:sp>
+      <p:sp>
+        <p:nvSpPr>
+          <p:cNvPr id="122" name="TextBox 121">
+            <a:extLst>
+              <a:ext uri="{FF2B5EF4-FFF2-40B4-BE49-F238E27FC236}">
+                <a16:creationId xmlns:a16="http://schemas.microsoft.com/office/drawing/2014/main" id="{7B2CC075-23E7-FB71-3996-5582ECCAA208}"/>
               </a:ext>
             </a:extLst>
           </p:cNvPr>
@@ -11223,7 +11406,7 @@
         </p:nvSpPr>
         <p:spPr>
           <a:xfrm rot="16200000">
-            <a:off x="5168446" y="5841318"/>
+            <a:off x="6553803" y="7383747"/>
             <a:ext cx="524503" cy="307777"/>
           </a:xfrm>
           <a:prstGeom prst="rect">
@@ -11256,17 +11439,17 @@
                   </a:outerShdw>
                 </a:effectLst>
               </a:rPr>
-              <a:t>70.0</a:t>
-            </a:r>
-          </a:p>
-        </p:txBody>
-      </p:sp>
-      <p:sp>
-        <p:nvSpPr>
-          <p:cNvPr id="117" name="TextBox 116">
-            <a:extLst>
-              <a:ext uri="{FF2B5EF4-FFF2-40B4-BE49-F238E27FC236}">
-                <a16:creationId xmlns:a16="http://schemas.microsoft.com/office/drawing/2014/main" id="{F64D9D4E-F7E6-A5E5-C6A7-0B867F154DF7}"/>
+              <a:t>61.4</a:t>
+            </a:r>
+          </a:p>
+        </p:txBody>
+      </p:sp>
+      <p:sp>
+        <p:nvSpPr>
+          <p:cNvPr id="124" name="TextBox 123">
+            <a:extLst>
+              <a:ext uri="{FF2B5EF4-FFF2-40B4-BE49-F238E27FC236}">
+                <a16:creationId xmlns:a16="http://schemas.microsoft.com/office/drawing/2014/main" id="{691D68A9-D3F8-37A8-4AF2-14384F7F5875}"/>
               </a:ext>
             </a:extLst>
           </p:cNvPr>
@@ -11275,7 +11458,7 @@
         </p:nvSpPr>
         <p:spPr>
           <a:xfrm rot="16200000">
-            <a:off x="5171004" y="7619162"/>
+            <a:off x="7940371" y="7974561"/>
             <a:ext cx="524503" cy="307777"/>
           </a:xfrm>
           <a:prstGeom prst="rect">
@@ -11315,10 +11498,10 @@
       </p:sp>
       <p:sp>
         <p:nvSpPr>
-          <p:cNvPr id="118" name="TextBox 117">
-            <a:extLst>
-              <a:ext uri="{FF2B5EF4-FFF2-40B4-BE49-F238E27FC236}">
-                <a16:creationId xmlns:a16="http://schemas.microsoft.com/office/drawing/2014/main" id="{F9BAE297-34F5-8464-858B-7D230DED0F81}"/>
+          <p:cNvPr id="126" name="TextBox 125">
+            <a:extLst>
+              <a:ext uri="{FF2B5EF4-FFF2-40B4-BE49-F238E27FC236}">
+                <a16:creationId xmlns:a16="http://schemas.microsoft.com/office/drawing/2014/main" id="{1B9BCEA0-738A-CFBA-8CFD-D5F66C14FEEE}"/>
               </a:ext>
             </a:extLst>
           </p:cNvPr>
@@ -11327,8 +11510,49 @@
         </p:nvSpPr>
         <p:spPr>
           <a:xfrm rot="16200000">
-            <a:off x="5216952" y="8516229"/>
-            <a:ext cx="428322" cy="307777"/>
+            <a:off x="10646552" y="6749715"/>
+            <a:ext cx="524503" cy="307777"/>
+          </a:xfrm>
+          <a:prstGeom prst="rect">
+            <a:avLst/>
+          </a:prstGeom>
+          <a:noFill/>
+        </p:spPr>
+        <p:txBody>
+          <a:bodyPr wrap="none" rtlCol="0">
+            <a:spAutoFit/>
+          </a:bodyPr>
+          <a:lstStyle/>
+          <a:p>
+            <a:r>
+              <a:rPr lang="de-DE" sz="1400" dirty="0">
+                <a:effectLst>
+                  <a:outerShdw blurRad="88900" dist="50800" dir="5400000" sx="106000" sy="106000" algn="ctr" rotWithShape="0">
+                    <a:schemeClr val="bg1"/>
+                  </a:outerShdw>
+                </a:effectLst>
+              </a:rPr>
+              <a:t>17.1</a:t>
+            </a:r>
+          </a:p>
+        </p:txBody>
+      </p:sp>
+      <p:sp>
+        <p:nvSpPr>
+          <p:cNvPr id="127" name="TextBox 126">
+            <a:extLst>
+              <a:ext uri="{FF2B5EF4-FFF2-40B4-BE49-F238E27FC236}">
+                <a16:creationId xmlns:a16="http://schemas.microsoft.com/office/drawing/2014/main" id="{4C1C66BB-399B-BBAD-9451-F0FA74806845}"/>
+              </a:ext>
+            </a:extLst>
+          </p:cNvPr>
+          <p:cNvSpPr txBox="1"/>
+          <p:nvPr/>
+        </p:nvSpPr>
+        <p:spPr>
+          <a:xfrm>
+            <a:off x="9540033" y="7672570"/>
+            <a:ext cx="1721112" cy="307777"/>
           </a:xfrm>
           <a:prstGeom prst="rect">
             <a:avLst/>
@@ -11351,26 +11575,23 @@
           <a:p>
             <a:r>
               <a:rPr lang="en-US" sz="1400" dirty="0">
-                <a:solidFill>
-                  <a:schemeClr val="bg1"/>
-                </a:solidFill>
                 <a:effectLst>
                   <a:outerShdw blurRad="88900" sx="106000" sy="106000" algn="ctr" rotWithShape="0">
-                    <a:schemeClr val="tx1"/>
-                  </a:outerShdw>
-                </a:effectLst>
-              </a:rPr>
-              <a:t>7.1</a:t>
-            </a:r>
-          </a:p>
-        </p:txBody>
-      </p:sp>
-      <p:sp>
-        <p:nvSpPr>
-          <p:cNvPr id="120" name="TextBox 119">
-            <a:extLst>
-              <a:ext uri="{FF2B5EF4-FFF2-40B4-BE49-F238E27FC236}">
-                <a16:creationId xmlns:a16="http://schemas.microsoft.com/office/drawing/2014/main" id="{61BD61CA-DD63-3B12-CF29-B0BED5A72EC7}"/>
+                    <a:schemeClr val="bg1"/>
+                  </a:outerShdw>
+                </a:effectLst>
+              </a:rPr>
+              <a:t>Baseline Correction</a:t>
+            </a:r>
+          </a:p>
+        </p:txBody>
+      </p:sp>
+      <p:sp>
+        <p:nvSpPr>
+          <p:cNvPr id="128" name="TextBox 127">
+            <a:extLst>
+              <a:ext uri="{FF2B5EF4-FFF2-40B4-BE49-F238E27FC236}">
+                <a16:creationId xmlns:a16="http://schemas.microsoft.com/office/drawing/2014/main" id="{52E4BCC4-334C-CA6B-AC16-E0FC509C0498}"/>
               </a:ext>
             </a:extLst>
           </p:cNvPr>
@@ -11378,9 +11599,9 @@
           <p:nvPr/>
         </p:nvSpPr>
         <p:spPr>
-          <a:xfrm rot="16200000">
-            <a:off x="5216534" y="8219816"/>
-            <a:ext cx="428322" cy="307777"/>
+          <a:xfrm>
+            <a:off x="9534447" y="7947955"/>
+            <a:ext cx="1041439" cy="307777"/>
           </a:xfrm>
           <a:prstGeom prst="rect">
             <a:avLst/>
@@ -11403,26 +11624,23 @@
           <a:p>
             <a:r>
               <a:rPr lang="en-US" sz="1400" dirty="0">
-                <a:solidFill>
-                  <a:schemeClr val="bg1"/>
-                </a:solidFill>
                 <a:effectLst>
                   <a:outerShdw blurRad="88900" sx="106000" sy="106000" algn="ctr" rotWithShape="0">
-                    <a:schemeClr val="tx1"/>
-                  </a:outerShdw>
-                </a:effectLst>
-              </a:rPr>
-              <a:t>2.9</a:t>
-            </a:r>
-          </a:p>
-        </p:txBody>
-      </p:sp>
-      <p:sp>
-        <p:nvSpPr>
-          <p:cNvPr id="121" name="TextBox 120">
-            <a:extLst>
-              <a:ext uri="{FF2B5EF4-FFF2-40B4-BE49-F238E27FC236}">
-                <a16:creationId xmlns:a16="http://schemas.microsoft.com/office/drawing/2014/main" id="{79974D51-22E4-437E-90B1-428562D3EE7C}"/>
+                    <a:schemeClr val="bg1"/>
+                  </a:outerShdw>
+                </a:effectLst>
+              </a:rPr>
+              <a:t>Detrending</a:t>
+            </a:r>
+          </a:p>
+        </p:txBody>
+      </p:sp>
+      <p:sp>
+        <p:nvSpPr>
+          <p:cNvPr id="129" name="TextBox 128">
+            <a:extLst>
+              <a:ext uri="{FF2B5EF4-FFF2-40B4-BE49-F238E27FC236}">
+                <a16:creationId xmlns:a16="http://schemas.microsoft.com/office/drawing/2014/main" id="{4A4366F3-75FF-B17D-C5E0-CE590BFDEE86}"/>
               </a:ext>
             </a:extLst>
           </p:cNvPr>
@@ -11430,9 +11648,9 @@
           <p:nvPr/>
         </p:nvSpPr>
         <p:spPr>
-          <a:xfrm rot="16200000">
-            <a:off x="7933414" y="6127753"/>
-            <a:ext cx="524503" cy="307777"/>
+          <a:xfrm>
+            <a:off x="9534447" y="8320653"/>
+            <a:ext cx="1277081" cy="307777"/>
           </a:xfrm>
           <a:prstGeom prst="rect">
             <a:avLst/>
@@ -11455,26 +11673,23 @@
           <a:p>
             <a:r>
               <a:rPr lang="en-US" sz="1400" dirty="0">
-                <a:solidFill>
-                  <a:schemeClr val="bg1"/>
-                </a:solidFill>
                 <a:effectLst>
                   <a:outerShdw blurRad="88900" sx="106000" sy="106000" algn="ctr" rotWithShape="0">
-                    <a:schemeClr val="tx1"/>
-                  </a:outerShdw>
-                </a:effectLst>
-              </a:rPr>
-              <a:t>78.6</a:t>
-            </a:r>
-          </a:p>
-        </p:txBody>
-      </p:sp>
-      <p:sp>
-        <p:nvSpPr>
-          <p:cNvPr id="122" name="TextBox 121">
-            <a:extLst>
-              <a:ext uri="{FF2B5EF4-FFF2-40B4-BE49-F238E27FC236}">
-                <a16:creationId xmlns:a16="http://schemas.microsoft.com/office/drawing/2014/main" id="{7B2CC075-23E7-FB71-3996-5582ECCAA208}"/>
+                    <a:schemeClr val="bg1"/>
+                  </a:outerShdw>
+                </a:effectLst>
+              </a:rPr>
+              <a:t>No Correction</a:t>
+            </a:r>
+          </a:p>
+        </p:txBody>
+      </p:sp>
+      <p:sp>
+        <p:nvSpPr>
+          <p:cNvPr id="130" name="TextBox 129">
+            <a:extLst>
+              <a:ext uri="{FF2B5EF4-FFF2-40B4-BE49-F238E27FC236}">
+                <a16:creationId xmlns:a16="http://schemas.microsoft.com/office/drawing/2014/main" id="{98CE237F-B9ED-A9A7-CD19-D93469744CCE}"/>
               </a:ext>
             </a:extLst>
           </p:cNvPr>
@@ -11483,8 +11698,8 @@
         </p:nvSpPr>
         <p:spPr>
           <a:xfrm rot="16200000">
-            <a:off x="6553803" y="7383747"/>
-            <a:ext cx="524503" cy="307777"/>
+            <a:off x="9226378" y="8326224"/>
+            <a:ext cx="428322" cy="307777"/>
           </a:xfrm>
           <a:prstGeom prst="rect">
             <a:avLst/>
@@ -11516,17 +11731,17 @@
                   </a:outerShdw>
                 </a:effectLst>
               </a:rPr>
-              <a:t>61.4</a:t>
-            </a:r>
-          </a:p>
-        </p:txBody>
-      </p:sp>
-      <p:sp>
-        <p:nvSpPr>
-          <p:cNvPr id="123" name="TextBox 122">
-            <a:extLst>
-              <a:ext uri="{FF2B5EF4-FFF2-40B4-BE49-F238E27FC236}">
-                <a16:creationId xmlns:a16="http://schemas.microsoft.com/office/drawing/2014/main" id="{8F975824-3452-D457-0392-9D2B4929EDA2}"/>
+              <a:t>7.1</a:t>
+            </a:r>
+          </a:p>
+        </p:txBody>
+      </p:sp>
+      <p:sp>
+        <p:nvSpPr>
+          <p:cNvPr id="131" name="TextBox 130">
+            <a:extLst>
+              <a:ext uri="{FF2B5EF4-FFF2-40B4-BE49-F238E27FC236}">
+                <a16:creationId xmlns:a16="http://schemas.microsoft.com/office/drawing/2014/main" id="{FD41C16E-5B74-7F30-6739-6109DBA3CA5F}"/>
               </a:ext>
             </a:extLst>
           </p:cNvPr>
@@ -11535,7 +11750,7 @@
         </p:nvSpPr>
         <p:spPr>
           <a:xfrm rot="16200000">
-            <a:off x="6577869" y="4266005"/>
+            <a:off x="9236662" y="7943865"/>
             <a:ext cx="428322" cy="307777"/>
           </a:xfrm>
           <a:prstGeom prst="rect">
@@ -11568,17 +11783,17 @@
                   </a:outerShdw>
                 </a:effectLst>
               </a:rPr>
-              <a:t>1.4</a:t>
-            </a:r>
-          </a:p>
-        </p:txBody>
-      </p:sp>
-      <p:sp>
-        <p:nvSpPr>
-          <p:cNvPr id="124" name="TextBox 123">
-            <a:extLst>
-              <a:ext uri="{FF2B5EF4-FFF2-40B4-BE49-F238E27FC236}">
-                <a16:creationId xmlns:a16="http://schemas.microsoft.com/office/drawing/2014/main" id="{691D68A9-D3F8-37A8-4AF2-14384F7F5875}"/>
+              <a:t>5.7</a:t>
+            </a:r>
+          </a:p>
+        </p:txBody>
+      </p:sp>
+      <p:sp>
+        <p:nvSpPr>
+          <p:cNvPr id="132" name="TextBox 131">
+            <a:extLst>
+              <a:ext uri="{FF2B5EF4-FFF2-40B4-BE49-F238E27FC236}">
+                <a16:creationId xmlns:a16="http://schemas.microsoft.com/office/drawing/2014/main" id="{6A00B194-EFAF-A459-B1F5-B60CE4542BA8}"/>
               </a:ext>
             </a:extLst>
           </p:cNvPr>
@@ -11587,8 +11802,8 @@
         </p:nvSpPr>
         <p:spPr>
           <a:xfrm rot="16200000">
-            <a:off x="7940371" y="7974561"/>
-            <a:ext cx="524503" cy="307777"/>
+            <a:off x="9226378" y="7656374"/>
+            <a:ext cx="428322" cy="307777"/>
           </a:xfrm>
           <a:prstGeom prst="rect">
             <a:avLst/>
@@ -11620,17 +11835,17 @@
                   </a:outerShdw>
                 </a:effectLst>
               </a:rPr>
-              <a:t>20.0</a:t>
-            </a:r>
-          </a:p>
-        </p:txBody>
-      </p:sp>
-      <p:sp>
-        <p:nvSpPr>
-          <p:cNvPr id="125" name="TextBox 124">
-            <a:extLst>
-              <a:ext uri="{FF2B5EF4-FFF2-40B4-BE49-F238E27FC236}">
-                <a16:creationId xmlns:a16="http://schemas.microsoft.com/office/drawing/2014/main" id="{B37B6C35-7FDD-3D9D-0244-D7DB5A1ECD3E}"/>
+              <a:t>8.6</a:t>
+            </a:r>
+          </a:p>
+        </p:txBody>
+      </p:sp>
+      <p:sp>
+        <p:nvSpPr>
+          <p:cNvPr id="133" name="TextBox 132">
+            <a:extLst>
+              <a:ext uri="{FF2B5EF4-FFF2-40B4-BE49-F238E27FC236}">
+                <a16:creationId xmlns:a16="http://schemas.microsoft.com/office/drawing/2014/main" id="{76C777AB-7D1A-A002-5366-CDE8FAB727C4}"/>
               </a:ext>
             </a:extLst>
           </p:cNvPr>
@@ -11639,8 +11854,213 @@
         </p:nvSpPr>
         <p:spPr>
           <a:xfrm rot="16200000">
-            <a:off x="7981500" y="8509000"/>
+            <a:off x="10656077" y="5891971"/>
+            <a:ext cx="524503" cy="307777"/>
+          </a:xfrm>
+          <a:prstGeom prst="rect">
+            <a:avLst/>
+          </a:prstGeom>
+          <a:noFill/>
+        </p:spPr>
+        <p:txBody>
+          <a:bodyPr wrap="none" rtlCol="0">
+            <a:spAutoFit/>
+          </a:bodyPr>
+          <a:lstStyle/>
+          <a:p>
+            <a:r>
+              <a:rPr lang="de-DE" sz="1400" dirty="0">
+                <a:effectLst>
+                  <a:outerShdw blurRad="88900" dist="50800" dir="5400000" sx="106000" sy="106000" algn="ctr" rotWithShape="0">
+                    <a:schemeClr val="bg1"/>
+                  </a:outerShdw>
+                </a:effectLst>
+              </a:rPr>
+              <a:t>15.7</a:t>
+            </a:r>
+          </a:p>
+        </p:txBody>
+      </p:sp>
+      <p:sp>
+        <p:nvSpPr>
+          <p:cNvPr id="134" name="TextBox 133">
+            <a:extLst>
+              <a:ext uri="{FF2B5EF4-FFF2-40B4-BE49-F238E27FC236}">
+                <a16:creationId xmlns:a16="http://schemas.microsoft.com/office/drawing/2014/main" id="{21DB9BB8-D527-6C12-44F2-312E8D49768D}"/>
+              </a:ext>
+            </a:extLst>
+          </p:cNvPr>
+          <p:cNvSpPr txBox="1"/>
+          <p:nvPr/>
+        </p:nvSpPr>
+        <p:spPr>
+          <a:xfrm rot="16200000">
+            <a:off x="10657564" y="5082513"/>
+            <a:ext cx="524503" cy="307777"/>
+          </a:xfrm>
+          <a:prstGeom prst="rect">
+            <a:avLst/>
+          </a:prstGeom>
+          <a:noFill/>
+        </p:spPr>
+        <p:txBody>
+          <a:bodyPr wrap="none" rtlCol="0">
+            <a:spAutoFit/>
+          </a:bodyPr>
+          <a:lstStyle/>
+          <a:p>
+            <a:r>
+              <a:rPr lang="de-DE" sz="1400" dirty="0">
+                <a:effectLst>
+                  <a:outerShdw blurRad="88900" dist="50800" dir="5400000" sx="106000" sy="106000" algn="ctr" rotWithShape="0">
+                    <a:schemeClr val="bg1"/>
+                  </a:outerShdw>
+                </a:effectLst>
+              </a:rPr>
+              <a:t>11.4</a:t>
+            </a:r>
+          </a:p>
+        </p:txBody>
+      </p:sp>
+      <p:sp>
+        <p:nvSpPr>
+          <p:cNvPr id="135" name="TextBox 134">
+            <a:extLst>
+              <a:ext uri="{FF2B5EF4-FFF2-40B4-BE49-F238E27FC236}">
+                <a16:creationId xmlns:a16="http://schemas.microsoft.com/office/drawing/2014/main" id="{656D3B3F-6AF9-124C-294F-D8883FA500C8}"/>
+              </a:ext>
+            </a:extLst>
+          </p:cNvPr>
+          <p:cNvSpPr txBox="1"/>
+          <p:nvPr/>
+        </p:nvSpPr>
+        <p:spPr>
+          <a:xfrm rot="16200000">
+            <a:off x="10646552" y="4309261"/>
+            <a:ext cx="524503" cy="307777"/>
+          </a:xfrm>
+          <a:prstGeom prst="rect">
+            <a:avLst/>
+          </a:prstGeom>
+          <a:noFill/>
+        </p:spPr>
+        <p:txBody>
+          <a:bodyPr wrap="none" rtlCol="0">
+            <a:spAutoFit/>
+          </a:bodyPr>
+          <a:lstStyle/>
+          <a:p>
+            <a:r>
+              <a:rPr lang="de-DE" sz="1400" dirty="0">
+                <a:effectLst>
+                  <a:outerShdw blurRad="88900" dist="50800" dir="5400000" sx="106000" sy="106000" algn="ctr" rotWithShape="0">
+                    <a:schemeClr val="bg1"/>
+                  </a:outerShdw>
+                </a:effectLst>
+              </a:rPr>
+              <a:t>21.4</a:t>
+            </a:r>
+          </a:p>
+        </p:txBody>
+      </p:sp>
+      <p:sp>
+        <p:nvSpPr>
+          <p:cNvPr id="136" name="TextBox 135">
+            <a:extLst>
+              <a:ext uri="{FF2B5EF4-FFF2-40B4-BE49-F238E27FC236}">
+                <a16:creationId xmlns:a16="http://schemas.microsoft.com/office/drawing/2014/main" id="{9B1EEE31-5A57-F3F8-3563-9C5A9E1768AE}"/>
+              </a:ext>
+            </a:extLst>
+          </p:cNvPr>
+          <p:cNvSpPr txBox="1"/>
+          <p:nvPr/>
+        </p:nvSpPr>
+        <p:spPr>
+          <a:xfrm rot="16200000">
+            <a:off x="10680127" y="7157173"/>
             <a:ext cx="428322" cy="307777"/>
+          </a:xfrm>
+          <a:prstGeom prst="rect">
+            <a:avLst/>
+          </a:prstGeom>
+          <a:noFill/>
+        </p:spPr>
+        <p:txBody>
+          <a:bodyPr wrap="none" rtlCol="0">
+            <a:spAutoFit/>
+          </a:bodyPr>
+          <a:lstStyle/>
+          <a:p>
+            <a:r>
+              <a:rPr lang="de-DE" sz="1400" dirty="0">
+                <a:effectLst>
+                  <a:outerShdw blurRad="88900" dist="50800" dir="5400000" sx="106000" sy="106000" algn="ctr" rotWithShape="0">
+                    <a:schemeClr val="bg1"/>
+                  </a:outerShdw>
+                </a:effectLst>
+              </a:rPr>
+              <a:t>8.6</a:t>
+            </a:r>
+          </a:p>
+        </p:txBody>
+      </p:sp>
+      <p:sp>
+        <p:nvSpPr>
+          <p:cNvPr id="137" name="TextBox 136">
+            <a:extLst>
+              <a:ext uri="{FF2B5EF4-FFF2-40B4-BE49-F238E27FC236}">
+                <a16:creationId xmlns:a16="http://schemas.microsoft.com/office/drawing/2014/main" id="{4E152D36-4D70-341A-FDFF-25A07E350CDB}"/>
+              </a:ext>
+            </a:extLst>
+          </p:cNvPr>
+          <p:cNvSpPr txBox="1"/>
+          <p:nvPr/>
+        </p:nvSpPr>
+        <p:spPr>
+          <a:xfrm rot="16200000">
+            <a:off x="10680128" y="7489616"/>
+            <a:ext cx="428322" cy="307777"/>
+          </a:xfrm>
+          <a:prstGeom prst="rect">
+            <a:avLst/>
+          </a:prstGeom>
+          <a:noFill/>
+        </p:spPr>
+        <p:txBody>
+          <a:bodyPr wrap="none" rtlCol="0">
+            <a:spAutoFit/>
+          </a:bodyPr>
+          <a:lstStyle/>
+          <a:p>
+            <a:r>
+              <a:rPr lang="de-DE" sz="1400" dirty="0">
+                <a:effectLst>
+                  <a:outerShdw blurRad="88900" dist="50800" dir="5400000" sx="106000" sy="106000" algn="ctr" rotWithShape="0">
+                    <a:schemeClr val="bg1"/>
+                  </a:outerShdw>
+                </a:effectLst>
+              </a:rPr>
+              <a:t>4.3</a:t>
+            </a:r>
+          </a:p>
+        </p:txBody>
+      </p:sp>
+      <p:sp>
+        <p:nvSpPr>
+          <p:cNvPr id="138" name="TextBox 137">
+            <a:extLst>
+              <a:ext uri="{FF2B5EF4-FFF2-40B4-BE49-F238E27FC236}">
+                <a16:creationId xmlns:a16="http://schemas.microsoft.com/office/drawing/2014/main" id="{AE6FCEE6-2478-FFD8-4ABD-AE9E5FE4AA82}"/>
+              </a:ext>
+            </a:extLst>
+          </p:cNvPr>
+          <p:cNvSpPr txBox="1"/>
+          <p:nvPr/>
+        </p:nvSpPr>
+        <p:spPr>
+          <a:xfrm rot="16200000">
+            <a:off x="9178290" y="4953994"/>
+            <a:ext cx="524503" cy="307777"/>
           </a:xfrm>
           <a:prstGeom prst="rect">
             <a:avLst/>
@@ -11672,17 +12092,17 @@
                   </a:outerShdw>
                 </a:effectLst>
               </a:rPr>
-              <a:t>1.4</a:t>
-            </a:r>
-          </a:p>
-        </p:txBody>
-      </p:sp>
-      <p:sp>
-        <p:nvSpPr>
-          <p:cNvPr id="126" name="TextBox 125">
-            <a:extLst>
-              <a:ext uri="{FF2B5EF4-FFF2-40B4-BE49-F238E27FC236}">
-                <a16:creationId xmlns:a16="http://schemas.microsoft.com/office/drawing/2014/main" id="{1B9BCEA0-738A-CFBA-8CFD-D5F66C14FEEE}"/>
+              <a:t>32.9</a:t>
+            </a:r>
+          </a:p>
+        </p:txBody>
+      </p:sp>
+      <p:sp>
+        <p:nvSpPr>
+          <p:cNvPr id="139" name="TextBox 138">
+            <a:extLst>
+              <a:ext uri="{FF2B5EF4-FFF2-40B4-BE49-F238E27FC236}">
+                <a16:creationId xmlns:a16="http://schemas.microsoft.com/office/drawing/2014/main" id="{D939F3E0-19EA-90B8-BB3F-B223BFD9E9CB}"/>
               </a:ext>
             </a:extLst>
           </p:cNvPr>
@@ -11691,49 +12111,8 @@
         </p:nvSpPr>
         <p:spPr>
           <a:xfrm rot="16200000">
-            <a:off x="10646552" y="6749715"/>
+            <a:off x="9178290" y="6642503"/>
             <a:ext cx="524503" cy="307777"/>
-          </a:xfrm>
-          <a:prstGeom prst="rect">
-            <a:avLst/>
-          </a:prstGeom>
-          <a:noFill/>
-        </p:spPr>
-        <p:txBody>
-          <a:bodyPr wrap="none" rtlCol="0">
-            <a:spAutoFit/>
-          </a:bodyPr>
-          <a:lstStyle/>
-          <a:p>
-            <a:r>
-              <a:rPr lang="de-DE" sz="1400" dirty="0">
-                <a:effectLst>
-                  <a:outerShdw blurRad="88900" dist="50800" dir="5400000" sx="106000" sy="106000" algn="ctr" rotWithShape="0">
-                    <a:schemeClr val="bg1"/>
-                  </a:outerShdw>
-                </a:effectLst>
-              </a:rPr>
-              <a:t>17.1</a:t>
-            </a:r>
-          </a:p>
-        </p:txBody>
-      </p:sp>
-      <p:sp>
-        <p:nvSpPr>
-          <p:cNvPr id="127" name="TextBox 126">
-            <a:extLst>
-              <a:ext uri="{FF2B5EF4-FFF2-40B4-BE49-F238E27FC236}">
-                <a16:creationId xmlns:a16="http://schemas.microsoft.com/office/drawing/2014/main" id="{4C1C66BB-399B-BBAD-9451-F0FA74806845}"/>
-              </a:ext>
-            </a:extLst>
-          </p:cNvPr>
-          <p:cNvSpPr txBox="1"/>
-          <p:nvPr/>
-        </p:nvSpPr>
-        <p:spPr>
-          <a:xfrm>
-            <a:off x="9540033" y="7672570"/>
-            <a:ext cx="1721112" cy="307777"/>
           </a:xfrm>
           <a:prstGeom prst="rect">
             <a:avLst/>
@@ -11756,23 +12135,26 @@
           <a:p>
             <a:r>
               <a:rPr lang="en-US" sz="1400" dirty="0">
+                <a:solidFill>
+                  <a:schemeClr val="bg1"/>
+                </a:solidFill>
                 <a:effectLst>
                   <a:outerShdw blurRad="88900" sx="106000" sy="106000" algn="ctr" rotWithShape="0">
-                    <a:schemeClr val="bg1"/>
-                  </a:outerShdw>
-                </a:effectLst>
-              </a:rPr>
-              <a:t>Baseline Correction</a:t>
-            </a:r>
-          </a:p>
-        </p:txBody>
-      </p:sp>
-      <p:sp>
-        <p:nvSpPr>
-          <p:cNvPr id="128" name="TextBox 127">
-            <a:extLst>
-              <a:ext uri="{FF2B5EF4-FFF2-40B4-BE49-F238E27FC236}">
-                <a16:creationId xmlns:a16="http://schemas.microsoft.com/office/drawing/2014/main" id="{52E4BCC4-334C-CA6B-AC16-E0FC509C0498}"/>
+                    <a:schemeClr val="tx1"/>
+                  </a:outerShdw>
+                </a:effectLst>
+              </a:rPr>
+              <a:t>45.7</a:t>
+            </a:r>
+          </a:p>
+        </p:txBody>
+      </p:sp>
+      <p:sp>
+        <p:nvSpPr>
+          <p:cNvPr id="140" name="TextBox 139">
+            <a:extLst>
+              <a:ext uri="{FF2B5EF4-FFF2-40B4-BE49-F238E27FC236}">
+                <a16:creationId xmlns:a16="http://schemas.microsoft.com/office/drawing/2014/main" id="{03AD64D7-7CF7-2403-CBDF-715E011050D9}"/>
               </a:ext>
             </a:extLst>
           </p:cNvPr>
@@ -11780,9 +12162,9 @@
           <p:nvPr/>
         </p:nvSpPr>
         <p:spPr>
-          <a:xfrm>
-            <a:off x="9534447" y="7947955"/>
-            <a:ext cx="1041439" cy="307777"/>
+          <a:xfrm rot="16200000">
+            <a:off x="6520940" y="5212249"/>
+            <a:ext cx="524503" cy="307777"/>
           </a:xfrm>
           <a:prstGeom prst="rect">
             <a:avLst/>
@@ -11805,23 +12187,26 @@
           <a:p>
             <a:r>
               <a:rPr lang="en-US" sz="1400" dirty="0">
+                <a:solidFill>
+                  <a:schemeClr val="bg1"/>
+                </a:solidFill>
                 <a:effectLst>
                   <a:outerShdw blurRad="88900" sx="106000" sy="106000" algn="ctr" rotWithShape="0">
-                    <a:schemeClr val="bg1"/>
-                  </a:outerShdw>
-                </a:effectLst>
-              </a:rPr>
-              <a:t>Detrending</a:t>
-            </a:r>
-          </a:p>
-        </p:txBody>
-      </p:sp>
-      <p:sp>
-        <p:nvSpPr>
-          <p:cNvPr id="129" name="TextBox 128">
-            <a:extLst>
-              <a:ext uri="{FF2B5EF4-FFF2-40B4-BE49-F238E27FC236}">
-                <a16:creationId xmlns:a16="http://schemas.microsoft.com/office/drawing/2014/main" id="{4A4366F3-75FF-B17D-C5E0-CE590BFDEE86}"/>
+                    <a:schemeClr val="tx1"/>
+                  </a:outerShdw>
+                </a:effectLst>
+              </a:rPr>
+              <a:t>27.1</a:t>
+            </a:r>
+          </a:p>
+        </p:txBody>
+      </p:sp>
+      <p:sp>
+        <p:nvSpPr>
+          <p:cNvPr id="141" name="TextBox 140">
+            <a:extLst>
+              <a:ext uri="{FF2B5EF4-FFF2-40B4-BE49-F238E27FC236}">
+                <a16:creationId xmlns:a16="http://schemas.microsoft.com/office/drawing/2014/main" id="{A4CB7B7D-D189-8F7F-0101-4C2264FF60CA}"/>
               </a:ext>
             </a:extLst>
           </p:cNvPr>
@@ -11829,22 +12214,14 @@
           <p:nvPr/>
         </p:nvSpPr>
         <p:spPr>
-          <a:xfrm>
-            <a:off x="9534447" y="8320653"/>
-            <a:ext cx="1277081" cy="307777"/>
+          <a:xfrm rot="16200000">
+            <a:off x="11994904" y="5327219"/>
+            <a:ext cx="524503" cy="307777"/>
           </a:xfrm>
           <a:prstGeom prst="rect">
             <a:avLst/>
           </a:prstGeom>
           <a:noFill/>
-          <a:effectLst>
-            <a:glow rad="63500">
-              <a:schemeClr val="accent1">
-                <a:satMod val="175000"/>
-                <a:alpha val="40000"/>
-              </a:schemeClr>
-            </a:glow>
-          </a:effectLst>
         </p:spPr>
         <p:txBody>
           <a:bodyPr wrap="none" rtlCol="0">
@@ -11853,24 +12230,24 @@
           <a:lstStyle/>
           <a:p>
             <a:r>
-              <a:rPr lang="en-US" sz="1400" dirty="0">
-                <a:effectLst>
-                  <a:outerShdw blurRad="88900" sx="106000" sy="106000" algn="ctr" rotWithShape="0">
+              <a:rPr lang="de-DE" sz="1400" dirty="0">
+                <a:effectLst>
+                  <a:outerShdw blurRad="88900" dist="50800" dir="5400000" sx="106000" sy="106000" algn="ctr" rotWithShape="0">
                     <a:schemeClr val="bg1"/>
                   </a:outerShdw>
                 </a:effectLst>
               </a:rPr>
-              <a:t>No Correction</a:t>
-            </a:r>
-          </a:p>
-        </p:txBody>
-      </p:sp>
-      <p:sp>
-        <p:nvSpPr>
-          <p:cNvPr id="130" name="TextBox 129">
-            <a:extLst>
-              <a:ext uri="{FF2B5EF4-FFF2-40B4-BE49-F238E27FC236}">
-                <a16:creationId xmlns:a16="http://schemas.microsoft.com/office/drawing/2014/main" id="{98CE237F-B9ED-A9A7-CD19-D93469744CCE}"/>
+              <a:t>70.0</a:t>
+            </a:r>
+          </a:p>
+        </p:txBody>
+      </p:sp>
+      <p:sp>
+        <p:nvSpPr>
+          <p:cNvPr id="142" name="TextBox 141">
+            <a:extLst>
+              <a:ext uri="{FF2B5EF4-FFF2-40B4-BE49-F238E27FC236}">
+                <a16:creationId xmlns:a16="http://schemas.microsoft.com/office/drawing/2014/main" id="{D2A57B6D-476B-2AA0-947A-8F302E4CDC38}"/>
               </a:ext>
             </a:extLst>
           </p:cNvPr>
@@ -11879,21 +12256,13 @@
         </p:nvSpPr>
         <p:spPr>
           <a:xfrm rot="16200000">
-            <a:off x="9226378" y="8326224"/>
-            <a:ext cx="428322" cy="307777"/>
+            <a:off x="11993450" y="4052409"/>
+            <a:ext cx="524503" cy="307777"/>
           </a:xfrm>
           <a:prstGeom prst="rect">
             <a:avLst/>
           </a:prstGeom>
           <a:noFill/>
-          <a:effectLst>
-            <a:glow rad="63500">
-              <a:schemeClr val="accent1">
-                <a:satMod val="175000"/>
-                <a:alpha val="40000"/>
-              </a:schemeClr>
-            </a:glow>
-          </a:effectLst>
         </p:spPr>
         <p:txBody>
           <a:bodyPr wrap="none" rtlCol="0">
@@ -11902,27 +12271,24 @@
           <a:lstStyle/>
           <a:p>
             <a:r>
-              <a:rPr lang="en-US" sz="1400" dirty="0">
-                <a:solidFill>
-                  <a:schemeClr val="bg1"/>
-                </a:solidFill>
-                <a:effectLst>
-                  <a:outerShdw blurRad="88900" sx="106000" sy="106000" algn="ctr" rotWithShape="0">
-                    <a:schemeClr val="tx1"/>
-                  </a:outerShdw>
-                </a:effectLst>
-              </a:rPr>
-              <a:t>7.1</a:t>
-            </a:r>
-          </a:p>
-        </p:txBody>
-      </p:sp>
-      <p:sp>
-        <p:nvSpPr>
-          <p:cNvPr id="131" name="TextBox 130">
-            <a:extLst>
-              <a:ext uri="{FF2B5EF4-FFF2-40B4-BE49-F238E27FC236}">
-                <a16:creationId xmlns:a16="http://schemas.microsoft.com/office/drawing/2014/main" id="{FD41C16E-5B74-7F30-6739-6109DBA3CA5F}"/>
+              <a:rPr lang="de-DE" sz="1400" dirty="0">
+                <a:effectLst>
+                  <a:outerShdw blurRad="88900" dist="50800" dir="5400000" sx="106000" sy="106000" algn="ctr" rotWithShape="0">
+                    <a:schemeClr val="bg1"/>
+                  </a:outerShdw>
+                </a:effectLst>
+              </a:rPr>
+              <a:t>11.4</a:t>
+            </a:r>
+          </a:p>
+        </p:txBody>
+      </p:sp>
+      <p:sp>
+        <p:nvSpPr>
+          <p:cNvPr id="143" name="TextBox 142">
+            <a:extLst>
+              <a:ext uri="{FF2B5EF4-FFF2-40B4-BE49-F238E27FC236}">
+                <a16:creationId xmlns:a16="http://schemas.microsoft.com/office/drawing/2014/main" id="{737D1200-5A3C-D231-F27E-9A0371DDF1BE}"/>
               </a:ext>
             </a:extLst>
           </p:cNvPr>
@@ -11931,21 +12297,13 @@
         </p:nvSpPr>
         <p:spPr>
           <a:xfrm rot="16200000">
-            <a:off x="9236662" y="7943865"/>
-            <a:ext cx="428322" cy="307777"/>
+            <a:off x="11992482" y="7261294"/>
+            <a:ext cx="524503" cy="307777"/>
           </a:xfrm>
           <a:prstGeom prst="rect">
             <a:avLst/>
           </a:prstGeom>
           <a:noFill/>
-          <a:effectLst>
-            <a:glow rad="63500">
-              <a:schemeClr val="accent1">
-                <a:satMod val="175000"/>
-                <a:alpha val="40000"/>
-              </a:schemeClr>
-            </a:glow>
-          </a:effectLst>
         </p:spPr>
         <p:txBody>
           <a:bodyPr wrap="none" rtlCol="0">
@@ -11954,27 +12312,24 @@
           <a:lstStyle/>
           <a:p>
             <a:r>
-              <a:rPr lang="en-US" sz="1400" dirty="0">
-                <a:solidFill>
-                  <a:schemeClr val="bg1"/>
-                </a:solidFill>
-                <a:effectLst>
-                  <a:outerShdw blurRad="88900" sx="106000" sy="106000" algn="ctr" rotWithShape="0">
-                    <a:schemeClr val="tx1"/>
-                  </a:outerShdw>
-                </a:effectLst>
-              </a:rPr>
-              <a:t>5.7</a:t>
-            </a:r>
-          </a:p>
-        </p:txBody>
-      </p:sp>
-      <p:sp>
-        <p:nvSpPr>
-          <p:cNvPr id="132" name="TextBox 131">
-            <a:extLst>
-              <a:ext uri="{FF2B5EF4-FFF2-40B4-BE49-F238E27FC236}">
-                <a16:creationId xmlns:a16="http://schemas.microsoft.com/office/drawing/2014/main" id="{6A00B194-EFAF-A459-B1F5-B60CE4542BA8}"/>
+              <a:rPr lang="de-DE" sz="1400" dirty="0">
+                <a:effectLst>
+                  <a:outerShdw blurRad="88900" dist="50800" dir="5400000" sx="106000" sy="106000" algn="ctr" rotWithShape="0">
+                    <a:schemeClr val="bg1"/>
+                  </a:outerShdw>
+                </a:effectLst>
+              </a:rPr>
+              <a:t>11.4</a:t>
+            </a:r>
+          </a:p>
+        </p:txBody>
+      </p:sp>
+      <p:sp>
+        <p:nvSpPr>
+          <p:cNvPr id="144" name="TextBox 143">
+            <a:extLst>
+              <a:ext uri="{FF2B5EF4-FFF2-40B4-BE49-F238E27FC236}">
+                <a16:creationId xmlns:a16="http://schemas.microsoft.com/office/drawing/2014/main" id="{4D91E386-BF81-B81F-F750-0FA381266EF1}"/>
               </a:ext>
             </a:extLst>
           </p:cNvPr>
@@ -11983,21 +12338,13 @@
         </p:nvSpPr>
         <p:spPr>
           <a:xfrm rot="16200000">
-            <a:off x="9226378" y="7656374"/>
-            <a:ext cx="428322" cy="307777"/>
+            <a:off x="11992627" y="6787026"/>
+            <a:ext cx="524503" cy="307777"/>
           </a:xfrm>
           <a:prstGeom prst="rect">
             <a:avLst/>
           </a:prstGeom>
           <a:noFill/>
-          <a:effectLst>
-            <a:glow rad="63500">
-              <a:schemeClr val="accent1">
-                <a:satMod val="175000"/>
-                <a:alpha val="40000"/>
-              </a:schemeClr>
-            </a:glow>
-          </a:effectLst>
         </p:spPr>
         <p:txBody>
           <a:bodyPr wrap="none" rtlCol="0">
@@ -12006,27 +12353,24 @@
           <a:lstStyle/>
           <a:p>
             <a:r>
-              <a:rPr lang="en-US" sz="1400" dirty="0">
-                <a:solidFill>
-                  <a:schemeClr val="bg1"/>
-                </a:solidFill>
-                <a:effectLst>
-                  <a:outerShdw blurRad="88900" sx="106000" sy="106000" algn="ctr" rotWithShape="0">
-                    <a:schemeClr val="tx1"/>
-                  </a:outerShdw>
-                </a:effectLst>
-              </a:rPr>
-              <a:t>8.6</a:t>
-            </a:r>
-          </a:p>
-        </p:txBody>
-      </p:sp>
-      <p:sp>
-        <p:nvSpPr>
-          <p:cNvPr id="133" name="TextBox 132">
-            <a:extLst>
-              <a:ext uri="{FF2B5EF4-FFF2-40B4-BE49-F238E27FC236}">
-                <a16:creationId xmlns:a16="http://schemas.microsoft.com/office/drawing/2014/main" id="{76C777AB-7D1A-A002-5366-CDE8FAB727C4}"/>
+              <a:rPr lang="de-DE" sz="1400" dirty="0">
+                <a:effectLst>
+                  <a:outerShdw blurRad="88900" dist="50800" dir="5400000" sx="106000" sy="106000" algn="ctr" rotWithShape="0">
+                    <a:schemeClr val="bg1"/>
+                  </a:outerShdw>
+                </a:effectLst>
+              </a:rPr>
+              <a:t>11.4</a:t>
+            </a:r>
+          </a:p>
+        </p:txBody>
+      </p:sp>
+      <p:sp>
+        <p:nvSpPr>
+          <p:cNvPr id="145" name="TextBox 144">
+            <a:extLst>
+              <a:ext uri="{FF2B5EF4-FFF2-40B4-BE49-F238E27FC236}">
+                <a16:creationId xmlns:a16="http://schemas.microsoft.com/office/drawing/2014/main" id="{676B0C42-D62E-A043-E5CB-B6816DA4B571}"/>
               </a:ext>
             </a:extLst>
           </p:cNvPr>
@@ -12035,8 +12379,8 @@
         </p:nvSpPr>
         <p:spPr>
           <a:xfrm rot="16200000">
-            <a:off x="10656077" y="5891971"/>
-            <a:ext cx="524503" cy="307777"/>
+            <a:off x="12038439" y="6415099"/>
+            <a:ext cx="428322" cy="307777"/>
           </a:xfrm>
           <a:prstGeom prst="rect">
             <a:avLst/>
@@ -12057,584 +12401,7 @@
                   </a:outerShdw>
                 </a:effectLst>
               </a:rPr>
-              <a:t>15.7</a:t>
-            </a:r>
-          </a:p>
-        </p:txBody>
-      </p:sp>
-      <p:sp>
-        <p:nvSpPr>
-          <p:cNvPr id="134" name="TextBox 133">
-            <a:extLst>
-              <a:ext uri="{FF2B5EF4-FFF2-40B4-BE49-F238E27FC236}">
-                <a16:creationId xmlns:a16="http://schemas.microsoft.com/office/drawing/2014/main" id="{21DB9BB8-D527-6C12-44F2-312E8D49768D}"/>
-              </a:ext>
-            </a:extLst>
-          </p:cNvPr>
-          <p:cNvSpPr txBox="1"/>
-          <p:nvPr/>
-        </p:nvSpPr>
-        <p:spPr>
-          <a:xfrm rot="16200000">
-            <a:off x="10657564" y="5082513"/>
-            <a:ext cx="524503" cy="307777"/>
-          </a:xfrm>
-          <a:prstGeom prst="rect">
-            <a:avLst/>
-          </a:prstGeom>
-          <a:noFill/>
-        </p:spPr>
-        <p:txBody>
-          <a:bodyPr wrap="none" rtlCol="0">
-            <a:spAutoFit/>
-          </a:bodyPr>
-          <a:lstStyle/>
-          <a:p>
-            <a:r>
-              <a:rPr lang="de-DE" sz="1400" dirty="0">
-                <a:effectLst>
-                  <a:outerShdw blurRad="88900" dist="50800" dir="5400000" sx="106000" sy="106000" algn="ctr" rotWithShape="0">
-                    <a:schemeClr val="bg1"/>
-                  </a:outerShdw>
-                </a:effectLst>
-              </a:rPr>
-              <a:t>11.4</a:t>
-            </a:r>
-          </a:p>
-        </p:txBody>
-      </p:sp>
-      <p:sp>
-        <p:nvSpPr>
-          <p:cNvPr id="135" name="TextBox 134">
-            <a:extLst>
-              <a:ext uri="{FF2B5EF4-FFF2-40B4-BE49-F238E27FC236}">
-                <a16:creationId xmlns:a16="http://schemas.microsoft.com/office/drawing/2014/main" id="{656D3B3F-6AF9-124C-294F-D8883FA500C8}"/>
-              </a:ext>
-            </a:extLst>
-          </p:cNvPr>
-          <p:cNvSpPr txBox="1"/>
-          <p:nvPr/>
-        </p:nvSpPr>
-        <p:spPr>
-          <a:xfrm rot="16200000">
-            <a:off x="10646552" y="4309261"/>
-            <a:ext cx="524503" cy="307777"/>
-          </a:xfrm>
-          <a:prstGeom prst="rect">
-            <a:avLst/>
-          </a:prstGeom>
-          <a:noFill/>
-        </p:spPr>
-        <p:txBody>
-          <a:bodyPr wrap="none" rtlCol="0">
-            <a:spAutoFit/>
-          </a:bodyPr>
-          <a:lstStyle/>
-          <a:p>
-            <a:r>
-              <a:rPr lang="de-DE" sz="1400" dirty="0">
-                <a:effectLst>
-                  <a:outerShdw blurRad="88900" dist="50800" dir="5400000" sx="106000" sy="106000" algn="ctr" rotWithShape="0">
-                    <a:schemeClr val="bg1"/>
-                  </a:outerShdw>
-                </a:effectLst>
-              </a:rPr>
-              <a:t>21.4</a:t>
-            </a:r>
-          </a:p>
-        </p:txBody>
-      </p:sp>
-      <p:sp>
-        <p:nvSpPr>
-          <p:cNvPr id="136" name="TextBox 135">
-            <a:extLst>
-              <a:ext uri="{FF2B5EF4-FFF2-40B4-BE49-F238E27FC236}">
-                <a16:creationId xmlns:a16="http://schemas.microsoft.com/office/drawing/2014/main" id="{9B1EEE31-5A57-F3F8-3563-9C5A9E1768AE}"/>
-              </a:ext>
-            </a:extLst>
-          </p:cNvPr>
-          <p:cNvSpPr txBox="1"/>
-          <p:nvPr/>
-        </p:nvSpPr>
-        <p:spPr>
-          <a:xfrm rot="16200000">
-            <a:off x="10680127" y="7157173"/>
-            <a:ext cx="428322" cy="307777"/>
-          </a:xfrm>
-          <a:prstGeom prst="rect">
-            <a:avLst/>
-          </a:prstGeom>
-          <a:noFill/>
-        </p:spPr>
-        <p:txBody>
-          <a:bodyPr wrap="none" rtlCol="0">
-            <a:spAutoFit/>
-          </a:bodyPr>
-          <a:lstStyle/>
-          <a:p>
-            <a:r>
-              <a:rPr lang="de-DE" sz="1400" dirty="0">
-                <a:effectLst>
-                  <a:outerShdw blurRad="88900" dist="50800" dir="5400000" sx="106000" sy="106000" algn="ctr" rotWithShape="0">
-                    <a:schemeClr val="bg1"/>
-                  </a:outerShdw>
-                </a:effectLst>
-              </a:rPr>
-              <a:t>8.6</a:t>
-            </a:r>
-          </a:p>
-        </p:txBody>
-      </p:sp>
-      <p:sp>
-        <p:nvSpPr>
-          <p:cNvPr id="137" name="TextBox 136">
-            <a:extLst>
-              <a:ext uri="{FF2B5EF4-FFF2-40B4-BE49-F238E27FC236}">
-                <a16:creationId xmlns:a16="http://schemas.microsoft.com/office/drawing/2014/main" id="{4E152D36-4D70-341A-FDFF-25A07E350CDB}"/>
-              </a:ext>
-            </a:extLst>
-          </p:cNvPr>
-          <p:cNvSpPr txBox="1"/>
-          <p:nvPr/>
-        </p:nvSpPr>
-        <p:spPr>
-          <a:xfrm rot="16200000">
-            <a:off x="10680128" y="7489616"/>
-            <a:ext cx="428322" cy="307777"/>
-          </a:xfrm>
-          <a:prstGeom prst="rect">
-            <a:avLst/>
-          </a:prstGeom>
-          <a:noFill/>
-        </p:spPr>
-        <p:txBody>
-          <a:bodyPr wrap="none" rtlCol="0">
-            <a:spAutoFit/>
-          </a:bodyPr>
-          <a:lstStyle/>
-          <a:p>
-            <a:r>
-              <a:rPr lang="de-DE" sz="1400" dirty="0">
-                <a:effectLst>
-                  <a:outerShdw blurRad="88900" dist="50800" dir="5400000" sx="106000" sy="106000" algn="ctr" rotWithShape="0">
-                    <a:schemeClr val="bg1"/>
-                  </a:outerShdw>
-                </a:effectLst>
-              </a:rPr>
               <a:t>4.3</a:t>
-            </a:r>
-          </a:p>
-        </p:txBody>
-      </p:sp>
-      <p:sp>
-        <p:nvSpPr>
-          <p:cNvPr id="138" name="TextBox 137">
-            <a:extLst>
-              <a:ext uri="{FF2B5EF4-FFF2-40B4-BE49-F238E27FC236}">
-                <a16:creationId xmlns:a16="http://schemas.microsoft.com/office/drawing/2014/main" id="{AE6FCEE6-2478-FFD8-4ABD-AE9E5FE4AA82}"/>
-              </a:ext>
-            </a:extLst>
-          </p:cNvPr>
-          <p:cNvSpPr txBox="1"/>
-          <p:nvPr/>
-        </p:nvSpPr>
-        <p:spPr>
-          <a:xfrm rot="16200000">
-            <a:off x="9178290" y="4953994"/>
-            <a:ext cx="524503" cy="307777"/>
-          </a:xfrm>
-          <a:prstGeom prst="rect">
-            <a:avLst/>
-          </a:prstGeom>
-          <a:noFill/>
-          <a:effectLst>
-            <a:glow rad="63500">
-              <a:schemeClr val="accent1">
-                <a:satMod val="175000"/>
-                <a:alpha val="40000"/>
-              </a:schemeClr>
-            </a:glow>
-          </a:effectLst>
-        </p:spPr>
-        <p:txBody>
-          <a:bodyPr wrap="none" rtlCol="0">
-            <a:spAutoFit/>
-          </a:bodyPr>
-          <a:lstStyle/>
-          <a:p>
-            <a:r>
-              <a:rPr lang="en-US" sz="1400" dirty="0">
-                <a:solidFill>
-                  <a:schemeClr val="bg1"/>
-                </a:solidFill>
-                <a:effectLst>
-                  <a:outerShdw blurRad="88900" sx="106000" sy="106000" algn="ctr" rotWithShape="0">
-                    <a:schemeClr val="tx1"/>
-                  </a:outerShdw>
-                </a:effectLst>
-              </a:rPr>
-              <a:t>32.9</a:t>
-            </a:r>
-          </a:p>
-        </p:txBody>
-      </p:sp>
-      <p:sp>
-        <p:nvSpPr>
-          <p:cNvPr id="139" name="TextBox 138">
-            <a:extLst>
-              <a:ext uri="{FF2B5EF4-FFF2-40B4-BE49-F238E27FC236}">
-                <a16:creationId xmlns:a16="http://schemas.microsoft.com/office/drawing/2014/main" id="{D939F3E0-19EA-90B8-BB3F-B223BFD9E9CB}"/>
-              </a:ext>
-            </a:extLst>
-          </p:cNvPr>
-          <p:cNvSpPr txBox="1"/>
-          <p:nvPr/>
-        </p:nvSpPr>
-        <p:spPr>
-          <a:xfrm rot="16200000">
-            <a:off x="9178290" y="6642503"/>
-            <a:ext cx="524503" cy="307777"/>
-          </a:xfrm>
-          <a:prstGeom prst="rect">
-            <a:avLst/>
-          </a:prstGeom>
-          <a:noFill/>
-          <a:effectLst>
-            <a:glow rad="63500">
-              <a:schemeClr val="accent1">
-                <a:satMod val="175000"/>
-                <a:alpha val="40000"/>
-              </a:schemeClr>
-            </a:glow>
-          </a:effectLst>
-        </p:spPr>
-        <p:txBody>
-          <a:bodyPr wrap="none" rtlCol="0">
-            <a:spAutoFit/>
-          </a:bodyPr>
-          <a:lstStyle/>
-          <a:p>
-            <a:r>
-              <a:rPr lang="en-US" sz="1400" dirty="0">
-                <a:solidFill>
-                  <a:schemeClr val="bg1"/>
-                </a:solidFill>
-                <a:effectLst>
-                  <a:outerShdw blurRad="88900" sx="106000" sy="106000" algn="ctr" rotWithShape="0">
-                    <a:schemeClr val="tx1"/>
-                  </a:outerShdw>
-                </a:effectLst>
-              </a:rPr>
-              <a:t>45.7</a:t>
-            </a:r>
-          </a:p>
-        </p:txBody>
-      </p:sp>
-      <p:sp>
-        <p:nvSpPr>
-          <p:cNvPr id="140" name="TextBox 139">
-            <a:extLst>
-              <a:ext uri="{FF2B5EF4-FFF2-40B4-BE49-F238E27FC236}">
-                <a16:creationId xmlns:a16="http://schemas.microsoft.com/office/drawing/2014/main" id="{03AD64D7-7CF7-2403-CBDF-715E011050D9}"/>
-              </a:ext>
-            </a:extLst>
-          </p:cNvPr>
-          <p:cNvSpPr txBox="1"/>
-          <p:nvPr/>
-        </p:nvSpPr>
-        <p:spPr>
-          <a:xfrm rot="16200000">
-            <a:off x="6520940" y="5212249"/>
-            <a:ext cx="524503" cy="307777"/>
-          </a:xfrm>
-          <a:prstGeom prst="rect">
-            <a:avLst/>
-          </a:prstGeom>
-          <a:noFill/>
-          <a:effectLst>
-            <a:glow rad="63500">
-              <a:schemeClr val="accent1">
-                <a:satMod val="175000"/>
-                <a:alpha val="40000"/>
-              </a:schemeClr>
-            </a:glow>
-          </a:effectLst>
-        </p:spPr>
-        <p:txBody>
-          <a:bodyPr wrap="none" rtlCol="0">
-            <a:spAutoFit/>
-          </a:bodyPr>
-          <a:lstStyle/>
-          <a:p>
-            <a:r>
-              <a:rPr lang="en-US" sz="1400" dirty="0">
-                <a:solidFill>
-                  <a:schemeClr val="bg1"/>
-                </a:solidFill>
-                <a:effectLst>
-                  <a:outerShdw blurRad="88900" sx="106000" sy="106000" algn="ctr" rotWithShape="0">
-                    <a:schemeClr val="tx1"/>
-                  </a:outerShdw>
-                </a:effectLst>
-              </a:rPr>
-              <a:t>27.1</a:t>
-            </a:r>
-          </a:p>
-        </p:txBody>
-      </p:sp>
-      <p:sp>
-        <p:nvSpPr>
-          <p:cNvPr id="141" name="TextBox 140">
-            <a:extLst>
-              <a:ext uri="{FF2B5EF4-FFF2-40B4-BE49-F238E27FC236}">
-                <a16:creationId xmlns:a16="http://schemas.microsoft.com/office/drawing/2014/main" id="{A4CB7B7D-D189-8F7F-0101-4C2264FF60CA}"/>
-              </a:ext>
-            </a:extLst>
-          </p:cNvPr>
-          <p:cNvSpPr txBox="1"/>
-          <p:nvPr/>
-        </p:nvSpPr>
-        <p:spPr>
-          <a:xfrm rot="16200000">
-            <a:off x="11994904" y="5327219"/>
-            <a:ext cx="524503" cy="307777"/>
-          </a:xfrm>
-          <a:prstGeom prst="rect">
-            <a:avLst/>
-          </a:prstGeom>
-          <a:noFill/>
-        </p:spPr>
-        <p:txBody>
-          <a:bodyPr wrap="none" rtlCol="0">
-            <a:spAutoFit/>
-          </a:bodyPr>
-          <a:lstStyle/>
-          <a:p>
-            <a:r>
-              <a:rPr lang="de-DE" sz="1400" dirty="0">
-                <a:effectLst>
-                  <a:outerShdw blurRad="88900" dist="50800" dir="5400000" sx="106000" sy="106000" algn="ctr" rotWithShape="0">
-                    <a:schemeClr val="bg1"/>
-                  </a:outerShdw>
-                </a:effectLst>
-              </a:rPr>
-              <a:t>70.0</a:t>
-            </a:r>
-          </a:p>
-        </p:txBody>
-      </p:sp>
-      <p:sp>
-        <p:nvSpPr>
-          <p:cNvPr id="142" name="TextBox 141">
-            <a:extLst>
-              <a:ext uri="{FF2B5EF4-FFF2-40B4-BE49-F238E27FC236}">
-                <a16:creationId xmlns:a16="http://schemas.microsoft.com/office/drawing/2014/main" id="{D2A57B6D-476B-2AA0-947A-8F302E4CDC38}"/>
-              </a:ext>
-            </a:extLst>
-          </p:cNvPr>
-          <p:cNvSpPr txBox="1"/>
-          <p:nvPr/>
-        </p:nvSpPr>
-        <p:spPr>
-          <a:xfrm rot="16200000">
-            <a:off x="11993450" y="4052409"/>
-            <a:ext cx="524503" cy="307777"/>
-          </a:xfrm>
-          <a:prstGeom prst="rect">
-            <a:avLst/>
-          </a:prstGeom>
-          <a:noFill/>
-        </p:spPr>
-        <p:txBody>
-          <a:bodyPr wrap="none" rtlCol="0">
-            <a:spAutoFit/>
-          </a:bodyPr>
-          <a:lstStyle/>
-          <a:p>
-            <a:r>
-              <a:rPr lang="de-DE" sz="1400" dirty="0">
-                <a:effectLst>
-                  <a:outerShdw blurRad="88900" dist="50800" dir="5400000" sx="106000" sy="106000" algn="ctr" rotWithShape="0">
-                    <a:schemeClr val="bg1"/>
-                  </a:outerShdw>
-                </a:effectLst>
-              </a:rPr>
-              <a:t>11.4</a:t>
-            </a:r>
-          </a:p>
-        </p:txBody>
-      </p:sp>
-      <p:sp>
-        <p:nvSpPr>
-          <p:cNvPr id="143" name="TextBox 142">
-            <a:extLst>
-              <a:ext uri="{FF2B5EF4-FFF2-40B4-BE49-F238E27FC236}">
-                <a16:creationId xmlns:a16="http://schemas.microsoft.com/office/drawing/2014/main" id="{737D1200-5A3C-D231-F27E-9A0371DDF1BE}"/>
-              </a:ext>
-            </a:extLst>
-          </p:cNvPr>
-          <p:cNvSpPr txBox="1"/>
-          <p:nvPr/>
-        </p:nvSpPr>
-        <p:spPr>
-          <a:xfrm rot="16200000">
-            <a:off x="11992482" y="7261294"/>
-            <a:ext cx="524503" cy="307777"/>
-          </a:xfrm>
-          <a:prstGeom prst="rect">
-            <a:avLst/>
-          </a:prstGeom>
-          <a:noFill/>
-        </p:spPr>
-        <p:txBody>
-          <a:bodyPr wrap="none" rtlCol="0">
-            <a:spAutoFit/>
-          </a:bodyPr>
-          <a:lstStyle/>
-          <a:p>
-            <a:r>
-              <a:rPr lang="de-DE" sz="1400" dirty="0">
-                <a:effectLst>
-                  <a:outerShdw blurRad="88900" dist="50800" dir="5400000" sx="106000" sy="106000" algn="ctr" rotWithShape="0">
-                    <a:schemeClr val="bg1"/>
-                  </a:outerShdw>
-                </a:effectLst>
-              </a:rPr>
-              <a:t>11.4</a:t>
-            </a:r>
-          </a:p>
-        </p:txBody>
-      </p:sp>
-      <p:sp>
-        <p:nvSpPr>
-          <p:cNvPr id="144" name="TextBox 143">
-            <a:extLst>
-              <a:ext uri="{FF2B5EF4-FFF2-40B4-BE49-F238E27FC236}">
-                <a16:creationId xmlns:a16="http://schemas.microsoft.com/office/drawing/2014/main" id="{4D91E386-BF81-B81F-F750-0FA381266EF1}"/>
-              </a:ext>
-            </a:extLst>
-          </p:cNvPr>
-          <p:cNvSpPr txBox="1"/>
-          <p:nvPr/>
-        </p:nvSpPr>
-        <p:spPr>
-          <a:xfrm rot="16200000">
-            <a:off x="11992627" y="6787026"/>
-            <a:ext cx="524503" cy="307777"/>
-          </a:xfrm>
-          <a:prstGeom prst="rect">
-            <a:avLst/>
-          </a:prstGeom>
-          <a:noFill/>
-        </p:spPr>
-        <p:txBody>
-          <a:bodyPr wrap="none" rtlCol="0">
-            <a:spAutoFit/>
-          </a:bodyPr>
-          <a:lstStyle/>
-          <a:p>
-            <a:r>
-              <a:rPr lang="de-DE" sz="1400" dirty="0">
-                <a:effectLst>
-                  <a:outerShdw blurRad="88900" dist="50800" dir="5400000" sx="106000" sy="106000" algn="ctr" rotWithShape="0">
-                    <a:schemeClr val="bg1"/>
-                  </a:outerShdw>
-                </a:effectLst>
-              </a:rPr>
-              <a:t>11.4</a:t>
-            </a:r>
-          </a:p>
-        </p:txBody>
-      </p:sp>
-      <p:sp>
-        <p:nvSpPr>
-          <p:cNvPr id="145" name="TextBox 144">
-            <a:extLst>
-              <a:ext uri="{FF2B5EF4-FFF2-40B4-BE49-F238E27FC236}">
-                <a16:creationId xmlns:a16="http://schemas.microsoft.com/office/drawing/2014/main" id="{676B0C42-D62E-A043-E5CB-B6816DA4B571}"/>
-              </a:ext>
-            </a:extLst>
-          </p:cNvPr>
-          <p:cNvSpPr txBox="1"/>
-          <p:nvPr/>
-        </p:nvSpPr>
-        <p:spPr>
-          <a:xfrm rot="16200000">
-            <a:off x="12038439" y="6415099"/>
-            <a:ext cx="428322" cy="307777"/>
-          </a:xfrm>
-          <a:prstGeom prst="rect">
-            <a:avLst/>
-          </a:prstGeom>
-          <a:noFill/>
-        </p:spPr>
-        <p:txBody>
-          <a:bodyPr wrap="none" rtlCol="0">
-            <a:spAutoFit/>
-          </a:bodyPr>
-          <a:lstStyle/>
-          <a:p>
-            <a:r>
-              <a:rPr lang="de-DE" sz="1400" dirty="0">
-                <a:effectLst>
-                  <a:outerShdw blurRad="88900" dist="50800" dir="5400000" sx="106000" sy="106000" algn="ctr" rotWithShape="0">
-                    <a:schemeClr val="bg1"/>
-                  </a:outerShdw>
-                </a:effectLst>
-              </a:rPr>
-              <a:t>4.3</a:t>
-            </a:r>
-          </a:p>
-        </p:txBody>
-      </p:sp>
-      <p:sp>
-        <p:nvSpPr>
-          <p:cNvPr id="2" name="TextBox 1">
-            <a:extLst>
-              <a:ext uri="{FF2B5EF4-FFF2-40B4-BE49-F238E27FC236}">
-                <a16:creationId xmlns:a16="http://schemas.microsoft.com/office/drawing/2014/main" id="{D030DEDE-9E76-B156-A75F-E83ECD8146B9}"/>
-              </a:ext>
-            </a:extLst>
-          </p:cNvPr>
-          <p:cNvSpPr txBox="1"/>
-          <p:nvPr/>
-        </p:nvSpPr>
-        <p:spPr>
-          <a:xfrm rot="16200000">
-            <a:off x="2468297" y="4154637"/>
-            <a:ext cx="428322" cy="307777"/>
-          </a:xfrm>
-          <a:prstGeom prst="rect">
-            <a:avLst/>
-          </a:prstGeom>
-          <a:noFill/>
-          <a:effectLst>
-            <a:glow rad="63500">
-              <a:schemeClr val="accent1">
-                <a:satMod val="175000"/>
-                <a:alpha val="40000"/>
-              </a:schemeClr>
-            </a:glow>
-          </a:effectLst>
-        </p:spPr>
-        <p:txBody>
-          <a:bodyPr wrap="none" rtlCol="0">
-            <a:spAutoFit/>
-          </a:bodyPr>
-          <a:lstStyle/>
-          <a:p>
-            <a:r>
-              <a:rPr lang="en-US" sz="1400" dirty="0">
-                <a:solidFill>
-                  <a:schemeClr val="bg1"/>
-                </a:solidFill>
-                <a:effectLst>
-                  <a:outerShdw blurRad="88900" sx="106000" sy="106000" algn="ctr" rotWithShape="0">
-                    <a:schemeClr val="tx1"/>
-                  </a:outerShdw>
-                </a:effectLst>
-              </a:rPr>
-              <a:t>7.1</a:t>
             </a:r>
           </a:p>
         </p:txBody>
@@ -14261,6 +14028,458 @@
           </a:fontRef>
         </p:style>
       </p:cxnSp>
+      <p:sp>
+        <p:nvSpPr>
+          <p:cNvPr id="5" name="TextBox 4">
+            <a:extLst>
+              <a:ext uri="{FF2B5EF4-FFF2-40B4-BE49-F238E27FC236}">
+                <a16:creationId xmlns:a16="http://schemas.microsoft.com/office/drawing/2014/main" id="{349A2FEC-5F24-8A29-31F3-A0F1A7034FBE}"/>
+              </a:ext>
+            </a:extLst>
+          </p:cNvPr>
+          <p:cNvSpPr txBox="1"/>
+          <p:nvPr/>
+        </p:nvSpPr>
+        <p:spPr>
+          <a:xfrm>
+            <a:off x="2162982" y="4163699"/>
+            <a:ext cx="428322" cy="307777"/>
+          </a:xfrm>
+          <a:prstGeom prst="rect">
+            <a:avLst/>
+          </a:prstGeom>
+          <a:noFill/>
+        </p:spPr>
+        <p:txBody>
+          <a:bodyPr wrap="none" rtlCol="0">
+            <a:spAutoFit/>
+          </a:bodyPr>
+          <a:lstStyle/>
+          <a:p>
+            <a:pPr algn="r"/>
+            <a:r>
+              <a:rPr lang="de-DE" sz="1400" dirty="0">
+                <a:effectLst>
+                  <a:outerShdw blurRad="88900" dist="50800" dir="5400000" sx="106000" sy="106000" algn="ctr" rotWithShape="0">
+                    <a:schemeClr val="bg1"/>
+                  </a:outerShdw>
+                </a:effectLst>
+              </a:rPr>
+              <a:t>7.1</a:t>
+            </a:r>
+          </a:p>
+        </p:txBody>
+      </p:sp>
+      <p:sp>
+        <p:nvSpPr>
+          <p:cNvPr id="9" name="TextBox 8">
+            <a:extLst>
+              <a:ext uri="{FF2B5EF4-FFF2-40B4-BE49-F238E27FC236}">
+                <a16:creationId xmlns:a16="http://schemas.microsoft.com/office/drawing/2014/main" id="{8219D6E6-59A0-F155-3257-772104CC4384}"/>
+              </a:ext>
+            </a:extLst>
+          </p:cNvPr>
+          <p:cNvSpPr txBox="1"/>
+          <p:nvPr/>
+        </p:nvSpPr>
+        <p:spPr>
+          <a:xfrm>
+            <a:off x="4907430" y="8232754"/>
+            <a:ext cx="428322" cy="307777"/>
+          </a:xfrm>
+          <a:prstGeom prst="rect">
+            <a:avLst/>
+          </a:prstGeom>
+          <a:noFill/>
+        </p:spPr>
+        <p:txBody>
+          <a:bodyPr wrap="none" rtlCol="0">
+            <a:spAutoFit/>
+          </a:bodyPr>
+          <a:lstStyle/>
+          <a:p>
+            <a:r>
+              <a:rPr lang="de-DE" sz="1400" dirty="0">
+                <a:effectLst>
+                  <a:outerShdw blurRad="88900" dist="50800" dir="5400000" sx="106000" sy="106000" algn="ctr" rotWithShape="0">
+                    <a:schemeClr val="bg1"/>
+                  </a:outerShdw>
+                </a:effectLst>
+              </a:rPr>
+              <a:t>2.9</a:t>
+            </a:r>
+          </a:p>
+        </p:txBody>
+      </p:sp>
+      <p:sp>
+        <p:nvSpPr>
+          <p:cNvPr id="10" name="TextBox 9">
+            <a:extLst>
+              <a:ext uri="{FF2B5EF4-FFF2-40B4-BE49-F238E27FC236}">
+                <a16:creationId xmlns:a16="http://schemas.microsoft.com/office/drawing/2014/main" id="{03652BDF-0BD8-9CDD-FEB0-50D043877550}"/>
+              </a:ext>
+            </a:extLst>
+          </p:cNvPr>
+          <p:cNvSpPr txBox="1"/>
+          <p:nvPr/>
+        </p:nvSpPr>
+        <p:spPr>
+          <a:xfrm>
+            <a:off x="4907430" y="8500736"/>
+            <a:ext cx="428322" cy="307777"/>
+          </a:xfrm>
+          <a:prstGeom prst="rect">
+            <a:avLst/>
+          </a:prstGeom>
+          <a:noFill/>
+        </p:spPr>
+        <p:txBody>
+          <a:bodyPr wrap="none" rtlCol="0">
+            <a:spAutoFit/>
+          </a:bodyPr>
+          <a:lstStyle/>
+          <a:p>
+            <a:r>
+              <a:rPr lang="de-DE" sz="1400" dirty="0">
+                <a:effectLst>
+                  <a:outerShdw blurRad="88900" dist="50800" dir="5400000" sx="106000" sy="106000" algn="ctr" rotWithShape="0">
+                    <a:schemeClr val="bg1"/>
+                  </a:outerShdw>
+                </a:effectLst>
+              </a:rPr>
+              <a:t>7.1</a:t>
+            </a:r>
+          </a:p>
+        </p:txBody>
+      </p:sp>
+      <p:sp>
+        <p:nvSpPr>
+          <p:cNvPr id="11" name="TextBox 10">
+            <a:extLst>
+              <a:ext uri="{FF2B5EF4-FFF2-40B4-BE49-F238E27FC236}">
+                <a16:creationId xmlns:a16="http://schemas.microsoft.com/office/drawing/2014/main" id="{C3F0C18B-3836-3C45-0413-34EB4A37AC42}"/>
+              </a:ext>
+            </a:extLst>
+          </p:cNvPr>
+          <p:cNvSpPr txBox="1"/>
+          <p:nvPr/>
+        </p:nvSpPr>
+        <p:spPr>
+          <a:xfrm>
+            <a:off x="6275340" y="4237338"/>
+            <a:ext cx="428322" cy="307777"/>
+          </a:xfrm>
+          <a:prstGeom prst="rect">
+            <a:avLst/>
+          </a:prstGeom>
+          <a:noFill/>
+        </p:spPr>
+        <p:txBody>
+          <a:bodyPr wrap="none" rtlCol="0">
+            <a:spAutoFit/>
+          </a:bodyPr>
+          <a:lstStyle/>
+          <a:p>
+            <a:r>
+              <a:rPr lang="de-DE" sz="1400" dirty="0">
+                <a:effectLst>
+                  <a:outerShdw blurRad="88900" dist="50800" dir="5400000" sx="106000" sy="106000" algn="ctr" rotWithShape="0">
+                    <a:schemeClr val="bg1"/>
+                  </a:outerShdw>
+                </a:effectLst>
+              </a:rPr>
+              <a:t>1.4</a:t>
+            </a:r>
+          </a:p>
+        </p:txBody>
+      </p:sp>
+      <p:sp>
+        <p:nvSpPr>
+          <p:cNvPr id="14" name="TextBox 13">
+            <a:extLst>
+              <a:ext uri="{FF2B5EF4-FFF2-40B4-BE49-F238E27FC236}">
+                <a16:creationId xmlns:a16="http://schemas.microsoft.com/office/drawing/2014/main" id="{A9173CF8-79A3-1EC8-6A73-DA7F1E9E1158}"/>
+              </a:ext>
+            </a:extLst>
+          </p:cNvPr>
+          <p:cNvSpPr txBox="1"/>
+          <p:nvPr/>
+        </p:nvSpPr>
+        <p:spPr>
+          <a:xfrm>
+            <a:off x="7669138" y="8511939"/>
+            <a:ext cx="428322" cy="307777"/>
+          </a:xfrm>
+          <a:prstGeom prst="rect">
+            <a:avLst/>
+          </a:prstGeom>
+          <a:noFill/>
+        </p:spPr>
+        <p:txBody>
+          <a:bodyPr wrap="none" rtlCol="0">
+            <a:spAutoFit/>
+          </a:bodyPr>
+          <a:lstStyle/>
+          <a:p>
+            <a:r>
+              <a:rPr lang="de-DE" sz="1400" dirty="0">
+                <a:effectLst>
+                  <a:outerShdw blurRad="88900" dist="50800" dir="5400000" sx="106000" sy="106000" algn="ctr" rotWithShape="0">
+                    <a:schemeClr val="bg1"/>
+                  </a:outerShdw>
+                </a:effectLst>
+              </a:rPr>
+              <a:t>1.4</a:t>
+            </a:r>
+          </a:p>
+        </p:txBody>
+      </p:sp>
+      <p:sp>
+        <p:nvSpPr>
+          <p:cNvPr id="2" name="TextBox 1">
+            <a:extLst>
+              <a:ext uri="{FF2B5EF4-FFF2-40B4-BE49-F238E27FC236}">
+                <a16:creationId xmlns:a16="http://schemas.microsoft.com/office/drawing/2014/main" id="{E892A405-896C-3070-56E0-B471EB5EB8BE}"/>
+              </a:ext>
+            </a:extLst>
+          </p:cNvPr>
+          <p:cNvSpPr txBox="1"/>
+          <p:nvPr/>
+        </p:nvSpPr>
+        <p:spPr>
+          <a:xfrm>
+            <a:off x="3495397" y="4027637"/>
+            <a:ext cx="428322" cy="307777"/>
+          </a:xfrm>
+          <a:prstGeom prst="rect">
+            <a:avLst/>
+          </a:prstGeom>
+          <a:noFill/>
+        </p:spPr>
+        <p:txBody>
+          <a:bodyPr wrap="none" rtlCol="0">
+            <a:spAutoFit/>
+          </a:bodyPr>
+          <a:lstStyle/>
+          <a:p>
+            <a:r>
+              <a:rPr lang="de-DE" sz="1400" dirty="0">
+                <a:effectLst>
+                  <a:outerShdw blurRad="88900" dist="50800" dir="5400000" sx="106000" sy="106000" algn="ctr" rotWithShape="0">
+                    <a:schemeClr val="bg1"/>
+                  </a:outerShdw>
+                </a:effectLst>
+              </a:rPr>
+              <a:t>1.4</a:t>
+            </a:r>
+          </a:p>
+        </p:txBody>
+      </p:sp>
+      <p:sp>
+        <p:nvSpPr>
+          <p:cNvPr id="7" name="TextBox 6">
+            <a:extLst>
+              <a:ext uri="{FF2B5EF4-FFF2-40B4-BE49-F238E27FC236}">
+                <a16:creationId xmlns:a16="http://schemas.microsoft.com/office/drawing/2014/main" id="{069D31A2-64AC-4F04-157A-D22A01B3BAF8}"/>
+              </a:ext>
+            </a:extLst>
+          </p:cNvPr>
+          <p:cNvSpPr txBox="1"/>
+          <p:nvPr/>
+        </p:nvSpPr>
+        <p:spPr>
+          <a:xfrm>
+            <a:off x="3498571" y="4151683"/>
+            <a:ext cx="428322" cy="307777"/>
+          </a:xfrm>
+          <a:prstGeom prst="rect">
+            <a:avLst/>
+          </a:prstGeom>
+          <a:noFill/>
+        </p:spPr>
+        <p:txBody>
+          <a:bodyPr wrap="none" rtlCol="0">
+            <a:spAutoFit/>
+          </a:bodyPr>
+          <a:lstStyle/>
+          <a:p>
+            <a:r>
+              <a:rPr lang="de-DE" sz="1400" dirty="0">
+                <a:effectLst>
+                  <a:outerShdw blurRad="88900" dist="50800" dir="5400000" sx="106000" sy="106000" algn="ctr" rotWithShape="0">
+                    <a:schemeClr val="bg1"/>
+                  </a:outerShdw>
+                </a:effectLst>
+              </a:rPr>
+              <a:t>2.9</a:t>
+            </a:r>
+          </a:p>
+        </p:txBody>
+      </p:sp>
+      <p:sp>
+        <p:nvSpPr>
+          <p:cNvPr id="13" name="TextBox 12">
+            <a:extLst>
+              <a:ext uri="{FF2B5EF4-FFF2-40B4-BE49-F238E27FC236}">
+                <a16:creationId xmlns:a16="http://schemas.microsoft.com/office/drawing/2014/main" id="{7E985A4D-4C65-D934-C83F-8C448F20EABE}"/>
+              </a:ext>
+            </a:extLst>
+          </p:cNvPr>
+          <p:cNvSpPr txBox="1"/>
+          <p:nvPr/>
+        </p:nvSpPr>
+        <p:spPr>
+          <a:xfrm>
+            <a:off x="3517059" y="4894185"/>
+            <a:ext cx="428322" cy="307777"/>
+          </a:xfrm>
+          <a:prstGeom prst="rect">
+            <a:avLst/>
+          </a:prstGeom>
+          <a:noFill/>
+        </p:spPr>
+        <p:txBody>
+          <a:bodyPr wrap="none" rtlCol="0">
+            <a:spAutoFit/>
+          </a:bodyPr>
+          <a:lstStyle/>
+          <a:p>
+            <a:r>
+              <a:rPr lang="de-DE" sz="1400" dirty="0">
+                <a:effectLst>
+                  <a:outerShdw blurRad="88900" dist="50800" dir="5400000" sx="106000" sy="106000" algn="ctr" rotWithShape="0">
+                    <a:schemeClr val="bg1"/>
+                  </a:outerShdw>
+                </a:effectLst>
+              </a:rPr>
+              <a:t>1.4</a:t>
+            </a:r>
+          </a:p>
+        </p:txBody>
+      </p:sp>
+      <p:sp>
+        <p:nvSpPr>
+          <p:cNvPr id="15" name="TextBox 14">
+            <a:extLst>
+              <a:ext uri="{FF2B5EF4-FFF2-40B4-BE49-F238E27FC236}">
+                <a16:creationId xmlns:a16="http://schemas.microsoft.com/office/drawing/2014/main" id="{93CE584A-C060-04DC-8F7D-250D792F0AB5}"/>
+              </a:ext>
+            </a:extLst>
+          </p:cNvPr>
+          <p:cNvSpPr txBox="1"/>
+          <p:nvPr/>
+        </p:nvSpPr>
+        <p:spPr>
+          <a:xfrm>
+            <a:off x="3513150" y="4688592"/>
+            <a:ext cx="428322" cy="307777"/>
+          </a:xfrm>
+          <a:prstGeom prst="rect">
+            <a:avLst/>
+          </a:prstGeom>
+          <a:noFill/>
+        </p:spPr>
+        <p:txBody>
+          <a:bodyPr wrap="none" rtlCol="0">
+            <a:spAutoFit/>
+          </a:bodyPr>
+          <a:lstStyle/>
+          <a:p>
+            <a:r>
+              <a:rPr lang="de-DE" sz="1400" dirty="0">
+                <a:effectLst>
+                  <a:outerShdw blurRad="88900" dist="50800" dir="5400000" sx="106000" sy="106000" algn="ctr" rotWithShape="0">
+                    <a:schemeClr val="bg1"/>
+                  </a:outerShdw>
+                </a:effectLst>
+              </a:rPr>
+              <a:t>2.9</a:t>
+            </a:r>
+          </a:p>
+        </p:txBody>
+      </p:sp>
+      <p:sp>
+        <p:nvSpPr>
+          <p:cNvPr id="17" name="TextBox 16">
+            <a:extLst>
+              <a:ext uri="{FF2B5EF4-FFF2-40B4-BE49-F238E27FC236}">
+                <a16:creationId xmlns:a16="http://schemas.microsoft.com/office/drawing/2014/main" id="{C0AA0554-E14D-D4D5-1062-8CD45E8990AE}"/>
+              </a:ext>
+            </a:extLst>
+          </p:cNvPr>
+          <p:cNvSpPr txBox="1"/>
+          <p:nvPr/>
+        </p:nvSpPr>
+        <p:spPr>
+          <a:xfrm>
+            <a:off x="3493129" y="3865159"/>
+            <a:ext cx="428322" cy="307777"/>
+          </a:xfrm>
+          <a:prstGeom prst="rect">
+            <a:avLst/>
+          </a:prstGeom>
+          <a:noFill/>
+        </p:spPr>
+        <p:txBody>
+          <a:bodyPr wrap="none" rtlCol="0">
+            <a:spAutoFit/>
+          </a:bodyPr>
+          <a:lstStyle/>
+          <a:p>
+            <a:r>
+              <a:rPr lang="de-DE" sz="1400" dirty="0">
+                <a:effectLst>
+                  <a:outerShdw blurRad="88900" dist="50800" dir="5400000" sx="106000" sy="106000" algn="ctr" rotWithShape="0">
+                    <a:schemeClr val="bg1"/>
+                  </a:outerShdw>
+                </a:effectLst>
+              </a:rPr>
+              <a:t>2.9</a:t>
+            </a:r>
+          </a:p>
+        </p:txBody>
+      </p:sp>
+      <p:sp>
+        <p:nvSpPr>
+          <p:cNvPr id="20" name="TextBox 19">
+            <a:extLst>
+              <a:ext uri="{FF2B5EF4-FFF2-40B4-BE49-F238E27FC236}">
+                <a16:creationId xmlns:a16="http://schemas.microsoft.com/office/drawing/2014/main" id="{7D1AEB98-7BC8-1429-1D93-4FDD4AC95626}"/>
+              </a:ext>
+            </a:extLst>
+          </p:cNvPr>
+          <p:cNvSpPr txBox="1"/>
+          <p:nvPr/>
+        </p:nvSpPr>
+        <p:spPr>
+          <a:xfrm>
+            <a:off x="3505424" y="4395198"/>
+            <a:ext cx="428322" cy="307777"/>
+          </a:xfrm>
+          <a:prstGeom prst="rect">
+            <a:avLst/>
+          </a:prstGeom>
+          <a:noFill/>
+        </p:spPr>
+        <p:txBody>
+          <a:bodyPr wrap="none" rtlCol="0">
+            <a:spAutoFit/>
+          </a:bodyPr>
+          <a:lstStyle/>
+          <a:p>
+            <a:r>
+              <a:rPr lang="de-DE" sz="1400" dirty="0">
+                <a:effectLst>
+                  <a:outerShdw blurRad="88900" dist="50800" dir="5400000" sx="106000" sy="106000" algn="ctr" rotWithShape="0">
+                    <a:schemeClr val="bg1"/>
+                  </a:outerShdw>
+                </a:effectLst>
+              </a:rPr>
+              <a:t>4.3</a:t>
+            </a:r>
+          </a:p>
+        </p:txBody>
+      </p:sp>
     </p:spTree>
     <p:extLst>
       <p:ext uri="{BB962C8B-B14F-4D97-AF65-F5344CB8AC3E}">

--- a/alex/figs/_final/figs.pptx
+++ b/alex/figs/_final/figs.pptx
@@ -4,6 +4,9 @@
   <p:sldMasterIdLst>
     <p:sldMasterId id="2147483672" r:id="rId1"/>
   </p:sldMasterIdLst>
+  <p:notesMasterIdLst>
+    <p:notesMasterId r:id="rId5"/>
+  </p:notesMasterIdLst>
   <p:sldIdLst>
     <p:sldId id="256" r:id="rId2"/>
     <p:sldId id="257" r:id="rId3"/>
@@ -117,7 +120,7 @@
 <file path=ppt/revisionInfo.xml><?xml version="1.0" encoding="utf-8"?>
 <p1510:revInfo xmlns:a="http://schemas.openxmlformats.org/drawingml/2006/main" xmlns:r="http://schemas.openxmlformats.org/officeDocument/2006/relationships" xmlns:p1510="http://schemas.microsoft.com/office/powerpoint/2015/10/main">
   <p1510:revLst>
-    <p1510:client id="{7619ECA8-B982-4109-BE04-6E3A8004BC22}" v="363" dt="2024-01-19T16:11:34.246"/>
+    <p1510:client id="{53C28701-BEF2-4B44-9EBB-A7EB9BEAA1E2}" v="4" dt="2024-02-28T10:20:20.052"/>
   </p1510:revLst>
 </p1510:revInfo>
 </file>
@@ -4358,7 +4361,592 @@
       </pc:sldChg>
     </pc:docChg>
   </pc:docChgLst>
+  <pc:docChgLst>
+    <pc:chgData name="Alexander von Lühmann" userId="4ffc4e2d339b4992" providerId="LiveId" clId="{53C28701-BEF2-4B44-9EBB-A7EB9BEAA1E2}"/>
+    <pc:docChg chg="undo custSel addSld delSld modSld">
+      <pc:chgData name="Alexander von Lühmann" userId="4ffc4e2d339b4992" providerId="LiveId" clId="{53C28701-BEF2-4B44-9EBB-A7EB9BEAA1E2}" dt="2024-02-28T12:11:35.473" v="130" actId="47"/>
+      <pc:docMkLst>
+        <pc:docMk/>
+      </pc:docMkLst>
+      <pc:sldChg chg="addSp modSp new del mod">
+        <pc:chgData name="Alexander von Lühmann" userId="4ffc4e2d339b4992" providerId="LiveId" clId="{53C28701-BEF2-4B44-9EBB-A7EB9BEAA1E2}" dt="2024-02-28T12:11:34.847" v="129" actId="47"/>
+        <pc:sldMkLst>
+          <pc:docMk/>
+          <pc:sldMk cId="1968817132" sldId="259"/>
+        </pc:sldMkLst>
+        <pc:picChg chg="add mod">
+          <ac:chgData name="Alexander von Lühmann" userId="4ffc4e2d339b4992" providerId="LiveId" clId="{53C28701-BEF2-4B44-9EBB-A7EB9BEAA1E2}" dt="2024-02-28T09:50:11.136" v="9" actId="1076"/>
+          <ac:picMkLst>
+            <pc:docMk/>
+            <pc:sldMk cId="1968817132" sldId="259"/>
+            <ac:picMk id="5" creationId="{39172444-7BAD-F8E7-EBA9-D965E9F4425B}"/>
+          </ac:picMkLst>
+        </pc:picChg>
+        <pc:picChg chg="add mod">
+          <ac:chgData name="Alexander von Lühmann" userId="4ffc4e2d339b4992" providerId="LiveId" clId="{53C28701-BEF2-4B44-9EBB-A7EB9BEAA1E2}" dt="2024-02-28T09:50:12.554" v="10" actId="1076"/>
+          <ac:picMkLst>
+            <pc:docMk/>
+            <pc:sldMk cId="1968817132" sldId="259"/>
+            <ac:picMk id="7" creationId="{36E16635-E54F-9085-3A1D-1F04A7AF1B83}"/>
+          </ac:picMkLst>
+        </pc:picChg>
+      </pc:sldChg>
+      <pc:sldChg chg="addSp delSp modSp new del mod">
+        <pc:chgData name="Alexander von Lühmann" userId="4ffc4e2d339b4992" providerId="LiveId" clId="{53C28701-BEF2-4B44-9EBB-A7EB9BEAA1E2}" dt="2024-02-28T12:11:35.473" v="130" actId="47"/>
+        <pc:sldMkLst>
+          <pc:docMk/>
+          <pc:sldMk cId="483194743" sldId="260"/>
+        </pc:sldMkLst>
+        <pc:spChg chg="del">
+          <ac:chgData name="Alexander von Lühmann" userId="4ffc4e2d339b4992" providerId="LiveId" clId="{53C28701-BEF2-4B44-9EBB-A7EB9BEAA1E2}" dt="2024-02-28T10:20:57.527" v="128" actId="478"/>
+          <ac:spMkLst>
+            <pc:docMk/>
+            <pc:sldMk cId="483194743" sldId="260"/>
+            <ac:spMk id="3" creationId="{0D28D45F-AE71-97E5-0505-1879E8C3B83E}"/>
+          </ac:spMkLst>
+        </pc:spChg>
+        <pc:spChg chg="add mod">
+          <ac:chgData name="Alexander von Lühmann" userId="4ffc4e2d339b4992" providerId="LiveId" clId="{53C28701-BEF2-4B44-9EBB-A7EB9BEAA1E2}" dt="2024-02-28T10:17:29.595" v="81" actId="1076"/>
+          <ac:spMkLst>
+            <pc:docMk/>
+            <pc:sldMk cId="483194743" sldId="260"/>
+            <ac:spMk id="4" creationId="{01AA89E2-84B2-DCD6-B571-6ABEE23D3E14}"/>
+          </ac:spMkLst>
+        </pc:spChg>
+        <pc:spChg chg="add mod">
+          <ac:chgData name="Alexander von Lühmann" userId="4ffc4e2d339b4992" providerId="LiveId" clId="{53C28701-BEF2-4B44-9EBB-A7EB9BEAA1E2}" dt="2024-02-28T10:17:28.055" v="80" actId="1076"/>
+          <ac:spMkLst>
+            <pc:docMk/>
+            <pc:sldMk cId="483194743" sldId="260"/>
+            <ac:spMk id="5" creationId="{26130180-80B8-B7D3-8151-C46C493006E6}"/>
+          </ac:spMkLst>
+        </pc:spChg>
+        <pc:spChg chg="add del mod">
+          <ac:chgData name="Alexander von Lühmann" userId="4ffc4e2d339b4992" providerId="LiveId" clId="{53C28701-BEF2-4B44-9EBB-A7EB9BEAA1E2}" dt="2024-02-28T10:19:02.417" v="94" actId="478"/>
+          <ac:spMkLst>
+            <pc:docMk/>
+            <pc:sldMk cId="483194743" sldId="260"/>
+            <ac:spMk id="15" creationId="{4F318261-2F78-DC9C-5B76-23157D9809F7}"/>
+          </ac:spMkLst>
+        </pc:spChg>
+        <pc:spChg chg="add del mod">
+          <ac:chgData name="Alexander von Lühmann" userId="4ffc4e2d339b4992" providerId="LiveId" clId="{53C28701-BEF2-4B44-9EBB-A7EB9BEAA1E2}" dt="2024-02-28T10:19:01.762" v="93" actId="478"/>
+          <ac:spMkLst>
+            <pc:docMk/>
+            <pc:sldMk cId="483194743" sldId="260"/>
+            <ac:spMk id="16" creationId="{8F467477-48AC-4D5B-05DF-A3BE646424BC}"/>
+          </ac:spMkLst>
+        </pc:spChg>
+        <pc:spChg chg="add del">
+          <ac:chgData name="Alexander von Lühmann" userId="4ffc4e2d339b4992" providerId="LiveId" clId="{53C28701-BEF2-4B44-9EBB-A7EB9BEAA1E2}" dt="2024-02-28T10:18:14.518" v="88" actId="478"/>
+          <ac:spMkLst>
+            <pc:docMk/>
+            <pc:sldMk cId="483194743" sldId="260"/>
+            <ac:spMk id="20" creationId="{4C4E8E4D-A70A-A986-743F-6DE8F2B73301}"/>
+          </ac:spMkLst>
+        </pc:spChg>
+        <pc:spChg chg="add mod">
+          <ac:chgData name="Alexander von Lühmann" userId="4ffc4e2d339b4992" providerId="LiveId" clId="{53C28701-BEF2-4B44-9EBB-A7EB9BEAA1E2}" dt="2024-02-28T10:19:14.314" v="97" actId="14100"/>
+          <ac:spMkLst>
+            <pc:docMk/>
+            <pc:sldMk cId="483194743" sldId="260"/>
+            <ac:spMk id="24" creationId="{13FB1B14-F8AE-5318-7FBC-63DD92D62240}"/>
+          </ac:spMkLst>
+        </pc:spChg>
+        <pc:spChg chg="add mod">
+          <ac:chgData name="Alexander von Lühmann" userId="4ffc4e2d339b4992" providerId="LiveId" clId="{53C28701-BEF2-4B44-9EBB-A7EB9BEAA1E2}" dt="2024-02-28T10:20:39.144" v="126" actId="1076"/>
+          <ac:spMkLst>
+            <pc:docMk/>
+            <pc:sldMk cId="483194743" sldId="260"/>
+            <ac:spMk id="25" creationId="{4CC60DBB-84B4-4148-02AF-D5EB5CEA0D43}"/>
+          </ac:spMkLst>
+        </pc:spChg>
+        <pc:cxnChg chg="add del mod">
+          <ac:chgData name="Alexander von Lühmann" userId="4ffc4e2d339b4992" providerId="LiveId" clId="{53C28701-BEF2-4B44-9EBB-A7EB9BEAA1E2}" dt="2024-02-28T10:20:01.225" v="112" actId="478"/>
+          <ac:cxnSpMkLst>
+            <pc:docMk/>
+            <pc:sldMk cId="483194743" sldId="260"/>
+            <ac:cxnSpMk id="7" creationId="{18C64415-3D74-8B80-BFB8-44B768627563}"/>
+          </ac:cxnSpMkLst>
+        </pc:cxnChg>
+        <pc:cxnChg chg="add del mod">
+          <ac:chgData name="Alexander von Lühmann" userId="4ffc4e2d339b4992" providerId="LiveId" clId="{53C28701-BEF2-4B44-9EBB-A7EB9BEAA1E2}" dt="2024-02-28T10:18:15.416" v="89" actId="478"/>
+          <ac:cxnSpMkLst>
+            <pc:docMk/>
+            <pc:sldMk cId="483194743" sldId="260"/>
+            <ac:cxnSpMk id="17" creationId="{DCE37B2D-93F1-C17B-56CB-055A014434F4}"/>
+          </ac:cxnSpMkLst>
+        </pc:cxnChg>
+        <pc:cxnChg chg="add del">
+          <ac:chgData name="Alexander von Lühmann" userId="4ffc4e2d339b4992" providerId="LiveId" clId="{53C28701-BEF2-4B44-9EBB-A7EB9BEAA1E2}" dt="2024-02-28T10:18:23.803" v="91" actId="478"/>
+          <ac:cxnSpMkLst>
+            <pc:docMk/>
+            <pc:sldMk cId="483194743" sldId="260"/>
+            <ac:cxnSpMk id="22" creationId="{9101FE8B-ECAB-BF68-05C8-63C5BC18651B}"/>
+          </ac:cxnSpMkLst>
+        </pc:cxnChg>
+        <pc:cxnChg chg="add del mod">
+          <ac:chgData name="Alexander von Lühmann" userId="4ffc4e2d339b4992" providerId="LiveId" clId="{53C28701-BEF2-4B44-9EBB-A7EB9BEAA1E2}" dt="2024-02-28T10:20:02.081" v="113" actId="478"/>
+          <ac:cxnSpMkLst>
+            <pc:docMk/>
+            <pc:sldMk cId="483194743" sldId="260"/>
+            <ac:cxnSpMk id="26" creationId="{30C14316-7E1D-E4B3-70E3-12C9A3D1B5E8}"/>
+          </ac:cxnSpMkLst>
+        </pc:cxnChg>
+        <pc:cxnChg chg="add mod">
+          <ac:chgData name="Alexander von Lühmann" userId="4ffc4e2d339b4992" providerId="LiveId" clId="{53C28701-BEF2-4B44-9EBB-A7EB9BEAA1E2}" dt="2024-02-28T10:20:43.499" v="127" actId="14100"/>
+          <ac:cxnSpMkLst>
+            <pc:docMk/>
+            <pc:sldMk cId="483194743" sldId="260"/>
+            <ac:cxnSpMk id="31" creationId="{2DD707F9-4623-8B72-A367-22622CFB4BEB}"/>
+          </ac:cxnSpMkLst>
+        </pc:cxnChg>
+        <pc:cxnChg chg="add mod">
+          <ac:chgData name="Alexander von Lühmann" userId="4ffc4e2d339b4992" providerId="LiveId" clId="{53C28701-BEF2-4B44-9EBB-A7EB9BEAA1E2}" dt="2024-02-28T10:20:39.144" v="126" actId="1076"/>
+          <ac:cxnSpMkLst>
+            <pc:docMk/>
+            <pc:sldMk cId="483194743" sldId="260"/>
+            <ac:cxnSpMk id="32" creationId="{574B7DFF-4479-4780-7D59-DC6507D363A8}"/>
+          </ac:cxnSpMkLst>
+        </pc:cxnChg>
+      </pc:sldChg>
+    </pc:docChg>
+  </pc:docChgLst>
 </pc:chgInfo>
+</file>
+
+<file path=ppt/notesMasters/notesMaster1.xml><?xml version="1.0" encoding="utf-8"?>
+<p:notesMaster xmlns:a="http://schemas.openxmlformats.org/drawingml/2006/main" xmlns:r="http://schemas.openxmlformats.org/officeDocument/2006/relationships" xmlns:p="http://schemas.openxmlformats.org/presentationml/2006/main">
+  <p:cSld>
+    <p:bg>
+      <p:bgRef idx="1001">
+        <a:schemeClr val="bg1"/>
+      </p:bgRef>
+    </p:bg>
+    <p:spTree>
+      <p:nvGrpSpPr>
+        <p:cNvPr id="1" name=""/>
+        <p:cNvGrpSpPr/>
+        <p:nvPr/>
+      </p:nvGrpSpPr>
+      <p:grpSpPr>
+        <a:xfrm>
+          <a:off x="0" y="0"/>
+          <a:ext cx="0" cy="0"/>
+          <a:chOff x="0" y="0"/>
+          <a:chExt cx="0" cy="0"/>
+        </a:xfrm>
+      </p:grpSpPr>
+      <p:sp>
+        <p:nvSpPr>
+          <p:cNvPr id="2" name="Header Placeholder 1"/>
+          <p:cNvSpPr>
+            <a:spLocks noGrp="1"/>
+          </p:cNvSpPr>
+          <p:nvPr>
+            <p:ph type="hdr" sz="quarter"/>
+          </p:nvPr>
+        </p:nvSpPr>
+        <p:spPr>
+          <a:xfrm>
+            <a:off x="0" y="0"/>
+            <a:ext cx="2971800" cy="458788"/>
+          </a:xfrm>
+          <a:prstGeom prst="rect">
+            <a:avLst/>
+          </a:prstGeom>
+        </p:spPr>
+        <p:txBody>
+          <a:bodyPr vert="horz" lIns="91440" tIns="45720" rIns="91440" bIns="45720" rtlCol="0"/>
+          <a:lstStyle>
+            <a:lvl1pPr algn="l">
+              <a:defRPr sz="1200"/>
+            </a:lvl1pPr>
+          </a:lstStyle>
+          <a:p>
+            <a:endParaRPr lang="de-DE"/>
+          </a:p>
+        </p:txBody>
+      </p:sp>
+      <p:sp>
+        <p:nvSpPr>
+          <p:cNvPr id="3" name="Date Placeholder 2"/>
+          <p:cNvSpPr>
+            <a:spLocks noGrp="1"/>
+          </p:cNvSpPr>
+          <p:nvPr>
+            <p:ph type="dt" idx="1"/>
+          </p:nvPr>
+        </p:nvSpPr>
+        <p:spPr>
+          <a:xfrm>
+            <a:off x="3884613" y="0"/>
+            <a:ext cx="2971800" cy="458788"/>
+          </a:xfrm>
+          <a:prstGeom prst="rect">
+            <a:avLst/>
+          </a:prstGeom>
+        </p:spPr>
+        <p:txBody>
+          <a:bodyPr vert="horz" lIns="91440" tIns="45720" rIns="91440" bIns="45720" rtlCol="0"/>
+          <a:lstStyle>
+            <a:lvl1pPr algn="r">
+              <a:defRPr sz="1200"/>
+            </a:lvl1pPr>
+          </a:lstStyle>
+          <a:p>
+            <a:fld id="{DF0C278D-5913-4C77-BD7B-900D67D0FD7D}" type="datetimeFigureOut">
+              <a:rPr lang="de-DE" smtClean="0"/>
+              <a:t>28.02.2024</a:t>
+            </a:fld>
+            <a:endParaRPr lang="de-DE"/>
+          </a:p>
+        </p:txBody>
+      </p:sp>
+      <p:sp>
+        <p:nvSpPr>
+          <p:cNvPr id="4" name="Slide Image Placeholder 3"/>
+          <p:cNvSpPr>
+            <a:spLocks noGrp="1" noRot="1" noChangeAspect="1"/>
+          </p:cNvSpPr>
+          <p:nvPr>
+            <p:ph type="sldImg" idx="2"/>
+          </p:nvPr>
+        </p:nvSpPr>
+        <p:spPr>
+          <a:xfrm>
+            <a:off x="1371600" y="1143000"/>
+            <a:ext cx="4114800" cy="3086100"/>
+          </a:xfrm>
+          <a:prstGeom prst="rect">
+            <a:avLst/>
+          </a:prstGeom>
+          <a:noFill/>
+          <a:ln w="12700">
+            <a:solidFill>
+              <a:prstClr val="black"/>
+            </a:solidFill>
+          </a:ln>
+        </p:spPr>
+        <p:txBody>
+          <a:bodyPr vert="horz" lIns="91440" tIns="45720" rIns="91440" bIns="45720" rtlCol="0" anchor="ctr"/>
+          <a:lstStyle/>
+          <a:p>
+            <a:endParaRPr lang="de-DE"/>
+          </a:p>
+        </p:txBody>
+      </p:sp>
+      <p:sp>
+        <p:nvSpPr>
+          <p:cNvPr id="5" name="Notes Placeholder 4"/>
+          <p:cNvSpPr>
+            <a:spLocks noGrp="1"/>
+          </p:cNvSpPr>
+          <p:nvPr>
+            <p:ph type="body" sz="quarter" idx="3"/>
+          </p:nvPr>
+        </p:nvSpPr>
+        <p:spPr>
+          <a:xfrm>
+            <a:off x="685800" y="4400550"/>
+            <a:ext cx="5486400" cy="3600450"/>
+          </a:xfrm>
+          <a:prstGeom prst="rect">
+            <a:avLst/>
+          </a:prstGeom>
+        </p:spPr>
+        <p:txBody>
+          <a:bodyPr vert="horz" lIns="91440" tIns="45720" rIns="91440" bIns="45720" rtlCol="0"/>
+          <a:lstStyle/>
+          <a:p>
+            <a:pPr lvl="0"/>
+            <a:r>
+              <a:rPr lang="en-US"/>
+              <a:t>Click to edit Master text styles</a:t>
+            </a:r>
+          </a:p>
+          <a:p>
+            <a:pPr lvl="1"/>
+            <a:r>
+              <a:rPr lang="en-US"/>
+              <a:t>Second level</a:t>
+            </a:r>
+          </a:p>
+          <a:p>
+            <a:pPr lvl="2"/>
+            <a:r>
+              <a:rPr lang="en-US"/>
+              <a:t>Third level</a:t>
+            </a:r>
+          </a:p>
+          <a:p>
+            <a:pPr lvl="3"/>
+            <a:r>
+              <a:rPr lang="en-US"/>
+              <a:t>Fourth level</a:t>
+            </a:r>
+          </a:p>
+          <a:p>
+            <a:pPr lvl="4"/>
+            <a:r>
+              <a:rPr lang="en-US"/>
+              <a:t>Fifth level</a:t>
+            </a:r>
+            <a:endParaRPr lang="de-DE"/>
+          </a:p>
+        </p:txBody>
+      </p:sp>
+      <p:sp>
+        <p:nvSpPr>
+          <p:cNvPr id="6" name="Footer Placeholder 5"/>
+          <p:cNvSpPr>
+            <a:spLocks noGrp="1"/>
+          </p:cNvSpPr>
+          <p:nvPr>
+            <p:ph type="ftr" sz="quarter" idx="4"/>
+          </p:nvPr>
+        </p:nvSpPr>
+        <p:spPr>
+          <a:xfrm>
+            <a:off x="0" y="8685213"/>
+            <a:ext cx="2971800" cy="458787"/>
+          </a:xfrm>
+          <a:prstGeom prst="rect">
+            <a:avLst/>
+          </a:prstGeom>
+        </p:spPr>
+        <p:txBody>
+          <a:bodyPr vert="horz" lIns="91440" tIns="45720" rIns="91440" bIns="45720" rtlCol="0" anchor="b"/>
+          <a:lstStyle>
+            <a:lvl1pPr algn="l">
+              <a:defRPr sz="1200"/>
+            </a:lvl1pPr>
+          </a:lstStyle>
+          <a:p>
+            <a:endParaRPr lang="de-DE"/>
+          </a:p>
+        </p:txBody>
+      </p:sp>
+      <p:sp>
+        <p:nvSpPr>
+          <p:cNvPr id="7" name="Slide Number Placeholder 6"/>
+          <p:cNvSpPr>
+            <a:spLocks noGrp="1"/>
+          </p:cNvSpPr>
+          <p:nvPr>
+            <p:ph type="sldNum" sz="quarter" idx="5"/>
+          </p:nvPr>
+        </p:nvSpPr>
+        <p:spPr>
+          <a:xfrm>
+            <a:off x="3884613" y="8685213"/>
+            <a:ext cx="2971800" cy="458787"/>
+          </a:xfrm>
+          <a:prstGeom prst="rect">
+            <a:avLst/>
+          </a:prstGeom>
+        </p:spPr>
+        <p:txBody>
+          <a:bodyPr vert="horz" lIns="91440" tIns="45720" rIns="91440" bIns="45720" rtlCol="0" anchor="b"/>
+          <a:lstStyle>
+            <a:lvl1pPr algn="r">
+              <a:defRPr sz="1200"/>
+            </a:lvl1pPr>
+          </a:lstStyle>
+          <a:p>
+            <a:fld id="{A584604F-76E1-44C5-917C-2200632BEBB0}" type="slidenum">
+              <a:rPr lang="de-DE" smtClean="0"/>
+              <a:t>‹#›</a:t>
+            </a:fld>
+            <a:endParaRPr lang="de-DE"/>
+          </a:p>
+        </p:txBody>
+      </p:sp>
+    </p:spTree>
+    <p:extLst>
+      <p:ext uri="{BB962C8B-B14F-4D97-AF65-F5344CB8AC3E}">
+        <p14:creationId xmlns:p14="http://schemas.microsoft.com/office/powerpoint/2010/main" val="581204743"/>
+      </p:ext>
+    </p:extLst>
+  </p:cSld>
+  <p:clrMap bg1="lt1" tx1="dk1" bg2="lt2" tx2="dk2" accent1="accent1" accent2="accent2" accent3="accent3" accent4="accent4" accent5="accent5" accent6="accent6" hlink="hlink" folHlink="folHlink"/>
+  <p:notesStyle>
+    <a:lvl1pPr marL="0" algn="l" defTabSz="914400" rtl="0" eaLnBrk="1" latinLnBrk="0" hangingPunct="1">
+      <a:defRPr sz="1200" kern="1200">
+        <a:solidFill>
+          <a:schemeClr val="tx1"/>
+        </a:solidFill>
+        <a:latin typeface="+mn-lt"/>
+        <a:ea typeface="+mn-ea"/>
+        <a:cs typeface="+mn-cs"/>
+      </a:defRPr>
+    </a:lvl1pPr>
+    <a:lvl2pPr marL="457200" algn="l" defTabSz="914400" rtl="0" eaLnBrk="1" latinLnBrk="0" hangingPunct="1">
+      <a:defRPr sz="1200" kern="1200">
+        <a:solidFill>
+          <a:schemeClr val="tx1"/>
+        </a:solidFill>
+        <a:latin typeface="+mn-lt"/>
+        <a:ea typeface="+mn-ea"/>
+        <a:cs typeface="+mn-cs"/>
+      </a:defRPr>
+    </a:lvl2pPr>
+    <a:lvl3pPr marL="914400" algn="l" defTabSz="914400" rtl="0" eaLnBrk="1" latinLnBrk="0" hangingPunct="1">
+      <a:defRPr sz="1200" kern="1200">
+        <a:solidFill>
+          <a:schemeClr val="tx1"/>
+        </a:solidFill>
+        <a:latin typeface="+mn-lt"/>
+        <a:ea typeface="+mn-ea"/>
+        <a:cs typeface="+mn-cs"/>
+      </a:defRPr>
+    </a:lvl3pPr>
+    <a:lvl4pPr marL="1371600" algn="l" defTabSz="914400" rtl="0" eaLnBrk="1" latinLnBrk="0" hangingPunct="1">
+      <a:defRPr sz="1200" kern="1200">
+        <a:solidFill>
+          <a:schemeClr val="tx1"/>
+        </a:solidFill>
+        <a:latin typeface="+mn-lt"/>
+        <a:ea typeface="+mn-ea"/>
+        <a:cs typeface="+mn-cs"/>
+      </a:defRPr>
+    </a:lvl4pPr>
+    <a:lvl5pPr marL="1828800" algn="l" defTabSz="914400" rtl="0" eaLnBrk="1" latinLnBrk="0" hangingPunct="1">
+      <a:defRPr sz="1200" kern="1200">
+        <a:solidFill>
+          <a:schemeClr val="tx1"/>
+        </a:solidFill>
+        <a:latin typeface="+mn-lt"/>
+        <a:ea typeface="+mn-ea"/>
+        <a:cs typeface="+mn-cs"/>
+      </a:defRPr>
+    </a:lvl5pPr>
+    <a:lvl6pPr marL="2286000" algn="l" defTabSz="914400" rtl="0" eaLnBrk="1" latinLnBrk="0" hangingPunct="1">
+      <a:defRPr sz="1200" kern="1200">
+        <a:solidFill>
+          <a:schemeClr val="tx1"/>
+        </a:solidFill>
+        <a:latin typeface="+mn-lt"/>
+        <a:ea typeface="+mn-ea"/>
+        <a:cs typeface="+mn-cs"/>
+      </a:defRPr>
+    </a:lvl6pPr>
+    <a:lvl7pPr marL="2743200" algn="l" defTabSz="914400" rtl="0" eaLnBrk="1" latinLnBrk="0" hangingPunct="1">
+      <a:defRPr sz="1200" kern="1200">
+        <a:solidFill>
+          <a:schemeClr val="tx1"/>
+        </a:solidFill>
+        <a:latin typeface="+mn-lt"/>
+        <a:ea typeface="+mn-ea"/>
+        <a:cs typeface="+mn-cs"/>
+      </a:defRPr>
+    </a:lvl7pPr>
+    <a:lvl8pPr marL="3200400" algn="l" defTabSz="914400" rtl="0" eaLnBrk="1" latinLnBrk="0" hangingPunct="1">
+      <a:defRPr sz="1200" kern="1200">
+        <a:solidFill>
+          <a:schemeClr val="tx1"/>
+        </a:solidFill>
+        <a:latin typeface="+mn-lt"/>
+        <a:ea typeface="+mn-ea"/>
+        <a:cs typeface="+mn-cs"/>
+      </a:defRPr>
+    </a:lvl8pPr>
+    <a:lvl9pPr marL="3657600" algn="l" defTabSz="914400" rtl="0" eaLnBrk="1" latinLnBrk="0" hangingPunct="1">
+      <a:defRPr sz="1200" kern="1200">
+        <a:solidFill>
+          <a:schemeClr val="tx1"/>
+        </a:solidFill>
+        <a:latin typeface="+mn-lt"/>
+        <a:ea typeface="+mn-ea"/>
+        <a:cs typeface="+mn-cs"/>
+      </a:defRPr>
+    </a:lvl9pPr>
+  </p:notesStyle>
+</p:notesMaster>
+</file>
+
+<file path=ppt/notesSlides/notesSlide1.xml><?xml version="1.0" encoding="utf-8"?>
+<p:notes xmlns:a="http://schemas.openxmlformats.org/drawingml/2006/main" xmlns:r="http://schemas.openxmlformats.org/officeDocument/2006/relationships" xmlns:p="http://schemas.openxmlformats.org/presentationml/2006/main">
+  <p:cSld>
+    <p:spTree>
+      <p:nvGrpSpPr>
+        <p:cNvPr id="1" name=""/>
+        <p:cNvGrpSpPr/>
+        <p:nvPr/>
+      </p:nvGrpSpPr>
+      <p:grpSpPr>
+        <a:xfrm>
+          <a:off x="0" y="0"/>
+          <a:ext cx="0" cy="0"/>
+          <a:chOff x="0" y="0"/>
+          <a:chExt cx="0" cy="0"/>
+        </a:xfrm>
+      </p:grpSpPr>
+      <p:sp>
+        <p:nvSpPr>
+          <p:cNvPr id="2" name="Slide Image Placeholder 1"/>
+          <p:cNvSpPr>
+            <a:spLocks noGrp="1" noRot="1" noChangeAspect="1"/>
+          </p:cNvSpPr>
+          <p:nvPr>
+            <p:ph type="sldImg"/>
+          </p:nvPr>
+        </p:nvSpPr>
+        <p:spPr/>
+      </p:sp>
+      <p:sp>
+        <p:nvSpPr>
+          <p:cNvPr id="3" name="Notes Placeholder 2"/>
+          <p:cNvSpPr>
+            <a:spLocks noGrp="1"/>
+          </p:cNvSpPr>
+          <p:nvPr>
+            <p:ph type="body" idx="1"/>
+          </p:nvPr>
+        </p:nvSpPr>
+        <p:spPr/>
+        <p:txBody>
+          <a:bodyPr/>
+          <a:lstStyle/>
+          <a:p>
+            <a:endParaRPr lang="de-DE" dirty="0"/>
+          </a:p>
+        </p:txBody>
+      </p:sp>
+      <p:sp>
+        <p:nvSpPr>
+          <p:cNvPr id="4" name="Slide Number Placeholder 3"/>
+          <p:cNvSpPr>
+            <a:spLocks noGrp="1"/>
+          </p:cNvSpPr>
+          <p:nvPr>
+            <p:ph type="sldNum" sz="quarter" idx="5"/>
+          </p:nvPr>
+        </p:nvSpPr>
+        <p:spPr/>
+        <p:txBody>
+          <a:bodyPr/>
+          <a:lstStyle/>
+          <a:p>
+            <a:fld id="{A584604F-76E1-44C5-917C-2200632BEBB0}" type="slidenum">
+              <a:rPr lang="de-DE" smtClean="0"/>
+              <a:t>1</a:t>
+            </a:fld>
+            <a:endParaRPr lang="de-DE"/>
+          </a:p>
+        </p:txBody>
+      </p:sp>
+    </p:spTree>
+    <p:extLst>
+      <p:ext uri="{BB962C8B-B14F-4D97-AF65-F5344CB8AC3E}">
+        <p14:creationId xmlns:p14="http://schemas.microsoft.com/office/powerpoint/2010/main" val="746549097"/>
+      </p:ext>
+    </p:extLst>
+  </p:cSld>
+  <p:clrMapOvr>
+    <a:masterClrMapping/>
+  </p:clrMapOvr>
+</p:notes>
 </file>
 
 <file path=ppt/slideLayouts/slideLayout1.xml><?xml version="1.0" encoding="utf-8"?>
@@ -4492,7 +5080,7 @@
           <a:p>
             <a:fld id="{9DD75875-2B1D-47EB-BBAD-BDAD7646A0A4}" type="datetimeFigureOut">
               <a:rPr lang="de-DE" smtClean="0"/>
-              <a:t>19.01.2024</a:t>
+              <a:t>28.02.2024</a:t>
             </a:fld>
             <a:endParaRPr lang="de-DE"/>
           </a:p>
@@ -4662,7 +5250,7 @@
           <a:p>
             <a:fld id="{9DD75875-2B1D-47EB-BBAD-BDAD7646A0A4}" type="datetimeFigureOut">
               <a:rPr lang="de-DE" smtClean="0"/>
-              <a:t>19.01.2024</a:t>
+              <a:t>28.02.2024</a:t>
             </a:fld>
             <a:endParaRPr lang="de-DE"/>
           </a:p>
@@ -4842,7 +5430,7 @@
           <a:p>
             <a:fld id="{9DD75875-2B1D-47EB-BBAD-BDAD7646A0A4}" type="datetimeFigureOut">
               <a:rPr lang="de-DE" smtClean="0"/>
-              <a:t>19.01.2024</a:t>
+              <a:t>28.02.2024</a:t>
             </a:fld>
             <a:endParaRPr lang="de-DE"/>
           </a:p>
@@ -5012,7 +5600,7 @@
           <a:p>
             <a:fld id="{9DD75875-2B1D-47EB-BBAD-BDAD7646A0A4}" type="datetimeFigureOut">
               <a:rPr lang="de-DE" smtClean="0"/>
-              <a:t>19.01.2024</a:t>
+              <a:t>28.02.2024</a:t>
             </a:fld>
             <a:endParaRPr lang="de-DE"/>
           </a:p>
@@ -5258,7 +5846,7 @@
           <a:p>
             <a:fld id="{9DD75875-2B1D-47EB-BBAD-BDAD7646A0A4}" type="datetimeFigureOut">
               <a:rPr lang="de-DE" smtClean="0"/>
-              <a:t>19.01.2024</a:t>
+              <a:t>28.02.2024</a:t>
             </a:fld>
             <a:endParaRPr lang="de-DE"/>
           </a:p>
@@ -5490,7 +6078,7 @@
           <a:p>
             <a:fld id="{9DD75875-2B1D-47EB-BBAD-BDAD7646A0A4}" type="datetimeFigureOut">
               <a:rPr lang="de-DE" smtClean="0"/>
-              <a:t>19.01.2024</a:t>
+              <a:t>28.02.2024</a:t>
             </a:fld>
             <a:endParaRPr lang="de-DE"/>
           </a:p>
@@ -5857,7 +6445,7 @@
           <a:p>
             <a:fld id="{9DD75875-2B1D-47EB-BBAD-BDAD7646A0A4}" type="datetimeFigureOut">
               <a:rPr lang="de-DE" smtClean="0"/>
-              <a:t>19.01.2024</a:t>
+              <a:t>28.02.2024</a:t>
             </a:fld>
             <a:endParaRPr lang="de-DE"/>
           </a:p>
@@ -5975,7 +6563,7 @@
           <a:p>
             <a:fld id="{9DD75875-2B1D-47EB-BBAD-BDAD7646A0A4}" type="datetimeFigureOut">
               <a:rPr lang="de-DE" smtClean="0"/>
-              <a:t>19.01.2024</a:t>
+              <a:t>28.02.2024</a:t>
             </a:fld>
             <a:endParaRPr lang="de-DE"/>
           </a:p>
@@ -6070,7 +6658,7 @@
           <a:p>
             <a:fld id="{9DD75875-2B1D-47EB-BBAD-BDAD7646A0A4}" type="datetimeFigureOut">
               <a:rPr lang="de-DE" smtClean="0"/>
-              <a:t>19.01.2024</a:t>
+              <a:t>28.02.2024</a:t>
             </a:fld>
             <a:endParaRPr lang="de-DE"/>
           </a:p>
@@ -6347,7 +6935,7 @@
           <a:p>
             <a:fld id="{9DD75875-2B1D-47EB-BBAD-BDAD7646A0A4}" type="datetimeFigureOut">
               <a:rPr lang="de-DE" smtClean="0"/>
-              <a:t>19.01.2024</a:t>
+              <a:t>28.02.2024</a:t>
             </a:fld>
             <a:endParaRPr lang="de-DE"/>
           </a:p>
@@ -6604,7 +7192,7 @@
           <a:p>
             <a:fld id="{9DD75875-2B1D-47EB-BBAD-BDAD7646A0A4}" type="datetimeFigureOut">
               <a:rPr lang="de-DE" smtClean="0"/>
-              <a:t>19.01.2024</a:t>
+              <a:t>28.02.2024</a:t>
             </a:fld>
             <a:endParaRPr lang="de-DE"/>
           </a:p>
@@ -6817,7 +7405,7 @@
           <a:p>
             <a:fld id="{9DD75875-2B1D-47EB-BBAD-BDAD7646A0A4}" type="datetimeFigureOut">
               <a:rPr lang="de-DE" smtClean="0"/>
-              <a:t>19.01.2024</a:t>
+              <a:t>28.02.2024</a:t>
             </a:fld>
             <a:endParaRPr lang="de-DE"/>
           </a:p>
@@ -7237,7 +7825,7 @@
           <p:nvPr/>
         </p:nvPicPr>
         <p:blipFill>
-          <a:blip r:embed="rId2"/>
+          <a:blip r:embed="rId3"/>
           <a:stretch>
             <a:fillRect/>
           </a:stretch>
@@ -12525,7 +13113,7 @@
           <p:nvPr/>
         </p:nvPicPr>
         <p:blipFill>
-          <a:blip r:embed="rId3"/>
+          <a:blip r:embed="rId4"/>
           <a:stretch>
             <a:fillRect/>
           </a:stretch>
@@ -23162,4 +23750,319 @@
     </a:ext>
   </a:extLst>
 </a:theme>
+</file>
+
+<file path=ppt/theme/theme2.xml><?xml version="1.0" encoding="utf-8"?>
+<a:theme xmlns:a="http://schemas.openxmlformats.org/drawingml/2006/main" name="Office Theme">
+  <a:themeElements>
+    <a:clrScheme name="Office">
+      <a:dk1>
+        <a:sysClr val="windowText" lastClr="000000"/>
+      </a:dk1>
+      <a:lt1>
+        <a:sysClr val="window" lastClr="FFFFFF"/>
+      </a:lt1>
+      <a:dk2>
+        <a:srgbClr val="0E2841"/>
+      </a:dk2>
+      <a:lt2>
+        <a:srgbClr val="E8E8E8"/>
+      </a:lt2>
+      <a:accent1>
+        <a:srgbClr val="156082"/>
+      </a:accent1>
+      <a:accent2>
+        <a:srgbClr val="E97132"/>
+      </a:accent2>
+      <a:accent3>
+        <a:srgbClr val="196B24"/>
+      </a:accent3>
+      <a:accent4>
+        <a:srgbClr val="0F9ED5"/>
+      </a:accent4>
+      <a:accent5>
+        <a:srgbClr val="A02B93"/>
+      </a:accent5>
+      <a:accent6>
+        <a:srgbClr val="4EA72E"/>
+      </a:accent6>
+      <a:hlink>
+        <a:srgbClr val="467886"/>
+      </a:hlink>
+      <a:folHlink>
+        <a:srgbClr val="96607D"/>
+      </a:folHlink>
+    </a:clrScheme>
+    <a:fontScheme name="Office">
+      <a:majorFont>
+        <a:latin typeface="Aptos Display" panose="02110004020202020204"/>
+        <a:ea typeface=""/>
+        <a:cs typeface=""/>
+        <a:font script="Jpan" typeface="游ゴシック Light"/>
+        <a:font script="Hang" typeface="맑은 고딕"/>
+        <a:font script="Hans" typeface="等线 Light"/>
+        <a:font script="Hant" typeface="新細明體"/>
+        <a:font script="Arab" typeface="Times New Roman"/>
+        <a:font script="Hebr" typeface="Times New Roman"/>
+        <a:font script="Thai" typeface="Angsana New"/>
+        <a:font script="Ethi" typeface="Nyala"/>
+        <a:font script="Beng" typeface="Vrinda"/>
+        <a:font script="Gujr" typeface="Shruti"/>
+        <a:font script="Khmr" typeface="MoolBoran"/>
+        <a:font script="Knda" typeface="Tunga"/>
+        <a:font script="Guru" typeface="Raavi"/>
+        <a:font script="Cans" typeface="Euphemia"/>
+        <a:font script="Cher" typeface="Plantagenet Cherokee"/>
+        <a:font script="Yiii" typeface="Microsoft Yi Baiti"/>
+        <a:font script="Tibt" typeface="Microsoft Himalaya"/>
+        <a:font script="Thaa" typeface="MV Boli"/>
+        <a:font script="Deva" typeface="Mangal"/>
+        <a:font script="Telu" typeface="Gautami"/>
+        <a:font script="Taml" typeface="Latha"/>
+        <a:font script="Syrc" typeface="Estrangelo Edessa"/>
+        <a:font script="Orya" typeface="Kalinga"/>
+        <a:font script="Mlym" typeface="Kartika"/>
+        <a:font script="Laoo" typeface="DokChampa"/>
+        <a:font script="Sinh" typeface="Iskoola Pota"/>
+        <a:font script="Mong" typeface="Mongolian Baiti"/>
+        <a:font script="Viet" typeface="Times New Roman"/>
+        <a:font script="Uigh" typeface="Microsoft Uighur"/>
+        <a:font script="Geor" typeface="Sylfaen"/>
+        <a:font script="Armn" typeface="Arial"/>
+        <a:font script="Bugi" typeface="Leelawadee UI"/>
+        <a:font script="Bopo" typeface="Microsoft JhengHei"/>
+        <a:font script="Java" typeface="Javanese Text"/>
+        <a:font script="Lisu" typeface="Segoe UI"/>
+        <a:font script="Mymr" typeface="Myanmar Text"/>
+        <a:font script="Nkoo" typeface="Ebrima"/>
+        <a:font script="Olck" typeface="Nirmala UI"/>
+        <a:font script="Osma" typeface="Ebrima"/>
+        <a:font script="Phag" typeface="Phagspa"/>
+        <a:font script="Syrn" typeface="Estrangelo Edessa"/>
+        <a:font script="Syrj" typeface="Estrangelo Edessa"/>
+        <a:font script="Syre" typeface="Estrangelo Edessa"/>
+        <a:font script="Sora" typeface="Nirmala UI"/>
+        <a:font script="Tale" typeface="Microsoft Tai Le"/>
+        <a:font script="Talu" typeface="Microsoft New Tai Lue"/>
+        <a:font script="Tfng" typeface="Ebrima"/>
+      </a:majorFont>
+      <a:minorFont>
+        <a:latin typeface="Aptos" panose="02110004020202020204"/>
+        <a:ea typeface=""/>
+        <a:cs typeface=""/>
+        <a:font script="Jpan" typeface="游ゴシック"/>
+        <a:font script="Hang" typeface="맑은 고딕"/>
+        <a:font script="Hans" typeface="等线"/>
+        <a:font script="Hant" typeface="新細明體"/>
+        <a:font script="Arab" typeface="Arial"/>
+        <a:font script="Hebr" typeface="Arial"/>
+        <a:font script="Thai" typeface="Cordia New"/>
+        <a:font script="Ethi" typeface="Nyala"/>
+        <a:font script="Beng" typeface="Vrinda"/>
+        <a:font script="Gujr" typeface="Shruti"/>
+        <a:font script="Khmr" typeface="DaunPenh"/>
+        <a:font script="Knda" typeface="Tunga"/>
+        <a:font script="Guru" typeface="Raavi"/>
+        <a:font script="Cans" typeface="Euphemia"/>
+        <a:font script="Cher" typeface="Plantagenet Cherokee"/>
+        <a:font script="Yiii" typeface="Microsoft Yi Baiti"/>
+        <a:font script="Tibt" typeface="Microsoft Himalaya"/>
+        <a:font script="Thaa" typeface="MV Boli"/>
+        <a:font script="Deva" typeface="Mangal"/>
+        <a:font script="Telu" typeface="Gautami"/>
+        <a:font script="Taml" typeface="Latha"/>
+        <a:font script="Syrc" typeface="Estrangelo Edessa"/>
+        <a:font script="Orya" typeface="Kalinga"/>
+        <a:font script="Mlym" typeface="Kartika"/>
+        <a:font script="Laoo" typeface="DokChampa"/>
+        <a:font script="Sinh" typeface="Iskoola Pota"/>
+        <a:font script="Mong" typeface="Mongolian Baiti"/>
+        <a:font script="Viet" typeface="Arial"/>
+        <a:font script="Uigh" typeface="Microsoft Uighur"/>
+        <a:font script="Geor" typeface="Sylfaen"/>
+        <a:font script="Armn" typeface="Arial"/>
+        <a:font script="Bugi" typeface="Leelawadee UI"/>
+        <a:font script="Bopo" typeface="Microsoft JhengHei"/>
+        <a:font script="Java" typeface="Javanese Text"/>
+        <a:font script="Lisu" typeface="Segoe UI"/>
+        <a:font script="Mymr" typeface="Myanmar Text"/>
+        <a:font script="Nkoo" typeface="Ebrima"/>
+        <a:font script="Olck" typeface="Nirmala UI"/>
+        <a:font script="Osma" typeface="Ebrima"/>
+        <a:font script="Phag" typeface="Phagspa"/>
+        <a:font script="Syrn" typeface="Estrangelo Edessa"/>
+        <a:font script="Syrj" typeface="Estrangelo Edessa"/>
+        <a:font script="Syre" typeface="Estrangelo Edessa"/>
+        <a:font script="Sora" typeface="Nirmala UI"/>
+        <a:font script="Tale" typeface="Microsoft Tai Le"/>
+        <a:font script="Talu" typeface="Microsoft New Tai Lue"/>
+        <a:font script="Tfng" typeface="Ebrima"/>
+      </a:minorFont>
+    </a:fontScheme>
+    <a:fmtScheme name="Office">
+      <a:fillStyleLst>
+        <a:solidFill>
+          <a:schemeClr val="phClr"/>
+        </a:solidFill>
+        <a:gradFill rotWithShape="1">
+          <a:gsLst>
+            <a:gs pos="0">
+              <a:schemeClr val="phClr">
+                <a:lumMod val="110000"/>
+                <a:satMod val="105000"/>
+                <a:tint val="67000"/>
+              </a:schemeClr>
+            </a:gs>
+            <a:gs pos="50000">
+              <a:schemeClr val="phClr">
+                <a:lumMod val="105000"/>
+                <a:satMod val="103000"/>
+                <a:tint val="73000"/>
+              </a:schemeClr>
+            </a:gs>
+            <a:gs pos="100000">
+              <a:schemeClr val="phClr">
+                <a:lumMod val="105000"/>
+                <a:satMod val="109000"/>
+                <a:tint val="81000"/>
+              </a:schemeClr>
+            </a:gs>
+          </a:gsLst>
+          <a:lin ang="5400000" scaled="0"/>
+        </a:gradFill>
+        <a:gradFill rotWithShape="1">
+          <a:gsLst>
+            <a:gs pos="0">
+              <a:schemeClr val="phClr">
+                <a:satMod val="103000"/>
+                <a:lumMod val="102000"/>
+                <a:tint val="94000"/>
+              </a:schemeClr>
+            </a:gs>
+            <a:gs pos="50000">
+              <a:schemeClr val="phClr">
+                <a:satMod val="110000"/>
+                <a:lumMod val="100000"/>
+                <a:shade val="100000"/>
+              </a:schemeClr>
+            </a:gs>
+            <a:gs pos="100000">
+              <a:schemeClr val="phClr">
+                <a:lumMod val="99000"/>
+                <a:satMod val="120000"/>
+                <a:shade val="78000"/>
+              </a:schemeClr>
+            </a:gs>
+          </a:gsLst>
+          <a:lin ang="5400000" scaled="0"/>
+        </a:gradFill>
+      </a:fillStyleLst>
+      <a:lnStyleLst>
+        <a:ln w="12700" cap="flat" cmpd="sng" algn="ctr">
+          <a:solidFill>
+            <a:schemeClr val="phClr"/>
+          </a:solidFill>
+          <a:prstDash val="solid"/>
+          <a:miter lim="800000"/>
+        </a:ln>
+        <a:ln w="19050" cap="flat" cmpd="sng" algn="ctr">
+          <a:solidFill>
+            <a:schemeClr val="phClr"/>
+          </a:solidFill>
+          <a:prstDash val="solid"/>
+          <a:miter lim="800000"/>
+        </a:ln>
+        <a:ln w="25400" cap="flat" cmpd="sng" algn="ctr">
+          <a:solidFill>
+            <a:schemeClr val="phClr"/>
+          </a:solidFill>
+          <a:prstDash val="solid"/>
+          <a:miter lim="800000"/>
+        </a:ln>
+      </a:lnStyleLst>
+      <a:effectStyleLst>
+        <a:effectStyle>
+          <a:effectLst/>
+        </a:effectStyle>
+        <a:effectStyle>
+          <a:effectLst/>
+        </a:effectStyle>
+        <a:effectStyle>
+          <a:effectLst>
+            <a:outerShdw blurRad="57150" dist="19050" dir="5400000" algn="ctr" rotWithShape="0">
+              <a:srgbClr val="000000">
+                <a:alpha val="63000"/>
+              </a:srgbClr>
+            </a:outerShdw>
+          </a:effectLst>
+        </a:effectStyle>
+      </a:effectStyleLst>
+      <a:bgFillStyleLst>
+        <a:solidFill>
+          <a:schemeClr val="phClr"/>
+        </a:solidFill>
+        <a:solidFill>
+          <a:schemeClr val="phClr">
+            <a:tint val="95000"/>
+            <a:satMod val="170000"/>
+          </a:schemeClr>
+        </a:solidFill>
+        <a:gradFill rotWithShape="1">
+          <a:gsLst>
+            <a:gs pos="0">
+              <a:schemeClr val="phClr">
+                <a:tint val="93000"/>
+                <a:satMod val="150000"/>
+                <a:shade val="98000"/>
+                <a:lumMod val="102000"/>
+              </a:schemeClr>
+            </a:gs>
+            <a:gs pos="50000">
+              <a:schemeClr val="phClr">
+                <a:tint val="98000"/>
+                <a:satMod val="130000"/>
+                <a:shade val="90000"/>
+                <a:lumMod val="103000"/>
+              </a:schemeClr>
+            </a:gs>
+            <a:gs pos="100000">
+              <a:schemeClr val="phClr">
+                <a:shade val="63000"/>
+                <a:satMod val="120000"/>
+              </a:schemeClr>
+            </a:gs>
+          </a:gsLst>
+          <a:lin ang="5400000" scaled="0"/>
+        </a:gradFill>
+      </a:bgFillStyleLst>
+    </a:fmtScheme>
+  </a:themeElements>
+  <a:objectDefaults>
+    <a:lnDef>
+      <a:spPr/>
+      <a:bodyPr/>
+      <a:lstStyle/>
+      <a:style>
+        <a:lnRef idx="2">
+          <a:schemeClr val="accent1"/>
+        </a:lnRef>
+        <a:fillRef idx="0">
+          <a:schemeClr val="accent1"/>
+        </a:fillRef>
+        <a:effectRef idx="1">
+          <a:schemeClr val="accent1"/>
+        </a:effectRef>
+        <a:fontRef idx="minor">
+          <a:schemeClr val="tx1"/>
+        </a:fontRef>
+      </a:style>
+    </a:lnDef>
+  </a:objectDefaults>
+  <a:extraClrSchemeLst/>
+  <a:extLst>
+    <a:ext uri="{05A4C25C-085E-4340-85A3-A5531E510DB2}">
+      <thm15:themeFamily xmlns:thm15="http://schemas.microsoft.com/office/thememl/2012/main" name="Office Theme" id="{2E142A2C-CD16-42D6-873A-C26D2A0506FA}" vid="{1BDDFF52-6CD6-40A5-AB3C-68EB2F1E4D0A}"/>
+    </a:ext>
+  </a:extLst>
+</a:theme>
 </file>
--- a/alex/figs/_final/figs.pptx
+++ b/alex/figs/_final/figs.pptx
@@ -123,7 +123,7 @@
 <file path=ppt/revisionInfo.xml><?xml version="1.0" encoding="utf-8"?>
 <p1510:revInfo xmlns:a="http://schemas.openxmlformats.org/drawingml/2006/main" xmlns:r="http://schemas.openxmlformats.org/officeDocument/2006/relationships" xmlns:p1510="http://schemas.microsoft.com/office/powerpoint/2015/10/main">
   <p1510:revLst>
-    <p1510:client id="{53C28701-BEF2-4B44-9EBB-A7EB9BEAA1E2}" v="160" dt="2024-02-29T09:55:09.545"/>
+    <p1510:client id="{53C28701-BEF2-4B44-9EBB-A7EB9BEAA1E2}" v="165" dt="2024-03-07T09:56:42.136"/>
   </p1510:revLst>
 </p1510:revInfo>
 </file>
@@ -4367,7 +4367,7 @@
   <pc:docChgLst>
     <pc:chgData name="Alexander von Lühmann" userId="4ffc4e2d339b4992" providerId="LiveId" clId="{53C28701-BEF2-4B44-9EBB-A7EB9BEAA1E2}"/>
     <pc:docChg chg="undo redo custSel addSld delSld modSld sldOrd">
-      <pc:chgData name="Alexander von Lühmann" userId="4ffc4e2d339b4992" providerId="LiveId" clId="{53C28701-BEF2-4B44-9EBB-A7EB9BEAA1E2}" dt="2024-02-29T09:55:16.285" v="4253" actId="1076"/>
+      <pc:chgData name="Alexander von Lühmann" userId="4ffc4e2d339b4992" providerId="LiveId" clId="{53C28701-BEF2-4B44-9EBB-A7EB9BEAA1E2}" dt="2024-03-07T09:56:48.661" v="4393" actId="1038"/>
       <pc:docMkLst>
         <pc:docMk/>
       </pc:docMkLst>
@@ -4440,7 +4440,7 @@
         </pc:sldMkLst>
       </pc:sldChg>
       <pc:sldChg chg="addSp delSp modSp add mod">
-        <pc:chgData name="Alexander von Lühmann" userId="4ffc4e2d339b4992" providerId="LiveId" clId="{53C28701-BEF2-4B44-9EBB-A7EB9BEAA1E2}" dt="2024-02-29T09:55:16.285" v="4253" actId="1076"/>
+        <pc:chgData name="Alexander von Lühmann" userId="4ffc4e2d339b4992" providerId="LiveId" clId="{53C28701-BEF2-4B44-9EBB-A7EB9BEAA1E2}" dt="2024-03-07T09:56:48.661" v="4393" actId="1038"/>
         <pc:sldMkLst>
           <pc:docMk/>
           <pc:sldMk cId="4282935522" sldId="259"/>
@@ -4461,6 +4461,14 @@
             <ac:spMk id="3" creationId="{8D9CFFC8-DD42-82B2-208A-AE97F6E684AE}"/>
           </ac:spMkLst>
         </pc:spChg>
+        <pc:spChg chg="add mod">
+          <ac:chgData name="Alexander von Lühmann" userId="4ffc4e2d339b4992" providerId="LiveId" clId="{53C28701-BEF2-4B44-9EBB-A7EB9BEAA1E2}" dt="2024-03-07T09:53:03.918" v="4300" actId="1076"/>
+          <ac:spMkLst>
+            <pc:docMk/>
+            <pc:sldMk cId="4282935522" sldId="259"/>
+            <ac:spMk id="4" creationId="{2D742ECB-BC87-687C-C1B0-F65376E30F29}"/>
+          </ac:spMkLst>
+        </pc:spChg>
         <pc:spChg chg="del mod">
           <ac:chgData name="Alexander von Lühmann" userId="4ffc4e2d339b4992" providerId="LiveId" clId="{53C28701-BEF2-4B44-9EBB-A7EB9BEAA1E2}" dt="2024-02-28T17:22:00.115" v="2024" actId="478"/>
           <ac:spMkLst>
@@ -4869,6 +4877,14 @@
             <ac:spMk id="63" creationId="{88EBA4EE-2978-0E7F-34E8-EF591BB76631}"/>
           </ac:spMkLst>
         </pc:spChg>
+        <pc:spChg chg="add mod">
+          <ac:chgData name="Alexander von Lühmann" userId="4ffc4e2d339b4992" providerId="LiveId" clId="{53C28701-BEF2-4B44-9EBB-A7EB9BEAA1E2}" dt="2024-03-07T09:53:29.459" v="4310" actId="20577"/>
+          <ac:spMkLst>
+            <pc:docMk/>
+            <pc:sldMk cId="4282935522" sldId="259"/>
+            <ac:spMk id="64" creationId="{8F2E0DC9-F9B1-2887-CE29-BD0C24869052}"/>
+          </ac:spMkLst>
+        </pc:spChg>
         <pc:spChg chg="del mod">
           <ac:chgData name="Alexander von Lühmann" userId="4ffc4e2d339b4992" providerId="LiveId" clId="{53C28701-BEF2-4B44-9EBB-A7EB9BEAA1E2}" dt="2024-02-28T17:22:00.115" v="2024" actId="478"/>
           <ac:spMkLst>
@@ -5197,6 +5213,14 @@
             <ac:spMk id="99" creationId="{4C6EB1B5-7A43-26F0-08B1-46E224C848D9}"/>
           </ac:spMkLst>
         </pc:spChg>
+        <pc:spChg chg="add mod">
+          <ac:chgData name="Alexander von Lühmann" userId="4ffc4e2d339b4992" providerId="LiveId" clId="{53C28701-BEF2-4B44-9EBB-A7EB9BEAA1E2}" dt="2024-03-07T09:54:26.541" v="4315" actId="1076"/>
+          <ac:spMkLst>
+            <pc:docMk/>
+            <pc:sldMk cId="4282935522" sldId="259"/>
+            <ac:spMk id="99" creationId="{AC7E108A-2AB6-D405-F605-E11D49399F2C}"/>
+          </ac:spMkLst>
+        </pc:spChg>
         <pc:spChg chg="del mod">
           <ac:chgData name="Alexander von Lühmann" userId="4ffc4e2d339b4992" providerId="LiveId" clId="{53C28701-BEF2-4B44-9EBB-A7EB9BEAA1E2}" dt="2024-02-28T17:22:00.115" v="2024" actId="478"/>
           <ac:spMkLst>
@@ -5205,6 +5229,14 @@
             <ac:spMk id="100" creationId="{2271685B-1875-5F13-F31B-BD1D61D8649D}"/>
           </ac:spMkLst>
         </pc:spChg>
+        <pc:spChg chg="add mod">
+          <ac:chgData name="Alexander von Lühmann" userId="4ffc4e2d339b4992" providerId="LiveId" clId="{53C28701-BEF2-4B44-9EBB-A7EB9BEAA1E2}" dt="2024-03-07T09:56:07.024" v="4385" actId="20577"/>
+          <ac:spMkLst>
+            <pc:docMk/>
+            <pc:sldMk cId="4282935522" sldId="259"/>
+            <ac:spMk id="100" creationId="{57E6D439-F96F-473B-9FE7-BCE38513E3CC}"/>
+          </ac:spMkLst>
+        </pc:spChg>
         <pc:spChg chg="mod">
           <ac:chgData name="Alexander von Lühmann" userId="4ffc4e2d339b4992" providerId="LiveId" clId="{53C28701-BEF2-4B44-9EBB-A7EB9BEAA1E2}" dt="2024-02-29T09:30:27.625" v="3829" actId="1036"/>
           <ac:spMkLst>
@@ -5221,6 +5253,14 @@
             <ac:spMk id="102" creationId="{8D18057D-70FF-F711-C387-5C6BD1A24CBC}"/>
           </ac:spMkLst>
         </pc:spChg>
+        <pc:spChg chg="add mod">
+          <ac:chgData name="Alexander von Lühmann" userId="4ffc4e2d339b4992" providerId="LiveId" clId="{53C28701-BEF2-4B44-9EBB-A7EB9BEAA1E2}" dt="2024-03-07T09:56:48.661" v="4393" actId="1038"/>
+          <ac:spMkLst>
+            <pc:docMk/>
+            <pc:sldMk cId="4282935522" sldId="259"/>
+            <ac:spMk id="104" creationId="{0BFDF605-F156-8CDC-D584-8D0F396ABEBF}"/>
+          </ac:spMkLst>
+        </pc:spChg>
         <pc:spChg chg="mod">
           <ac:chgData name="Alexander von Lühmann" userId="4ffc4e2d339b4992" providerId="LiveId" clId="{53C28701-BEF2-4B44-9EBB-A7EB9BEAA1E2}" dt="2024-02-28T17:37:44.144" v="2118" actId="20577"/>
           <ac:spMkLst>
@@ -5502,7 +5542,7 @@
           </ac:spMkLst>
         </pc:spChg>
         <pc:spChg chg="add mod">
-          <ac:chgData name="Alexander von Lühmann" userId="4ffc4e2d339b4992" providerId="LiveId" clId="{53C28701-BEF2-4B44-9EBB-A7EB9BEAA1E2}" dt="2024-02-28T17:23:15.994" v="2083" actId="1036"/>
+          <ac:chgData name="Alexander von Lühmann" userId="4ffc4e2d339b4992" providerId="LiveId" clId="{53C28701-BEF2-4B44-9EBB-A7EB9BEAA1E2}" dt="2024-03-07T09:52:26.894" v="4296" actId="20577"/>
           <ac:spMkLst>
             <pc:docMk/>
             <pc:sldMk cId="4282935522" sldId="259"/>
@@ -8328,6 +8368,21 @@
             <pc:docMk/>
             <pc:sldMk cId="2546013784" sldId="261"/>
             <ac:spMk id="3" creationId="{23DF599D-0D2E-6CCB-E059-1A462369124F}"/>
+          </ac:spMkLst>
+        </pc:spChg>
+      </pc:sldChg>
+      <pc:sldChg chg="modSp new del mod">
+        <pc:chgData name="Alexander von Lühmann" userId="4ffc4e2d339b4992" providerId="LiveId" clId="{53C28701-BEF2-4B44-9EBB-A7EB9BEAA1E2}" dt="2024-03-03T13:01:43.137" v="4270" actId="680"/>
+        <pc:sldMkLst>
+          <pc:docMk/>
+          <pc:sldMk cId="3624456325" sldId="262"/>
+        </pc:sldMkLst>
+        <pc:spChg chg="mod">
+          <ac:chgData name="Alexander von Lühmann" userId="4ffc4e2d339b4992" providerId="LiveId" clId="{53C28701-BEF2-4B44-9EBB-A7EB9BEAA1E2}" dt="2024-03-03T13:01:42.391" v="4269" actId="20577"/>
+          <ac:spMkLst>
+            <pc:docMk/>
+            <pc:sldMk cId="3624456325" sldId="262"/>
+            <ac:spMk id="2" creationId="{07AFB0F7-831F-E5F0-26F4-DECC64BB9F86}"/>
           </ac:spMkLst>
         </pc:spChg>
       </pc:sldChg>
@@ -8418,7 +8473,7 @@
           <a:p>
             <a:fld id="{DF0C278D-5913-4C77-BD7B-900D67D0FD7D}" type="datetimeFigureOut">
               <a:rPr lang="de-DE" smtClean="0"/>
-              <a:t>28.02.2024</a:t>
+              <a:t>07.03.2024</a:t>
             </a:fld>
             <a:endParaRPr lang="de-DE"/>
           </a:p>
@@ -9009,7 +9064,7 @@
           <a:p>
             <a:fld id="{9DD75875-2B1D-47EB-BBAD-BDAD7646A0A4}" type="datetimeFigureOut">
               <a:rPr lang="de-DE" smtClean="0"/>
-              <a:t>28.02.2024</a:t>
+              <a:t>07.03.2024</a:t>
             </a:fld>
             <a:endParaRPr lang="de-DE"/>
           </a:p>
@@ -9179,7 +9234,7 @@
           <a:p>
             <a:fld id="{9DD75875-2B1D-47EB-BBAD-BDAD7646A0A4}" type="datetimeFigureOut">
               <a:rPr lang="de-DE" smtClean="0"/>
-              <a:t>28.02.2024</a:t>
+              <a:t>07.03.2024</a:t>
             </a:fld>
             <a:endParaRPr lang="de-DE"/>
           </a:p>
@@ -9359,7 +9414,7 @@
           <a:p>
             <a:fld id="{9DD75875-2B1D-47EB-BBAD-BDAD7646A0A4}" type="datetimeFigureOut">
               <a:rPr lang="de-DE" smtClean="0"/>
-              <a:t>28.02.2024</a:t>
+              <a:t>07.03.2024</a:t>
             </a:fld>
             <a:endParaRPr lang="de-DE"/>
           </a:p>
@@ -9529,7 +9584,7 @@
           <a:p>
             <a:fld id="{9DD75875-2B1D-47EB-BBAD-BDAD7646A0A4}" type="datetimeFigureOut">
               <a:rPr lang="de-DE" smtClean="0"/>
-              <a:t>28.02.2024</a:t>
+              <a:t>07.03.2024</a:t>
             </a:fld>
             <a:endParaRPr lang="de-DE"/>
           </a:p>
@@ -9775,7 +9830,7 @@
           <a:p>
             <a:fld id="{9DD75875-2B1D-47EB-BBAD-BDAD7646A0A4}" type="datetimeFigureOut">
               <a:rPr lang="de-DE" smtClean="0"/>
-              <a:t>28.02.2024</a:t>
+              <a:t>07.03.2024</a:t>
             </a:fld>
             <a:endParaRPr lang="de-DE"/>
           </a:p>
@@ -10007,7 +10062,7 @@
           <a:p>
             <a:fld id="{9DD75875-2B1D-47EB-BBAD-BDAD7646A0A4}" type="datetimeFigureOut">
               <a:rPr lang="de-DE" smtClean="0"/>
-              <a:t>28.02.2024</a:t>
+              <a:t>07.03.2024</a:t>
             </a:fld>
             <a:endParaRPr lang="de-DE"/>
           </a:p>
@@ -10374,7 +10429,7 @@
           <a:p>
             <a:fld id="{9DD75875-2B1D-47EB-BBAD-BDAD7646A0A4}" type="datetimeFigureOut">
               <a:rPr lang="de-DE" smtClean="0"/>
-              <a:t>28.02.2024</a:t>
+              <a:t>07.03.2024</a:t>
             </a:fld>
             <a:endParaRPr lang="de-DE"/>
           </a:p>
@@ -10492,7 +10547,7 @@
           <a:p>
             <a:fld id="{9DD75875-2B1D-47EB-BBAD-BDAD7646A0A4}" type="datetimeFigureOut">
               <a:rPr lang="de-DE" smtClean="0"/>
-              <a:t>28.02.2024</a:t>
+              <a:t>07.03.2024</a:t>
             </a:fld>
             <a:endParaRPr lang="de-DE"/>
           </a:p>
@@ -10587,7 +10642,7 @@
           <a:p>
             <a:fld id="{9DD75875-2B1D-47EB-BBAD-BDAD7646A0A4}" type="datetimeFigureOut">
               <a:rPr lang="de-DE" smtClean="0"/>
-              <a:t>28.02.2024</a:t>
+              <a:t>07.03.2024</a:t>
             </a:fld>
             <a:endParaRPr lang="de-DE"/>
           </a:p>
@@ -10864,7 +10919,7 @@
           <a:p>
             <a:fld id="{9DD75875-2B1D-47EB-BBAD-BDAD7646A0A4}" type="datetimeFigureOut">
               <a:rPr lang="de-DE" smtClean="0"/>
-              <a:t>28.02.2024</a:t>
+              <a:t>07.03.2024</a:t>
             </a:fld>
             <a:endParaRPr lang="de-DE"/>
           </a:p>
@@ -11121,7 +11176,7 @@
           <a:p>
             <a:fld id="{9DD75875-2B1D-47EB-BBAD-BDAD7646A0A4}" type="datetimeFigureOut">
               <a:rPr lang="de-DE" smtClean="0"/>
-              <a:t>28.02.2024</a:t>
+              <a:t>07.03.2024</a:t>
             </a:fld>
             <a:endParaRPr lang="de-DE"/>
           </a:p>
@@ -11334,7 +11389,7 @@
           <a:p>
             <a:fld id="{9DD75875-2B1D-47EB-BBAD-BDAD7646A0A4}" type="datetimeFigureOut">
               <a:rPr lang="de-DE" smtClean="0"/>
-              <a:t>28.02.2024</a:t>
+              <a:t>07.03.2024</a:t>
             </a:fld>
             <a:endParaRPr lang="de-DE"/>
           </a:p>
@@ -18047,8 +18102,8 @@
         </p:nvSpPr>
         <p:spPr>
           <a:xfrm rot="16200000">
-            <a:off x="401500" y="5040989"/>
-            <a:ext cx="1183337" cy="307777"/>
+            <a:off x="383066" y="5040989"/>
+            <a:ext cx="1220206" cy="307777"/>
           </a:xfrm>
           <a:prstGeom prst="rect">
             <a:avLst/>
@@ -22102,6 +22157,230 @@
                 </a:effectLst>
               </a:rPr>
               <a:t>26</a:t>
+            </a:r>
+          </a:p>
+        </p:txBody>
+      </p:sp>
+      <p:sp>
+        <p:nvSpPr>
+          <p:cNvPr id="4" name="TextBox 3">
+            <a:extLst>
+              <a:ext uri="{FF2B5EF4-FFF2-40B4-BE49-F238E27FC236}">
+                <a16:creationId xmlns:a16="http://schemas.microsoft.com/office/drawing/2014/main" id="{2D742ECB-BC87-687C-C1B0-F65376E30F29}"/>
+              </a:ext>
+            </a:extLst>
+          </p:cNvPr>
+          <p:cNvSpPr txBox="1"/>
+          <p:nvPr/>
+        </p:nvSpPr>
+        <p:spPr>
+          <a:xfrm rot="16200000">
+            <a:off x="633107" y="5051320"/>
+            <a:ext cx="377026" cy="307777"/>
+          </a:xfrm>
+          <a:prstGeom prst="rect">
+            <a:avLst/>
+          </a:prstGeom>
+          <a:noFill/>
+          <a:effectLst>
+            <a:glow rad="63500">
+              <a:schemeClr val="accent1">
+                <a:satMod val="175000"/>
+                <a:alpha val="40000"/>
+              </a:schemeClr>
+            </a:glow>
+          </a:effectLst>
+        </p:spPr>
+        <p:txBody>
+          <a:bodyPr wrap="none" rtlCol="0">
+            <a:spAutoFit/>
+          </a:bodyPr>
+          <a:lstStyle/>
+          <a:p>
+            <a:r>
+              <a:rPr lang="de-DE" sz="1400" dirty="0">
+                <a:effectLst>
+                  <a:outerShdw blurRad="88900" sx="106000" sy="106000" algn="ctr" rotWithShape="0">
+                    <a:schemeClr val="bg1"/>
+                  </a:outerShdw>
+                </a:effectLst>
+              </a:rPr>
+              <a:t>37</a:t>
+            </a:r>
+          </a:p>
+        </p:txBody>
+      </p:sp>
+      <p:sp>
+        <p:nvSpPr>
+          <p:cNvPr id="64" name="TextBox 63">
+            <a:extLst>
+              <a:ext uri="{FF2B5EF4-FFF2-40B4-BE49-F238E27FC236}">
+                <a16:creationId xmlns:a16="http://schemas.microsoft.com/office/drawing/2014/main" id="{8F2E0DC9-F9B1-2887-CE29-BD0C24869052}"/>
+              </a:ext>
+            </a:extLst>
+          </p:cNvPr>
+          <p:cNvSpPr txBox="1"/>
+          <p:nvPr/>
+        </p:nvSpPr>
+        <p:spPr>
+          <a:xfrm rot="16200000">
+            <a:off x="632119" y="7125721"/>
+            <a:ext cx="377026" cy="307777"/>
+          </a:xfrm>
+          <a:prstGeom prst="rect">
+            <a:avLst/>
+          </a:prstGeom>
+          <a:noFill/>
+          <a:effectLst>
+            <a:glow rad="63500">
+              <a:schemeClr val="accent1">
+                <a:satMod val="175000"/>
+                <a:alpha val="40000"/>
+              </a:schemeClr>
+            </a:glow>
+          </a:effectLst>
+        </p:spPr>
+        <p:txBody>
+          <a:bodyPr wrap="none" rtlCol="0">
+            <a:spAutoFit/>
+          </a:bodyPr>
+          <a:lstStyle/>
+          <a:p>
+            <a:r>
+              <a:rPr lang="de-DE" sz="1400" dirty="0">
+                <a:effectLst>
+                  <a:outerShdw blurRad="88900" sx="106000" sy="106000" algn="ctr" rotWithShape="0">
+                    <a:schemeClr val="bg1"/>
+                  </a:outerShdw>
+                </a:effectLst>
+              </a:rPr>
+              <a:t>46</a:t>
+            </a:r>
+          </a:p>
+        </p:txBody>
+      </p:sp>
+      <p:sp>
+        <p:nvSpPr>
+          <p:cNvPr id="99" name="TextBox 98">
+            <a:extLst>
+              <a:ext uri="{FF2B5EF4-FFF2-40B4-BE49-F238E27FC236}">
+                <a16:creationId xmlns:a16="http://schemas.microsoft.com/office/drawing/2014/main" id="{AC7E108A-2AB6-D405-F605-E11D49399F2C}"/>
+              </a:ext>
+            </a:extLst>
+          </p:cNvPr>
+          <p:cNvSpPr txBox="1"/>
+          <p:nvPr/>
+        </p:nvSpPr>
+        <p:spPr>
+          <a:xfrm rot="16200000">
+            <a:off x="2474691" y="7772986"/>
+            <a:ext cx="377027" cy="307777"/>
+          </a:xfrm>
+          <a:prstGeom prst="rect">
+            <a:avLst/>
+          </a:prstGeom>
+          <a:noFill/>
+        </p:spPr>
+        <p:txBody>
+          <a:bodyPr wrap="none" rtlCol="0">
+            <a:spAutoFit/>
+          </a:bodyPr>
+          <a:lstStyle/>
+          <a:p>
+            <a:pPr algn="r"/>
+            <a:r>
+              <a:rPr lang="de-DE" sz="1400" dirty="0">
+                <a:effectLst>
+                  <a:outerShdw blurRad="88900" dist="50800" dir="5400000" sx="106000" sy="106000" algn="ctr" rotWithShape="0">
+                    <a:schemeClr val="bg1"/>
+                  </a:outerShdw>
+                </a:effectLst>
+              </a:rPr>
+              <a:t>19</a:t>
+            </a:r>
+          </a:p>
+        </p:txBody>
+      </p:sp>
+      <p:sp>
+        <p:nvSpPr>
+          <p:cNvPr id="100" name="TextBox 99">
+            <a:extLst>
+              <a:ext uri="{FF2B5EF4-FFF2-40B4-BE49-F238E27FC236}">
+                <a16:creationId xmlns:a16="http://schemas.microsoft.com/office/drawing/2014/main" id="{57E6D439-F96F-473B-9FE7-BCE38513E3CC}"/>
+              </a:ext>
+            </a:extLst>
+          </p:cNvPr>
+          <p:cNvSpPr txBox="1"/>
+          <p:nvPr/>
+        </p:nvSpPr>
+        <p:spPr>
+          <a:xfrm rot="16200000">
+            <a:off x="2482264" y="5395264"/>
+            <a:ext cx="377027" cy="307777"/>
+          </a:xfrm>
+          <a:prstGeom prst="rect">
+            <a:avLst/>
+          </a:prstGeom>
+          <a:noFill/>
+        </p:spPr>
+        <p:txBody>
+          <a:bodyPr wrap="none" rtlCol="0">
+            <a:spAutoFit/>
+          </a:bodyPr>
+          <a:lstStyle/>
+          <a:p>
+            <a:pPr algn="r"/>
+            <a:r>
+              <a:rPr lang="de-DE" sz="1400" dirty="0">
+                <a:effectLst>
+                  <a:outerShdw blurRad="88900" dist="50800" dir="5400000" sx="106000" sy="106000" algn="ctr" rotWithShape="0">
+                    <a:schemeClr val="bg1"/>
+                  </a:outerShdw>
+                </a:effectLst>
+              </a:rPr>
+              <a:t>67</a:t>
+            </a:r>
+          </a:p>
+        </p:txBody>
+      </p:sp>
+      <p:sp>
+        <p:nvSpPr>
+          <p:cNvPr id="104" name="TextBox 103">
+            <a:extLst>
+              <a:ext uri="{FF2B5EF4-FFF2-40B4-BE49-F238E27FC236}">
+                <a16:creationId xmlns:a16="http://schemas.microsoft.com/office/drawing/2014/main" id="{0BFDF605-F156-8CDC-D584-8D0F396ABEBF}"/>
+              </a:ext>
+            </a:extLst>
+          </p:cNvPr>
+          <p:cNvSpPr txBox="1"/>
+          <p:nvPr/>
+        </p:nvSpPr>
+        <p:spPr>
+          <a:xfrm rot="16200000">
+            <a:off x="11649659" y="6683847"/>
+            <a:ext cx="377027" cy="307777"/>
+          </a:xfrm>
+          <a:prstGeom prst="rect">
+            <a:avLst/>
+          </a:prstGeom>
+          <a:noFill/>
+        </p:spPr>
+        <p:txBody>
+          <a:bodyPr wrap="none" rtlCol="0">
+            <a:spAutoFit/>
+          </a:bodyPr>
+          <a:lstStyle/>
+          <a:p>
+            <a:pPr algn="r"/>
+            <a:r>
+              <a:rPr lang="de-DE" sz="1400" dirty="0">
+                <a:effectLst>
+                  <a:outerShdw blurRad="88900" dist="50800" dir="5400000" sx="106000" sy="106000" algn="ctr" rotWithShape="0">
+                    <a:schemeClr val="bg1"/>
+                  </a:outerShdw>
+                </a:effectLst>
+              </a:rPr>
+              <a:t>39</a:t>
             </a:r>
           </a:p>
         </p:txBody>

--- a/alex/figs/_final/figs.pptx
+++ b/alex/figs/_final/figs.pptx
@@ -4367,7 +4367,7 @@
   <pc:docChgLst>
     <pc:chgData name="Alexander von Lühmann" userId="4ffc4e2d339b4992" providerId="LiveId" clId="{53C28701-BEF2-4B44-9EBB-A7EB9BEAA1E2}"/>
     <pc:docChg chg="undo redo custSel addSld delSld modSld sldOrd">
-      <pc:chgData name="Alexander von Lühmann" userId="4ffc4e2d339b4992" providerId="LiveId" clId="{53C28701-BEF2-4B44-9EBB-A7EB9BEAA1E2}" dt="2024-03-07T09:56:48.661" v="4393" actId="1038"/>
+      <pc:chgData name="Alexander von Lühmann" userId="4ffc4e2d339b4992" providerId="LiveId" clId="{53C28701-BEF2-4B44-9EBB-A7EB9BEAA1E2}" dt="2024-03-08T10:31:08.251" v="4395" actId="20577"/>
       <pc:docMkLst>
         <pc:docMk/>
       </pc:docMkLst>
@@ -4440,7 +4440,7 @@
         </pc:sldMkLst>
       </pc:sldChg>
       <pc:sldChg chg="addSp delSp modSp add mod">
-        <pc:chgData name="Alexander von Lühmann" userId="4ffc4e2d339b4992" providerId="LiveId" clId="{53C28701-BEF2-4B44-9EBB-A7EB9BEAA1E2}" dt="2024-03-07T09:56:48.661" v="4393" actId="1038"/>
+        <pc:chgData name="Alexander von Lühmann" userId="4ffc4e2d339b4992" providerId="LiveId" clId="{53C28701-BEF2-4B44-9EBB-A7EB9BEAA1E2}" dt="2024-03-08T10:31:08.251" v="4395" actId="20577"/>
         <pc:sldMkLst>
           <pc:docMk/>
           <pc:sldMk cId="4282935522" sldId="259"/>
@@ -4830,7 +4830,7 @@
           </ac:spMkLst>
         </pc:spChg>
         <pc:spChg chg="mod">
-          <ac:chgData name="Alexander von Lühmann" userId="4ffc4e2d339b4992" providerId="LiveId" clId="{53C28701-BEF2-4B44-9EBB-A7EB9BEAA1E2}" dt="2024-02-28T16:23:34.830" v="626" actId="1036"/>
+          <ac:chgData name="Alexander von Lühmann" userId="4ffc4e2d339b4992" providerId="LiveId" clId="{53C28701-BEF2-4B44-9EBB-A7EB9BEAA1E2}" dt="2024-03-08T10:31:08.251" v="4395" actId="20577"/>
           <ac:spMkLst>
             <pc:docMk/>
             <pc:sldMk cId="4282935522" sldId="259"/>
@@ -8473,7 +8473,7 @@
           <a:p>
             <a:fld id="{DF0C278D-5913-4C77-BD7B-900D67D0FD7D}" type="datetimeFigureOut">
               <a:rPr lang="de-DE" smtClean="0"/>
-              <a:t>07.03.2024</a:t>
+              <a:t>08.03.2024</a:t>
             </a:fld>
             <a:endParaRPr lang="de-DE"/>
           </a:p>
@@ -9064,7 +9064,7 @@
           <a:p>
             <a:fld id="{9DD75875-2B1D-47EB-BBAD-BDAD7646A0A4}" type="datetimeFigureOut">
               <a:rPr lang="de-DE" smtClean="0"/>
-              <a:t>07.03.2024</a:t>
+              <a:t>08.03.2024</a:t>
             </a:fld>
             <a:endParaRPr lang="de-DE"/>
           </a:p>
@@ -9234,7 +9234,7 @@
           <a:p>
             <a:fld id="{9DD75875-2B1D-47EB-BBAD-BDAD7646A0A4}" type="datetimeFigureOut">
               <a:rPr lang="de-DE" smtClean="0"/>
-              <a:t>07.03.2024</a:t>
+              <a:t>08.03.2024</a:t>
             </a:fld>
             <a:endParaRPr lang="de-DE"/>
           </a:p>
@@ -9414,7 +9414,7 @@
           <a:p>
             <a:fld id="{9DD75875-2B1D-47EB-BBAD-BDAD7646A0A4}" type="datetimeFigureOut">
               <a:rPr lang="de-DE" smtClean="0"/>
-              <a:t>07.03.2024</a:t>
+              <a:t>08.03.2024</a:t>
             </a:fld>
             <a:endParaRPr lang="de-DE"/>
           </a:p>
@@ -9584,7 +9584,7 @@
           <a:p>
             <a:fld id="{9DD75875-2B1D-47EB-BBAD-BDAD7646A0A4}" type="datetimeFigureOut">
               <a:rPr lang="de-DE" smtClean="0"/>
-              <a:t>07.03.2024</a:t>
+              <a:t>08.03.2024</a:t>
             </a:fld>
             <a:endParaRPr lang="de-DE"/>
           </a:p>
@@ -9830,7 +9830,7 @@
           <a:p>
             <a:fld id="{9DD75875-2B1D-47EB-BBAD-BDAD7646A0A4}" type="datetimeFigureOut">
               <a:rPr lang="de-DE" smtClean="0"/>
-              <a:t>07.03.2024</a:t>
+              <a:t>08.03.2024</a:t>
             </a:fld>
             <a:endParaRPr lang="de-DE"/>
           </a:p>
@@ -10062,7 +10062,7 @@
           <a:p>
             <a:fld id="{9DD75875-2B1D-47EB-BBAD-BDAD7646A0A4}" type="datetimeFigureOut">
               <a:rPr lang="de-DE" smtClean="0"/>
-              <a:t>07.03.2024</a:t>
+              <a:t>08.03.2024</a:t>
             </a:fld>
             <a:endParaRPr lang="de-DE"/>
           </a:p>
@@ -10429,7 +10429,7 @@
           <a:p>
             <a:fld id="{9DD75875-2B1D-47EB-BBAD-BDAD7646A0A4}" type="datetimeFigureOut">
               <a:rPr lang="de-DE" smtClean="0"/>
-              <a:t>07.03.2024</a:t>
+              <a:t>08.03.2024</a:t>
             </a:fld>
             <a:endParaRPr lang="de-DE"/>
           </a:p>
@@ -10547,7 +10547,7 @@
           <a:p>
             <a:fld id="{9DD75875-2B1D-47EB-BBAD-BDAD7646A0A4}" type="datetimeFigureOut">
               <a:rPr lang="de-DE" smtClean="0"/>
-              <a:t>07.03.2024</a:t>
+              <a:t>08.03.2024</a:t>
             </a:fld>
             <a:endParaRPr lang="de-DE"/>
           </a:p>
@@ -10642,7 +10642,7 @@
           <a:p>
             <a:fld id="{9DD75875-2B1D-47EB-BBAD-BDAD7646A0A4}" type="datetimeFigureOut">
               <a:rPr lang="de-DE" smtClean="0"/>
-              <a:t>07.03.2024</a:t>
+              <a:t>08.03.2024</a:t>
             </a:fld>
             <a:endParaRPr lang="de-DE"/>
           </a:p>
@@ -10919,7 +10919,7 @@
           <a:p>
             <a:fld id="{9DD75875-2B1D-47EB-BBAD-BDAD7646A0A4}" type="datetimeFigureOut">
               <a:rPr lang="de-DE" smtClean="0"/>
-              <a:t>07.03.2024</a:t>
+              <a:t>08.03.2024</a:t>
             </a:fld>
             <a:endParaRPr lang="de-DE"/>
           </a:p>
@@ -11176,7 +11176,7 @@
           <a:p>
             <a:fld id="{9DD75875-2B1D-47EB-BBAD-BDAD7646A0A4}" type="datetimeFigureOut">
               <a:rPr lang="de-DE" smtClean="0"/>
-              <a:t>07.03.2024</a:t>
+              <a:t>08.03.2024</a:t>
             </a:fld>
             <a:endParaRPr lang="de-DE"/>
           </a:p>
@@ -11389,7 +11389,7 @@
           <a:p>
             <a:fld id="{9DD75875-2B1D-47EB-BBAD-BDAD7646A0A4}" type="datetimeFigureOut">
               <a:rPr lang="de-DE" smtClean="0"/>
-              <a:t>07.03.2024</a:t>
+              <a:t>08.03.2024</a:t>
             </a:fld>
             <a:endParaRPr lang="de-DE"/>
           </a:p>
@@ -16449,7 +16449,7 @@
                     </a:schemeClr>
                   </a:solidFill>
                 </a:rPr>
-                <a:t>Motion Artefacts</a:t>
+                <a:t>Motion Artifacts</a:t>
               </a:r>
             </a:p>
           </p:txBody>

--- a/alex/figs/_final/figs.pptx
+++ b/alex/figs/_final/figs.pptx
@@ -123,13 +123,388 @@
 <file path=ppt/revisionInfo.xml><?xml version="1.0" encoding="utf-8"?>
 <p1510:revInfo xmlns:a="http://schemas.openxmlformats.org/drawingml/2006/main" xmlns:r="http://schemas.openxmlformats.org/officeDocument/2006/relationships" xmlns:p1510="http://schemas.microsoft.com/office/powerpoint/2015/10/main">
   <p1510:revLst>
-    <p1510:client id="{53C28701-BEF2-4B44-9EBB-A7EB9BEAA1E2}" v="165" dt="2024-03-07T09:56:42.136"/>
+    <p1510:client id="{3BC9F152-53BB-479D-A1F7-AF091793EADB}" v="7" dt="2024-05-06T14:16:36.084"/>
   </p1510:revLst>
 </p1510:revInfo>
 </file>
 
 <file path=ppt/changesInfos/changesInfo1.xml><?xml version="1.0" encoding="utf-8"?>
 <pc:chgInfo xmlns:a="http://schemas.openxmlformats.org/drawingml/2006/main" xmlns:r="http://schemas.openxmlformats.org/officeDocument/2006/relationships" xmlns:ac="http://schemas.microsoft.com/office/drawing/2013/main/command" xmlns:pc="http://schemas.microsoft.com/office/powerpoint/2013/main/command">
+  <pc:docChgLst>
+    <pc:chgData name="Alexander von Lühmann" userId="4ffc4e2d339b4992" providerId="LiveId" clId="{3BC9F152-53BB-479D-A1F7-AF091793EADB}"/>
+    <pc:docChg chg="undo custSel modSld">
+      <pc:chgData name="Alexander von Lühmann" userId="4ffc4e2d339b4992" providerId="LiveId" clId="{3BC9F152-53BB-479D-A1F7-AF091793EADB}" dt="2024-05-06T14:23:57.285" v="574" actId="1035"/>
+      <pc:docMkLst>
+        <pc:docMk/>
+      </pc:docMkLst>
+      <pc:sldChg chg="addSp delSp modSp mod">
+        <pc:chgData name="Alexander von Lühmann" userId="4ffc4e2d339b4992" providerId="LiveId" clId="{3BC9F152-53BB-479D-A1F7-AF091793EADB}" dt="2024-05-06T14:18:04.607" v="533" actId="1038"/>
+        <pc:sldMkLst>
+          <pc:docMk/>
+          <pc:sldMk cId="4282935522" sldId="259"/>
+        </pc:sldMkLst>
+        <pc:spChg chg="del mod ord">
+          <ac:chgData name="Alexander von Lühmann" userId="4ffc4e2d339b4992" providerId="LiveId" clId="{3BC9F152-53BB-479D-A1F7-AF091793EADB}" dt="2024-05-06T13:56:30.932" v="307" actId="478"/>
+          <ac:spMkLst>
+            <pc:docMk/>
+            <pc:sldMk cId="4282935522" sldId="259"/>
+            <ac:spMk id="5" creationId="{38E6293C-E133-AC81-8CC3-D05681C72B57}"/>
+          </ac:spMkLst>
+        </pc:spChg>
+        <pc:spChg chg="mod">
+          <ac:chgData name="Alexander von Lühmann" userId="4ffc4e2d339b4992" providerId="LiveId" clId="{3BC9F152-53BB-479D-A1F7-AF091793EADB}" dt="2024-05-06T13:46:28.734" v="148" actId="1076"/>
+          <ac:spMkLst>
+            <pc:docMk/>
+            <pc:sldMk cId="4282935522" sldId="259"/>
+            <ac:spMk id="6" creationId="{6A249053-41E9-504E-A52A-61A1995E9131}"/>
+          </ac:spMkLst>
+        </pc:spChg>
+        <pc:spChg chg="mod">
+          <ac:chgData name="Alexander von Lühmann" userId="4ffc4e2d339b4992" providerId="LiveId" clId="{3BC9F152-53BB-479D-A1F7-AF091793EADB}" dt="2024-05-06T13:46:47.877" v="164" actId="1076"/>
+          <ac:spMkLst>
+            <pc:docMk/>
+            <pc:sldMk cId="4282935522" sldId="259"/>
+            <ac:spMk id="18" creationId="{6CC1405D-EBAF-0B71-6D1C-D976EC4C6E27}"/>
+          </ac:spMkLst>
+        </pc:spChg>
+        <pc:spChg chg="mod">
+          <ac:chgData name="Alexander von Lühmann" userId="4ffc4e2d339b4992" providerId="LiveId" clId="{3BC9F152-53BB-479D-A1F7-AF091793EADB}" dt="2024-05-06T13:46:43.333" v="163" actId="1076"/>
+          <ac:spMkLst>
+            <pc:docMk/>
+            <pc:sldMk cId="4282935522" sldId="259"/>
+            <ac:spMk id="19" creationId="{11B5C7E3-F36C-5DCF-F9AF-814F1445341E}"/>
+          </ac:spMkLst>
+        </pc:spChg>
+        <pc:spChg chg="del">
+          <ac:chgData name="Alexander von Lühmann" userId="4ffc4e2d339b4992" providerId="LiveId" clId="{3BC9F152-53BB-479D-A1F7-AF091793EADB}" dt="2024-05-06T13:42:40.781" v="67" actId="478"/>
+          <ac:spMkLst>
+            <pc:docMk/>
+            <pc:sldMk cId="4282935522" sldId="259"/>
+            <ac:spMk id="39" creationId="{A32BFE31-E579-1D8A-1A0A-0F4142D45147}"/>
+          </ac:spMkLst>
+        </pc:spChg>
+        <pc:spChg chg="mod">
+          <ac:chgData name="Alexander von Lühmann" userId="4ffc4e2d339b4992" providerId="LiveId" clId="{3BC9F152-53BB-479D-A1F7-AF091793EADB}" dt="2024-05-06T13:46:51.549" v="165" actId="1076"/>
+          <ac:spMkLst>
+            <pc:docMk/>
+            <pc:sldMk cId="4282935522" sldId="259"/>
+            <ac:spMk id="40" creationId="{7F315EE5-E02B-C2FD-0DC0-309A1F8DF248}"/>
+          </ac:spMkLst>
+        </pc:spChg>
+        <pc:spChg chg="mod">
+          <ac:chgData name="Alexander von Lühmann" userId="4ffc4e2d339b4992" providerId="LiveId" clId="{3BC9F152-53BB-479D-A1F7-AF091793EADB}" dt="2024-05-06T13:46:54.525" v="166" actId="1076"/>
+          <ac:spMkLst>
+            <pc:docMk/>
+            <pc:sldMk cId="4282935522" sldId="259"/>
+            <ac:spMk id="41" creationId="{BD773782-CE67-8CE3-99F3-4B813D46D9D3}"/>
+          </ac:spMkLst>
+        </pc:spChg>
+        <pc:spChg chg="mod">
+          <ac:chgData name="Alexander von Lühmann" userId="4ffc4e2d339b4992" providerId="LiveId" clId="{3BC9F152-53BB-479D-A1F7-AF091793EADB}" dt="2024-05-06T13:46:57.549" v="167" actId="1076"/>
+          <ac:spMkLst>
+            <pc:docMk/>
+            <pc:sldMk cId="4282935522" sldId="259"/>
+            <ac:spMk id="56" creationId="{2871F6EE-7F5A-6148-5CF7-B8C524960739}"/>
+          </ac:spMkLst>
+        </pc:spChg>
+        <pc:spChg chg="mod">
+          <ac:chgData name="Alexander von Lühmann" userId="4ffc4e2d339b4992" providerId="LiveId" clId="{3BC9F152-53BB-479D-A1F7-AF091793EADB}" dt="2024-05-06T13:47:10.397" v="169" actId="1076"/>
+          <ac:spMkLst>
+            <pc:docMk/>
+            <pc:sldMk cId="4282935522" sldId="259"/>
+            <ac:spMk id="57" creationId="{A4A94965-27FF-DF2D-08A5-914B09A185DC}"/>
+          </ac:spMkLst>
+        </pc:spChg>
+        <pc:spChg chg="mod">
+          <ac:chgData name="Alexander von Lühmann" userId="4ffc4e2d339b4992" providerId="LiveId" clId="{3BC9F152-53BB-479D-A1F7-AF091793EADB}" dt="2024-05-06T13:47:02.974" v="168" actId="1076"/>
+          <ac:spMkLst>
+            <pc:docMk/>
+            <pc:sldMk cId="4282935522" sldId="259"/>
+            <ac:spMk id="65" creationId="{EE893595-5901-F433-1625-C9830E083E48}"/>
+          </ac:spMkLst>
+        </pc:spChg>
+        <pc:spChg chg="mod">
+          <ac:chgData name="Alexander von Lühmann" userId="4ffc4e2d339b4992" providerId="LiveId" clId="{3BC9F152-53BB-479D-A1F7-AF091793EADB}" dt="2024-05-06T13:47:20.053" v="171" actId="1076"/>
+          <ac:spMkLst>
+            <pc:docMk/>
+            <pc:sldMk cId="4282935522" sldId="259"/>
+            <ac:spMk id="69" creationId="{17ADBA87-D364-2288-C1EE-B5CF0E836332}"/>
+          </ac:spMkLst>
+        </pc:spChg>
+        <pc:spChg chg="mod">
+          <ac:chgData name="Alexander von Lühmann" userId="4ffc4e2d339b4992" providerId="LiveId" clId="{3BC9F152-53BB-479D-A1F7-AF091793EADB}" dt="2024-05-06T13:47:31.716" v="172" actId="1076"/>
+          <ac:spMkLst>
+            <pc:docMk/>
+            <pc:sldMk cId="4282935522" sldId="259"/>
+            <ac:spMk id="70" creationId="{B3E99D51-CEDB-94C7-466F-78F1FBB3BF47}"/>
+          </ac:spMkLst>
+        </pc:spChg>
+        <pc:spChg chg="del mod ord">
+          <ac:chgData name="Alexander von Lühmann" userId="4ffc4e2d339b4992" providerId="LiveId" clId="{3BC9F152-53BB-479D-A1F7-AF091793EADB}" dt="2024-05-06T13:56:52.708" v="348" actId="478"/>
+          <ac:spMkLst>
+            <pc:docMk/>
+            <pc:sldMk cId="4282935522" sldId="259"/>
+            <ac:spMk id="96" creationId="{9EA1F853-98C3-8221-1AA7-E0FAA020B075}"/>
+          </ac:spMkLst>
+        </pc:spChg>
+        <pc:spChg chg="mod">
+          <ac:chgData name="Alexander von Lühmann" userId="4ffc4e2d339b4992" providerId="LiveId" clId="{3BC9F152-53BB-479D-A1F7-AF091793EADB}" dt="2024-05-06T13:42:47.173" v="69" actId="20577"/>
+          <ac:spMkLst>
+            <pc:docMk/>
+            <pc:sldMk cId="4282935522" sldId="259"/>
+            <ac:spMk id="147" creationId="{9440D520-25CA-183A-69AE-9BE17CFB0214}"/>
+          </ac:spMkLst>
+        </pc:spChg>
+        <pc:spChg chg="mod ord">
+          <ac:chgData name="Alexander von Lühmann" userId="4ffc4e2d339b4992" providerId="LiveId" clId="{3BC9F152-53BB-479D-A1F7-AF091793EADB}" dt="2024-05-06T13:50:29.060" v="265" actId="1076"/>
+          <ac:spMkLst>
+            <pc:docMk/>
+            <pc:sldMk cId="4282935522" sldId="259"/>
+            <ac:spMk id="155" creationId="{63C8BD21-C31E-CDA5-44CE-E0289367F2B0}"/>
+          </ac:spMkLst>
+        </pc:spChg>
+        <pc:spChg chg="add del mod">
+          <ac:chgData name="Alexander von Lühmann" userId="4ffc4e2d339b4992" providerId="LiveId" clId="{3BC9F152-53BB-479D-A1F7-AF091793EADB}" dt="2024-05-06T13:47:55.464" v="177" actId="21"/>
+          <ac:spMkLst>
+            <pc:docMk/>
+            <pc:sldMk cId="4282935522" sldId="259"/>
+            <ac:spMk id="156" creationId="{CD9E5C90-3B46-228B-04CD-221CD73ADD7B}"/>
+          </ac:spMkLst>
+        </pc:spChg>
+        <pc:spChg chg="add del mod">
+          <ac:chgData name="Alexander von Lühmann" userId="4ffc4e2d339b4992" providerId="LiveId" clId="{3BC9F152-53BB-479D-A1F7-AF091793EADB}" dt="2024-05-06T13:50:00.613" v="264" actId="478"/>
+          <ac:spMkLst>
+            <pc:docMk/>
+            <pc:sldMk cId="4282935522" sldId="259"/>
+            <ac:spMk id="157" creationId="{CD9E5C90-3B46-228B-04CD-221CD73ADD7B}"/>
+          </ac:spMkLst>
+        </pc:spChg>
+        <pc:spChg chg="add mod">
+          <ac:chgData name="Alexander von Lühmann" userId="4ffc4e2d339b4992" providerId="LiveId" clId="{3BC9F152-53BB-479D-A1F7-AF091793EADB}" dt="2024-05-06T14:18:04.607" v="533" actId="1038"/>
+          <ac:spMkLst>
+            <pc:docMk/>
+            <pc:sldMk cId="4282935522" sldId="259"/>
+            <ac:spMk id="158" creationId="{D6DEC4F2-CC94-8149-AB0B-88EC00108FCD}"/>
+          </ac:spMkLst>
+        </pc:spChg>
+        <pc:spChg chg="mod">
+          <ac:chgData name="Alexander von Lühmann" userId="4ffc4e2d339b4992" providerId="LiveId" clId="{3BC9F152-53BB-479D-A1F7-AF091793EADB}" dt="2024-05-06T13:46:33.013" v="149" actId="1076"/>
+          <ac:spMkLst>
+            <pc:docMk/>
+            <pc:sldMk cId="4282935522" sldId="259"/>
+            <ac:spMk id="160" creationId="{B72F0A8D-E395-7104-0051-3366422F1A86}"/>
+          </ac:spMkLst>
+        </pc:spChg>
+        <pc:spChg chg="mod">
+          <ac:chgData name="Alexander von Lühmann" userId="4ffc4e2d339b4992" providerId="LiveId" clId="{3BC9F152-53BB-479D-A1F7-AF091793EADB}" dt="2024-05-06T13:46:39.954" v="162" actId="1038"/>
+          <ac:spMkLst>
+            <pc:docMk/>
+            <pc:sldMk cId="4282935522" sldId="259"/>
+            <ac:spMk id="161" creationId="{159AFED0-3591-C2CF-0E74-C4B6840CD49C}"/>
+          </ac:spMkLst>
+        </pc:spChg>
+        <pc:spChg chg="add mod">
+          <ac:chgData name="Alexander von Lühmann" userId="4ffc4e2d339b4992" providerId="LiveId" clId="{3BC9F152-53BB-479D-A1F7-AF091793EADB}" dt="2024-05-06T13:56:58.621" v="349" actId="1076"/>
+          <ac:spMkLst>
+            <pc:docMk/>
+            <pc:sldMk cId="4282935522" sldId="259"/>
+            <ac:spMk id="169" creationId="{684BB657-3C07-DC5E-ADFC-4ACDF5415111}"/>
+          </ac:spMkLst>
+        </pc:spChg>
+        <pc:picChg chg="del">
+          <ac:chgData name="Alexander von Lühmann" userId="4ffc4e2d339b4992" providerId="LiveId" clId="{3BC9F152-53BB-479D-A1F7-AF091793EADB}" dt="2024-05-06T13:39:36.509" v="6" actId="478"/>
+          <ac:picMkLst>
+            <pc:docMk/>
+            <pc:sldMk cId="4282935522" sldId="259"/>
+            <ac:picMk id="12" creationId="{78717855-F967-D4D3-6C6B-21F53D9BE4F3}"/>
+          </ac:picMkLst>
+        </pc:picChg>
+        <pc:picChg chg="add mod ord">
+          <ac:chgData name="Alexander von Lühmann" userId="4ffc4e2d339b4992" providerId="LiveId" clId="{3BC9F152-53BB-479D-A1F7-AF091793EADB}" dt="2024-05-06T13:40:21.110" v="17" actId="688"/>
+          <ac:picMkLst>
+            <pc:docMk/>
+            <pc:sldMk cId="4282935522" sldId="259"/>
+            <ac:picMk id="107" creationId="{B9554B4E-82F3-1A4B-F18B-DB1CEFC411CA}"/>
+          </ac:picMkLst>
+        </pc:picChg>
+        <pc:picChg chg="ord">
+          <ac:chgData name="Alexander von Lühmann" userId="4ffc4e2d339b4992" providerId="LiveId" clId="{3BC9F152-53BB-479D-A1F7-AF091793EADB}" dt="2024-05-06T13:39:45.461" v="10" actId="167"/>
+          <ac:picMkLst>
+            <pc:docMk/>
+            <pc:sldMk cId="4282935522" sldId="259"/>
+            <ac:picMk id="120" creationId="{0614BBE9-90F4-E040-3003-CA63D3C0E24F}"/>
+          </ac:picMkLst>
+        </pc:picChg>
+        <pc:cxnChg chg="add mod">
+          <ac:chgData name="Alexander von Lühmann" userId="4ffc4e2d339b4992" providerId="LiveId" clId="{3BC9F152-53BB-479D-A1F7-AF091793EADB}" dt="2024-05-06T13:43:54.470" v="125" actId="1038"/>
+          <ac:cxnSpMkLst>
+            <pc:docMk/>
+            <pc:sldMk cId="4282935522" sldId="259"/>
+            <ac:cxnSpMk id="114" creationId="{A9527715-D8E1-AEEA-BFED-150FD19CC545}"/>
+          </ac:cxnSpMkLst>
+        </pc:cxnChg>
+        <pc:cxnChg chg="mod">
+          <ac:chgData name="Alexander von Lühmann" userId="4ffc4e2d339b4992" providerId="LiveId" clId="{3BC9F152-53BB-479D-A1F7-AF091793EADB}" dt="2024-05-06T13:42:28.894" v="65" actId="14100"/>
+          <ac:cxnSpMkLst>
+            <pc:docMk/>
+            <pc:sldMk cId="4282935522" sldId="259"/>
+            <ac:cxnSpMk id="200" creationId="{173DA857-1EA3-92FD-FAAD-F6270EF2E170}"/>
+          </ac:cxnSpMkLst>
+        </pc:cxnChg>
+        <pc:cxnChg chg="mod">
+          <ac:chgData name="Alexander von Lühmann" userId="4ffc4e2d339b4992" providerId="LiveId" clId="{3BC9F152-53BB-479D-A1F7-AF091793EADB}" dt="2024-05-06T13:44:22.268" v="129" actId="14100"/>
+          <ac:cxnSpMkLst>
+            <pc:docMk/>
+            <pc:sldMk cId="4282935522" sldId="259"/>
+            <ac:cxnSpMk id="203" creationId="{3D4F3B9B-811B-6C83-DFB9-892935601999}"/>
+          </ac:cxnSpMkLst>
+        </pc:cxnChg>
+        <pc:cxnChg chg="del mod">
+          <ac:chgData name="Alexander von Lühmann" userId="4ffc4e2d339b4992" providerId="LiveId" clId="{3BC9F152-53BB-479D-A1F7-AF091793EADB}" dt="2024-05-06T13:43:40.357" v="111" actId="478"/>
+          <ac:cxnSpMkLst>
+            <pc:docMk/>
+            <pc:sldMk cId="4282935522" sldId="259"/>
+            <ac:cxnSpMk id="209" creationId="{F6AFF022-C199-AE9C-6E8D-763554201520}"/>
+          </ac:cxnSpMkLst>
+        </pc:cxnChg>
+        <pc:cxnChg chg="del">
+          <ac:chgData name="Alexander von Lühmann" userId="4ffc4e2d339b4992" providerId="LiveId" clId="{3BC9F152-53BB-479D-A1F7-AF091793EADB}" dt="2024-05-06T13:42:19.276" v="63" actId="478"/>
+          <ac:cxnSpMkLst>
+            <pc:docMk/>
+            <pc:sldMk cId="4282935522" sldId="259"/>
+            <ac:cxnSpMk id="211" creationId="{4734A628-5356-3809-8B66-728534C71ED2}"/>
+          </ac:cxnSpMkLst>
+        </pc:cxnChg>
+        <pc:cxnChg chg="mod">
+          <ac:chgData name="Alexander von Lühmann" userId="4ffc4e2d339b4992" providerId="LiveId" clId="{3BC9F152-53BB-479D-A1F7-AF091793EADB}" dt="2024-05-06T13:44:25.373" v="130" actId="14100"/>
+          <ac:cxnSpMkLst>
+            <pc:docMk/>
+            <pc:sldMk cId="4282935522" sldId="259"/>
+            <ac:cxnSpMk id="226" creationId="{E763BB71-E9F8-40E5-A867-C408ADEEA9C8}"/>
+          </ac:cxnSpMkLst>
+        </pc:cxnChg>
+      </pc:sldChg>
+      <pc:sldChg chg="addSp delSp modSp mod">
+        <pc:chgData name="Alexander von Lühmann" userId="4ffc4e2d339b4992" providerId="LiveId" clId="{3BC9F152-53BB-479D-A1F7-AF091793EADB}" dt="2024-05-06T14:23:57.285" v="574" actId="1035"/>
+        <pc:sldMkLst>
+          <pc:docMk/>
+          <pc:sldMk cId="3313870647" sldId="260"/>
+        </pc:sldMkLst>
+        <pc:spChg chg="mod">
+          <ac:chgData name="Alexander von Lühmann" userId="4ffc4e2d339b4992" providerId="LiveId" clId="{3BC9F152-53BB-479D-A1F7-AF091793EADB}" dt="2024-05-06T14:15:23.204" v="470" actId="1076"/>
+          <ac:spMkLst>
+            <pc:docMk/>
+            <pc:sldMk cId="3313870647" sldId="260"/>
+            <ac:spMk id="8" creationId="{4B542639-52F1-736C-0954-272B318FAB2A}"/>
+          </ac:spMkLst>
+        </pc:spChg>
+        <pc:spChg chg="mod">
+          <ac:chgData name="Alexander von Lühmann" userId="4ffc4e2d339b4992" providerId="LiveId" clId="{3BC9F152-53BB-479D-A1F7-AF091793EADB}" dt="2024-05-06T14:23:57.285" v="574" actId="1035"/>
+          <ac:spMkLst>
+            <pc:docMk/>
+            <pc:sldMk cId="3313870647" sldId="260"/>
+            <ac:spMk id="25" creationId="{74F3BE48-33A6-0AB8-B12E-EE78D949896D}"/>
+          </ac:spMkLst>
+        </pc:spChg>
+        <pc:spChg chg="mod">
+          <ac:chgData name="Alexander von Lühmann" userId="4ffc4e2d339b4992" providerId="LiveId" clId="{3BC9F152-53BB-479D-A1F7-AF091793EADB}" dt="2024-05-06T14:10:24.084" v="356" actId="6549"/>
+          <ac:spMkLst>
+            <pc:docMk/>
+            <pc:sldMk cId="3313870647" sldId="260"/>
+            <ac:spMk id="40" creationId="{91105966-61F9-0A6F-A712-49C428C34F4C}"/>
+          </ac:spMkLst>
+        </pc:spChg>
+        <pc:spChg chg="mod">
+          <ac:chgData name="Alexander von Lühmann" userId="4ffc4e2d339b4992" providerId="LiveId" clId="{3BC9F152-53BB-479D-A1F7-AF091793EADB}" dt="2024-05-06T14:14:04.260" v="360" actId="20577"/>
+          <ac:spMkLst>
+            <pc:docMk/>
+            <pc:sldMk cId="3313870647" sldId="260"/>
+            <ac:spMk id="48" creationId="{97F14D53-8A11-268D-B7A0-A934EFB77634}"/>
+          </ac:spMkLst>
+        </pc:spChg>
+        <pc:spChg chg="mod">
+          <ac:chgData name="Alexander von Lühmann" userId="4ffc4e2d339b4992" providerId="LiveId" clId="{3BC9F152-53BB-479D-A1F7-AF091793EADB}" dt="2024-05-06T14:14:44.403" v="395" actId="20577"/>
+          <ac:spMkLst>
+            <pc:docMk/>
+            <pc:sldMk cId="3313870647" sldId="260"/>
+            <ac:spMk id="294" creationId="{DB92716C-B914-91D1-A38F-5C7FD767EB95}"/>
+          </ac:spMkLst>
+        </pc:spChg>
+        <pc:spChg chg="mod">
+          <ac:chgData name="Alexander von Lühmann" userId="4ffc4e2d339b4992" providerId="LiveId" clId="{3BC9F152-53BB-479D-A1F7-AF091793EADB}" dt="2024-05-06T14:17:47.590" v="509" actId="1036"/>
+          <ac:spMkLst>
+            <pc:docMk/>
+            <pc:sldMk cId="3313870647" sldId="260"/>
+            <ac:spMk id="295" creationId="{382AAC5C-E00A-12B6-783E-814999929D9C}"/>
+          </ac:spMkLst>
+        </pc:spChg>
+        <pc:spChg chg="mod">
+          <ac:chgData name="Alexander von Lühmann" userId="4ffc4e2d339b4992" providerId="LiveId" clId="{3BC9F152-53BB-479D-A1F7-AF091793EADB}" dt="2024-05-06T14:17:41.414" v="501" actId="6549"/>
+          <ac:spMkLst>
+            <pc:docMk/>
+            <pc:sldMk cId="3313870647" sldId="260"/>
+            <ac:spMk id="296" creationId="{ADDA7C7C-5D34-C2CF-310F-0E434FB31C5A}"/>
+          </ac:spMkLst>
+        </pc:spChg>
+        <pc:spChg chg="mod">
+          <ac:chgData name="Alexander von Lühmann" userId="4ffc4e2d339b4992" providerId="LiveId" clId="{3BC9F152-53BB-479D-A1F7-AF091793EADB}" dt="2024-05-06T14:15:25.867" v="471" actId="1076"/>
+          <ac:spMkLst>
+            <pc:docMk/>
+            <pc:sldMk cId="3313870647" sldId="260"/>
+            <ac:spMk id="297" creationId="{AF3C600F-97C1-E7AD-0F4F-40CEA0745941}"/>
+          </ac:spMkLst>
+        </pc:spChg>
+        <pc:spChg chg="mod">
+          <ac:chgData name="Alexander von Lühmann" userId="4ffc4e2d339b4992" providerId="LiveId" clId="{3BC9F152-53BB-479D-A1F7-AF091793EADB}" dt="2024-05-06T14:16:26.637" v="496" actId="6549"/>
+          <ac:spMkLst>
+            <pc:docMk/>
+            <pc:sldMk cId="3313870647" sldId="260"/>
+            <ac:spMk id="298" creationId="{02C221F3-41F3-02BA-D95D-E2CD90A4AF41}"/>
+          </ac:spMkLst>
+        </pc:spChg>
+        <pc:spChg chg="mod">
+          <ac:chgData name="Alexander von Lühmann" userId="4ffc4e2d339b4992" providerId="LiveId" clId="{3BC9F152-53BB-479D-A1F7-AF091793EADB}" dt="2024-05-06T14:19:32.147" v="537" actId="20577"/>
+          <ac:spMkLst>
+            <pc:docMk/>
+            <pc:sldMk cId="3313870647" sldId="260"/>
+            <ac:spMk id="350" creationId="{C6ECBE59-FA27-E1D4-6665-714F369A91F5}"/>
+          </ac:spMkLst>
+        </pc:spChg>
+        <pc:picChg chg="mod">
+          <ac:chgData name="Alexander von Lühmann" userId="4ffc4e2d339b4992" providerId="LiveId" clId="{3BC9F152-53BB-479D-A1F7-AF091793EADB}" dt="2024-05-06T14:15:19.749" v="469" actId="1076"/>
+          <ac:picMkLst>
+            <pc:docMk/>
+            <pc:sldMk cId="3313870647" sldId="260"/>
+            <ac:picMk id="220" creationId="{1EA9F2A3-E53E-BBA3-7A1C-44ECFBB79701}"/>
+          </ac:picMkLst>
+        </pc:picChg>
+        <pc:cxnChg chg="add mod">
+          <ac:chgData name="Alexander von Lühmann" userId="4ffc4e2d339b4992" providerId="LiveId" clId="{3BC9F152-53BB-479D-A1F7-AF091793EADB}" dt="2024-05-06T14:15:54.835" v="494" actId="14100"/>
+          <ac:cxnSpMkLst>
+            <pc:docMk/>
+            <pc:sldMk cId="3313870647" sldId="260"/>
+            <ac:cxnSpMk id="2" creationId="{F6851396-68FD-DDCE-C186-16AE5A723018}"/>
+          </ac:cxnSpMkLst>
+        </pc:cxnChg>
+        <pc:cxnChg chg="add mod">
+          <ac:chgData name="Alexander von Lühmann" userId="4ffc4e2d339b4992" providerId="LiveId" clId="{3BC9F152-53BB-479D-A1F7-AF091793EADB}" dt="2024-05-06T14:16:45.851" v="500" actId="14100"/>
+          <ac:cxnSpMkLst>
+            <pc:docMk/>
+            <pc:sldMk cId="3313870647" sldId="260"/>
+            <ac:cxnSpMk id="6" creationId="{D51B270B-DCC2-CFA4-DD55-AD1EB8F9F083}"/>
+          </ac:cxnSpMkLst>
+        </pc:cxnChg>
+        <pc:cxnChg chg="del">
+          <ac:chgData name="Alexander von Lühmann" userId="4ffc4e2d339b4992" providerId="LiveId" clId="{3BC9F152-53BB-479D-A1F7-AF091793EADB}" dt="2024-05-06T14:16:28.138" v="497" actId="478"/>
+          <ac:cxnSpMkLst>
+            <pc:docMk/>
+            <pc:sldMk cId="3313870647" sldId="260"/>
+            <ac:cxnSpMk id="341" creationId="{A445EE3F-3E61-A8FE-5198-CAD4ADAC86EB}"/>
+          </ac:cxnSpMkLst>
+        </pc:cxnChg>
+      </pc:sldChg>
+    </pc:docChg>
+  </pc:docChgLst>
   <pc:docChgLst>
     <pc:chgData name="Alexander von Lühmann" userId="4ffc4e2d339b4992" providerId="LiveId" clId="{7619ECA8-B982-4109-BE04-6E3A8004BC22}"/>
     <pc:docChg chg="undo redo custSel addSld modSld modMainMaster">
@@ -8473,7 +8848,7 @@
           <a:p>
             <a:fld id="{DF0C278D-5913-4C77-BD7B-900D67D0FD7D}" type="datetimeFigureOut">
               <a:rPr lang="de-DE" smtClean="0"/>
-              <a:t>08.03.2024</a:t>
+              <a:t>06.05.2024</a:t>
             </a:fld>
             <a:endParaRPr lang="de-DE"/>
           </a:p>
@@ -9064,7 +9439,7 @@
           <a:p>
             <a:fld id="{9DD75875-2B1D-47EB-BBAD-BDAD7646A0A4}" type="datetimeFigureOut">
               <a:rPr lang="de-DE" smtClean="0"/>
-              <a:t>08.03.2024</a:t>
+              <a:t>06.05.2024</a:t>
             </a:fld>
             <a:endParaRPr lang="de-DE"/>
           </a:p>
@@ -9234,7 +9609,7 @@
           <a:p>
             <a:fld id="{9DD75875-2B1D-47EB-BBAD-BDAD7646A0A4}" type="datetimeFigureOut">
               <a:rPr lang="de-DE" smtClean="0"/>
-              <a:t>08.03.2024</a:t>
+              <a:t>06.05.2024</a:t>
             </a:fld>
             <a:endParaRPr lang="de-DE"/>
           </a:p>
@@ -9414,7 +9789,7 @@
           <a:p>
             <a:fld id="{9DD75875-2B1D-47EB-BBAD-BDAD7646A0A4}" type="datetimeFigureOut">
               <a:rPr lang="de-DE" smtClean="0"/>
-              <a:t>08.03.2024</a:t>
+              <a:t>06.05.2024</a:t>
             </a:fld>
             <a:endParaRPr lang="de-DE"/>
           </a:p>
@@ -9584,7 +9959,7 @@
           <a:p>
             <a:fld id="{9DD75875-2B1D-47EB-BBAD-BDAD7646A0A4}" type="datetimeFigureOut">
               <a:rPr lang="de-DE" smtClean="0"/>
-              <a:t>08.03.2024</a:t>
+              <a:t>06.05.2024</a:t>
             </a:fld>
             <a:endParaRPr lang="de-DE"/>
           </a:p>
@@ -9830,7 +10205,7 @@
           <a:p>
             <a:fld id="{9DD75875-2B1D-47EB-BBAD-BDAD7646A0A4}" type="datetimeFigureOut">
               <a:rPr lang="de-DE" smtClean="0"/>
-              <a:t>08.03.2024</a:t>
+              <a:t>06.05.2024</a:t>
             </a:fld>
             <a:endParaRPr lang="de-DE"/>
           </a:p>
@@ -10062,7 +10437,7 @@
           <a:p>
             <a:fld id="{9DD75875-2B1D-47EB-BBAD-BDAD7646A0A4}" type="datetimeFigureOut">
               <a:rPr lang="de-DE" smtClean="0"/>
-              <a:t>08.03.2024</a:t>
+              <a:t>06.05.2024</a:t>
             </a:fld>
             <a:endParaRPr lang="de-DE"/>
           </a:p>
@@ -10429,7 +10804,7 @@
           <a:p>
             <a:fld id="{9DD75875-2B1D-47EB-BBAD-BDAD7646A0A4}" type="datetimeFigureOut">
               <a:rPr lang="de-DE" smtClean="0"/>
-              <a:t>08.03.2024</a:t>
+              <a:t>06.05.2024</a:t>
             </a:fld>
             <a:endParaRPr lang="de-DE"/>
           </a:p>
@@ -10547,7 +10922,7 @@
           <a:p>
             <a:fld id="{9DD75875-2B1D-47EB-BBAD-BDAD7646A0A4}" type="datetimeFigureOut">
               <a:rPr lang="de-DE" smtClean="0"/>
-              <a:t>08.03.2024</a:t>
+              <a:t>06.05.2024</a:t>
             </a:fld>
             <a:endParaRPr lang="de-DE"/>
           </a:p>
@@ -10642,7 +11017,7 @@
           <a:p>
             <a:fld id="{9DD75875-2B1D-47EB-BBAD-BDAD7646A0A4}" type="datetimeFigureOut">
               <a:rPr lang="de-DE" smtClean="0"/>
-              <a:t>08.03.2024</a:t>
+              <a:t>06.05.2024</a:t>
             </a:fld>
             <a:endParaRPr lang="de-DE"/>
           </a:p>
@@ -10919,7 +11294,7 @@
           <a:p>
             <a:fld id="{9DD75875-2B1D-47EB-BBAD-BDAD7646A0A4}" type="datetimeFigureOut">
               <a:rPr lang="de-DE" smtClean="0"/>
-              <a:t>08.03.2024</a:t>
+              <a:t>06.05.2024</a:t>
             </a:fld>
             <a:endParaRPr lang="de-DE"/>
           </a:p>
@@ -11176,7 +11551,7 @@
           <a:p>
             <a:fld id="{9DD75875-2B1D-47EB-BBAD-BDAD7646A0A4}" type="datetimeFigureOut">
               <a:rPr lang="de-DE" smtClean="0"/>
-              <a:t>08.03.2024</a:t>
+              <a:t>06.05.2024</a:t>
             </a:fld>
             <a:endParaRPr lang="de-DE"/>
           </a:p>
@@ -11389,7 +11764,7 @@
           <a:p>
             <a:fld id="{9DD75875-2B1D-47EB-BBAD-BDAD7646A0A4}" type="datetimeFigureOut">
               <a:rPr lang="de-DE" smtClean="0"/>
-              <a:t>08.03.2024</a:t>
+              <a:t>06.05.2024</a:t>
             </a:fld>
             <a:endParaRPr lang="de-DE"/>
           </a:p>
@@ -11830,6 +12205,36 @@
           </a:prstGeom>
         </p:spPr>
       </p:pic>
+      <p:pic>
+        <p:nvPicPr>
+          <p:cNvPr id="107" name="Picture 106">
+            <a:extLst>
+              <a:ext uri="{FF2B5EF4-FFF2-40B4-BE49-F238E27FC236}">
+                <a16:creationId xmlns:a16="http://schemas.microsoft.com/office/drawing/2014/main" id="{B9554B4E-82F3-1A4B-F18B-DB1CEFC411CA}"/>
+              </a:ext>
+            </a:extLst>
+          </p:cNvPr>
+          <p:cNvPicPr>
+            <a:picLocks noChangeAspect="1"/>
+          </p:cNvPicPr>
+          <p:nvPr/>
+        </p:nvPicPr>
+        <p:blipFill>
+          <a:blip r:embed="rId4"/>
+          <a:stretch>
+            <a:fillRect/>
+          </a:stretch>
+        </p:blipFill>
+        <p:spPr>
+          <a:xfrm rot="19867121">
+            <a:off x="7219161" y="823325"/>
+            <a:ext cx="2957487" cy="2957487"/>
+          </a:xfrm>
+          <a:prstGeom prst="rect">
+            <a:avLst/>
+          </a:prstGeom>
+        </p:spPr>
+      </p:pic>
       <p:cxnSp>
         <p:nvCxnSpPr>
           <p:cNvPr id="8" name="Straight Arrow Connector 7">
@@ -16319,36 +16724,6 @@
           </a:p>
         </p:txBody>
       </p:sp>
-      <p:pic>
-        <p:nvPicPr>
-          <p:cNvPr id="12" name="Picture 11">
-            <a:extLst>
-              <a:ext uri="{FF2B5EF4-FFF2-40B4-BE49-F238E27FC236}">
-                <a16:creationId xmlns:a16="http://schemas.microsoft.com/office/drawing/2014/main" id="{78717855-F967-D4D3-6C6B-21F53D9BE4F3}"/>
-              </a:ext>
-            </a:extLst>
-          </p:cNvPr>
-          <p:cNvPicPr>
-            <a:picLocks noChangeAspect="1"/>
-          </p:cNvPicPr>
-          <p:nvPr/>
-        </p:nvPicPr>
-        <p:blipFill>
-          <a:blip r:embed="rId4"/>
-          <a:stretch>
-            <a:fillRect/>
-          </a:stretch>
-        </p:blipFill>
-        <p:spPr>
-          <a:xfrm rot="19935339">
-            <a:off x="7206979" y="815399"/>
-            <a:ext cx="2969168" cy="2971907"/>
-          </a:xfrm>
-          <a:prstGeom prst="rect">
-            <a:avLst/>
-          </a:prstGeom>
-        </p:spPr>
-      </p:pic>
       <p:grpSp>
         <p:nvGrpSpPr>
           <p:cNvPr id="16" name="Group 15">
@@ -16661,7 +17036,7 @@
         <p:spPr>
           <a:xfrm>
             <a:off x="10695212" y="1275944"/>
-            <a:ext cx="1536132" cy="2893100"/>
+            <a:ext cx="1536132" cy="2677656"/>
           </a:xfrm>
           <a:prstGeom prst="rect">
             <a:avLst/>
@@ -16738,7 +17113,7 @@
                   </a:outerShdw>
                 </a:effectLst>
               </a:rPr>
-              <a:t>NIRS Toolbox</a:t>
+              <a:t>NIRS-SPM	</a:t>
             </a:r>
           </a:p>
           <a:p>
@@ -16750,7 +17125,7 @@
                   </a:outerShdw>
                 </a:effectLst>
               </a:rPr>
-              <a:t>NIRS-SPM	</a:t>
+              <a:t>AtlasViewer	</a:t>
             </a:r>
           </a:p>
           <a:p>
@@ -16762,7 +17137,7 @@
                   </a:outerShdw>
                 </a:effectLst>
               </a:rPr>
-              <a:t>AtlasViewer	</a:t>
+              <a:t>Satori	</a:t>
             </a:r>
           </a:p>
           <a:p>
@@ -16774,19 +17149,7 @@
                   </a:outerShdw>
                 </a:effectLst>
               </a:rPr>
-              <a:t>Satori	</a:t>
-            </a:r>
-          </a:p>
-          <a:p>
-            <a:r>
-              <a:rPr lang="en-US" sz="1400" dirty="0">
-                <a:effectLst>
-                  <a:outerShdw blurRad="88900" sx="106000" sy="106000" algn="ctr" rotWithShape="0">
-                    <a:schemeClr val="bg1"/>
-                  </a:outerShdw>
-                </a:effectLst>
-              </a:rPr>
-              <a:t>RStudio</a:t>
+              <a:t>R</a:t>
             </a:r>
           </a:p>
           <a:p>
@@ -17327,10 +17690,10 @@
       </p:sp>
       <p:sp>
         <p:nvSpPr>
-          <p:cNvPr id="155" name="TextBox 154">
-            <a:extLst>
-              <a:ext uri="{FF2B5EF4-FFF2-40B4-BE49-F238E27FC236}">
-                <a16:creationId xmlns:a16="http://schemas.microsoft.com/office/drawing/2014/main" id="{63C8BD21-C31E-CDA5-44CE-E0289367F2B0}"/>
+          <p:cNvPr id="160" name="TextBox 159">
+            <a:extLst>
+              <a:ext uri="{FF2B5EF4-FFF2-40B4-BE49-F238E27FC236}">
+                <a16:creationId xmlns:a16="http://schemas.microsoft.com/office/drawing/2014/main" id="{B72F0A8D-E395-7104-0051-3366422F1A86}"/>
               </a:ext>
             </a:extLst>
           </p:cNvPr>
@@ -17339,8 +17702,8 @@
         </p:nvSpPr>
         <p:spPr>
           <a:xfrm>
-            <a:off x="8461339" y="1209992"/>
-            <a:ext cx="1010087" cy="523220"/>
+            <a:off x="8456908" y="2988402"/>
+            <a:ext cx="567784" cy="738664"/>
           </a:xfrm>
           <a:prstGeom prst="rect">
             <a:avLst/>
@@ -17356,55 +17719,6 @@
           </a:effectLst>
         </p:spPr>
         <p:txBody>
-          <a:bodyPr wrap="square" rtlCol="0">
-            <a:spAutoFit/>
-          </a:bodyPr>
-          <a:lstStyle/>
-          <a:p>
-            <a:r>
-              <a:rPr lang="en-US" sz="1400" dirty="0">
-                <a:effectLst>
-                  <a:outerShdw blurRad="88900" sx="106000" sy="106000" algn="ctr" rotWithShape="0">
-                    <a:schemeClr val="bg1"/>
-                  </a:outerShdw>
-                </a:effectLst>
-              </a:rPr>
-              <a:t>Homer3 53</a:t>
-            </a:r>
-          </a:p>
-        </p:txBody>
-      </p:sp>
-      <p:sp>
-        <p:nvSpPr>
-          <p:cNvPr id="160" name="TextBox 159">
-            <a:extLst>
-              <a:ext uri="{FF2B5EF4-FFF2-40B4-BE49-F238E27FC236}">
-                <a16:creationId xmlns:a16="http://schemas.microsoft.com/office/drawing/2014/main" id="{B72F0A8D-E395-7104-0051-3366422F1A86}"/>
-              </a:ext>
-            </a:extLst>
-          </p:cNvPr>
-          <p:cNvSpPr txBox="1"/>
-          <p:nvPr/>
-        </p:nvSpPr>
-        <p:spPr>
-          <a:xfrm>
-            <a:off x="8289750" y="3043219"/>
-            <a:ext cx="567784" cy="738664"/>
-          </a:xfrm>
-          <a:prstGeom prst="rect">
-            <a:avLst/>
-          </a:prstGeom>
-          <a:noFill/>
-          <a:effectLst>
-            <a:glow rad="63500">
-              <a:schemeClr val="accent1">
-                <a:satMod val="175000"/>
-                <a:alpha val="40000"/>
-              </a:schemeClr>
-            </a:glow>
-          </a:effectLst>
-        </p:spPr>
-        <p:txBody>
           <a:bodyPr wrap="none" rtlCol="0">
             <a:spAutoFit/>
           </a:bodyPr>
@@ -17491,7 +17805,7 @@
         </p:nvSpPr>
         <p:spPr>
           <a:xfrm>
-            <a:off x="8780620" y="3198067"/>
+            <a:off x="8932992" y="3093656"/>
             <a:ext cx="627095" cy="523220"/>
           </a:xfrm>
           <a:prstGeom prst="rect">
@@ -17796,12 +18110,12 @@
         </p:nvCxnSpPr>
         <p:spPr>
           <a:xfrm>
-            <a:off x="10159828" y="2336328"/>
-            <a:ext cx="590300" cy="354265"/>
+            <a:off x="10140052" y="2425669"/>
+            <a:ext cx="610076" cy="264924"/>
           </a:xfrm>
           <a:prstGeom prst="bentConnector3">
             <a:avLst>
-              <a:gd name="adj1" fmla="val 17729"/>
+              <a:gd name="adj1" fmla="val 22521"/>
             </a:avLst>
           </a:prstGeom>
           <a:ln>
@@ -17841,12 +18155,12 @@
         </p:nvCxnSpPr>
         <p:spPr>
           <a:xfrm>
-            <a:off x="10129425" y="2634004"/>
-            <a:ext cx="631944" cy="280860"/>
+            <a:off x="10125075" y="2686050"/>
+            <a:ext cx="636293" cy="228813"/>
           </a:xfrm>
           <a:prstGeom prst="bentConnector3">
             <a:avLst>
-              <a:gd name="adj1" fmla="val 10812"/>
+              <a:gd name="adj1" fmla="val 11454"/>
             </a:avLst>
           </a:prstGeom>
           <a:ln>
@@ -17870,96 +18184,6 @@
           </a:fontRef>
         </p:style>
       </p:cxnSp>
-      <p:cxnSp>
-        <p:nvCxnSpPr>
-          <p:cNvPr id="209" name="Connector: Elbow 208">
-            <a:extLst>
-              <a:ext uri="{FF2B5EF4-FFF2-40B4-BE49-F238E27FC236}">
-                <a16:creationId xmlns:a16="http://schemas.microsoft.com/office/drawing/2014/main" id="{F6AFF022-C199-AE9C-6E8D-763554201520}"/>
-              </a:ext>
-            </a:extLst>
-          </p:cNvPr>
-          <p:cNvCxnSpPr>
-            <a:cxnSpLocks/>
-          </p:cNvCxnSpPr>
-          <p:nvPr/>
-        </p:nvCxnSpPr>
-        <p:spPr>
-          <a:xfrm>
-            <a:off x="9880605" y="3184306"/>
-            <a:ext cx="880764" cy="153990"/>
-          </a:xfrm>
-          <a:prstGeom prst="bentConnector3">
-            <a:avLst>
-              <a:gd name="adj1" fmla="val 8184"/>
-            </a:avLst>
-          </a:prstGeom>
-          <a:ln>
-            <a:solidFill>
-              <a:srgbClr val="042433"/>
-            </a:solidFill>
-          </a:ln>
-        </p:spPr>
-        <p:style>
-          <a:lnRef idx="2">
-            <a:schemeClr val="accent1"/>
-          </a:lnRef>
-          <a:fillRef idx="0">
-            <a:schemeClr val="accent1"/>
-          </a:fillRef>
-          <a:effectRef idx="1">
-            <a:schemeClr val="accent1"/>
-          </a:effectRef>
-          <a:fontRef idx="minor">
-            <a:schemeClr val="tx1"/>
-          </a:fontRef>
-        </p:style>
-      </p:cxnSp>
-      <p:cxnSp>
-        <p:nvCxnSpPr>
-          <p:cNvPr id="211" name="Connector: Elbow 210">
-            <a:extLst>
-              <a:ext uri="{FF2B5EF4-FFF2-40B4-BE49-F238E27FC236}">
-                <a16:creationId xmlns:a16="http://schemas.microsoft.com/office/drawing/2014/main" id="{4734A628-5356-3809-8B66-728534C71ED2}"/>
-              </a:ext>
-            </a:extLst>
-          </p:cNvPr>
-          <p:cNvCxnSpPr>
-            <a:cxnSpLocks/>
-          </p:cNvCxnSpPr>
-          <p:nvPr/>
-        </p:nvCxnSpPr>
-        <p:spPr>
-          <a:xfrm>
-            <a:off x="9571769" y="3495646"/>
-            <a:ext cx="1189600" cy="64996"/>
-          </a:xfrm>
-          <a:prstGeom prst="bentConnector3">
-            <a:avLst>
-              <a:gd name="adj1" fmla="val 12101"/>
-            </a:avLst>
-          </a:prstGeom>
-          <a:ln>
-            <a:solidFill>
-              <a:srgbClr val="042433"/>
-            </a:solidFill>
-          </a:ln>
-        </p:spPr>
-        <p:style>
-          <a:lnRef idx="2">
-            <a:schemeClr val="accent1"/>
-          </a:lnRef>
-          <a:fillRef idx="0">
-            <a:schemeClr val="accent1"/>
-          </a:fillRef>
-          <a:effectRef idx="1">
-            <a:schemeClr val="accent1"/>
-          </a:effectRef>
-          <a:fontRef idx="minor">
-            <a:schemeClr val="tx1"/>
-          </a:fontRef>
-        </p:style>
-      </p:cxnSp>
       <p:sp>
         <p:nvSpPr>
           <p:cNvPr id="223" name="TextBox 222">
@@ -18018,12 +18242,12 @@
         </p:nvCxnSpPr>
         <p:spPr>
           <a:xfrm>
-            <a:off x="10044064" y="2904911"/>
-            <a:ext cx="729519" cy="221050"/>
+            <a:off x="9990137" y="2994608"/>
+            <a:ext cx="783446" cy="131353"/>
           </a:xfrm>
           <a:prstGeom prst="bentConnector3">
             <a:avLst>
-              <a:gd name="adj1" fmla="val 9960"/>
+              <a:gd name="adj1" fmla="val 18390"/>
             </a:avLst>
           </a:prstGeom>
           <a:ln>
@@ -21368,10 +21592,10 @@
       </p:grpSp>
       <p:sp>
         <p:nvSpPr>
-          <p:cNvPr id="5" name="TextBox 4">
-            <a:extLst>
-              <a:ext uri="{FF2B5EF4-FFF2-40B4-BE49-F238E27FC236}">
-                <a16:creationId xmlns:a16="http://schemas.microsoft.com/office/drawing/2014/main" id="{38E6293C-E133-AC81-8CC3-D05681C72B57}"/>
+          <p:cNvPr id="6" name="TextBox 5">
+            <a:extLst>
+              <a:ext uri="{FF2B5EF4-FFF2-40B4-BE49-F238E27FC236}">
+                <a16:creationId xmlns:a16="http://schemas.microsoft.com/office/drawing/2014/main" id="{6A249053-41E9-504E-A52A-61A1995E9131}"/>
               </a:ext>
             </a:extLst>
           </p:cNvPr>
@@ -21380,8 +21604,8 @@
         </p:nvSpPr>
         <p:spPr>
           <a:xfrm>
-            <a:off x="7276462" y="2288649"/>
-            <a:ext cx="848309" cy="523220"/>
+            <a:off x="7838757" y="3071516"/>
+            <a:ext cx="551753" cy="523220"/>
           </a:xfrm>
           <a:prstGeom prst="rect">
             <a:avLst/>
@@ -21414,12 +21638,9 @@
                   </a:outerShdw>
                 </a:effectLst>
               </a:rPr>
-              <a:t>AnalyzIR</a:t>
-            </a:r>
-          </a:p>
-          <a:p>
-            <a:pPr algn="ctr"/>
-            <a:r>
+              <a:t>MNE</a:t>
+            </a:r>
+            <a:br>
               <a:rPr lang="en-US" sz="1400" dirty="0">
                 <a:solidFill>
                   <a:schemeClr val="bg1"/>
@@ -21430,17 +21651,29 @@
                   </a:outerShdw>
                 </a:effectLst>
               </a:rPr>
-              <a:t>26</a:t>
-            </a:r>
-          </a:p>
-        </p:txBody>
-      </p:sp>
-      <p:sp>
-        <p:nvSpPr>
-          <p:cNvPr id="6" name="TextBox 5">
-            <a:extLst>
-              <a:ext uri="{FF2B5EF4-FFF2-40B4-BE49-F238E27FC236}">
-                <a16:creationId xmlns:a16="http://schemas.microsoft.com/office/drawing/2014/main" id="{6A249053-41E9-504E-A52A-61A1995E9131}"/>
+            </a:br>
+            <a:r>
+              <a:rPr lang="en-US" sz="1400" dirty="0">
+                <a:solidFill>
+                  <a:schemeClr val="bg1"/>
+                </a:solidFill>
+                <a:effectLst>
+                  <a:outerShdw blurRad="88900" sx="106000" sy="106000" algn="ctr" rotWithShape="0">
+                    <a:schemeClr val="tx1"/>
+                  </a:outerShdw>
+                </a:effectLst>
+              </a:rPr>
+              <a:t>19</a:t>
+            </a:r>
+          </a:p>
+        </p:txBody>
+      </p:sp>
+      <p:sp>
+        <p:nvSpPr>
+          <p:cNvPr id="18" name="TextBox 17">
+            <a:extLst>
+              <a:ext uri="{FF2B5EF4-FFF2-40B4-BE49-F238E27FC236}">
+                <a16:creationId xmlns:a16="http://schemas.microsoft.com/office/drawing/2014/main" id="{6CC1405D-EBAF-0B71-6D1C-D976EC4C6E27}"/>
               </a:ext>
             </a:extLst>
           </p:cNvPr>
@@ -21449,8 +21682,8 @@
         </p:nvSpPr>
         <p:spPr>
           <a:xfrm>
-            <a:off x="7713984" y="2950623"/>
-            <a:ext cx="551753" cy="523220"/>
+            <a:off x="9476228" y="3033421"/>
+            <a:ext cx="280846" cy="307777"/>
           </a:xfrm>
           <a:prstGeom prst="rect">
             <a:avLst/>
@@ -21483,42 +21716,17 @@
                   </a:outerShdw>
                 </a:effectLst>
               </a:rPr>
-              <a:t>MNE</a:t>
-            </a:r>
-            <a:br>
-              <a:rPr lang="en-US" sz="1400" dirty="0">
-                <a:solidFill>
-                  <a:schemeClr val="bg1"/>
-                </a:solidFill>
-                <a:effectLst>
-                  <a:outerShdw blurRad="88900" sx="106000" sy="106000" algn="ctr" rotWithShape="0">
-                    <a:schemeClr val="tx1"/>
-                  </a:outerShdw>
-                </a:effectLst>
-              </a:rPr>
-            </a:br>
-            <a:r>
-              <a:rPr lang="en-US" sz="1400" dirty="0">
-                <a:solidFill>
-                  <a:schemeClr val="bg1"/>
-                </a:solidFill>
-                <a:effectLst>
-                  <a:outerShdw blurRad="88900" sx="106000" sy="106000" algn="ctr" rotWithShape="0">
-                    <a:schemeClr val="tx1"/>
-                  </a:outerShdw>
-                </a:effectLst>
-              </a:rPr>
-              <a:t>19</a:t>
-            </a:r>
-          </a:p>
-        </p:txBody>
-      </p:sp>
-      <p:sp>
-        <p:nvSpPr>
-          <p:cNvPr id="18" name="TextBox 17">
-            <a:extLst>
-              <a:ext uri="{FF2B5EF4-FFF2-40B4-BE49-F238E27FC236}">
-                <a16:creationId xmlns:a16="http://schemas.microsoft.com/office/drawing/2014/main" id="{6CC1405D-EBAF-0B71-6D1C-D976EC4C6E27}"/>
+              <a:t>9</a:t>
+            </a:r>
+          </a:p>
+        </p:txBody>
+      </p:sp>
+      <p:sp>
+        <p:nvSpPr>
+          <p:cNvPr id="19" name="TextBox 18">
+            <a:extLst>
+              <a:ext uri="{FF2B5EF4-FFF2-40B4-BE49-F238E27FC236}">
+                <a16:creationId xmlns:a16="http://schemas.microsoft.com/office/drawing/2014/main" id="{11B5C7E3-F36C-5DCF-F9AF-814F1445341E}"/>
               </a:ext>
             </a:extLst>
           </p:cNvPr>
@@ -21527,7 +21735,7 @@
         </p:nvSpPr>
         <p:spPr>
           <a:xfrm>
-            <a:off x="9329394" y="3192635"/>
+            <a:off x="9681942" y="2750830"/>
             <a:ext cx="280846" cy="307777"/>
           </a:xfrm>
           <a:prstGeom prst="rect">
@@ -21568,10 +21776,10 @@
       </p:sp>
       <p:sp>
         <p:nvSpPr>
-          <p:cNvPr id="19" name="TextBox 18">
-            <a:extLst>
-              <a:ext uri="{FF2B5EF4-FFF2-40B4-BE49-F238E27FC236}">
-                <a16:creationId xmlns:a16="http://schemas.microsoft.com/office/drawing/2014/main" id="{11B5C7E3-F36C-5DCF-F9AF-814F1445341E}"/>
+          <p:cNvPr id="40" name="TextBox 39">
+            <a:extLst>
+              <a:ext uri="{FF2B5EF4-FFF2-40B4-BE49-F238E27FC236}">
+                <a16:creationId xmlns:a16="http://schemas.microsoft.com/office/drawing/2014/main" id="{7F315EE5-E02B-C2FD-0DC0-309A1F8DF248}"/>
               </a:ext>
             </a:extLst>
           </p:cNvPr>
@@ -21580,7 +21788,7 @@
         </p:nvSpPr>
         <p:spPr>
           <a:xfrm>
-            <a:off x="9579380" y="2925576"/>
+            <a:off x="9791585" y="2464720"/>
             <a:ext cx="280846" cy="307777"/>
           </a:xfrm>
           <a:prstGeom prst="rect">
@@ -21614,17 +21822,17 @@
                   </a:outerShdw>
                 </a:effectLst>
               </a:rPr>
-              <a:t>9</a:t>
-            </a:r>
-          </a:p>
-        </p:txBody>
-      </p:sp>
-      <p:sp>
-        <p:nvSpPr>
-          <p:cNvPr id="39" name="TextBox 38">
-            <a:extLst>
-              <a:ext uri="{FF2B5EF4-FFF2-40B4-BE49-F238E27FC236}">
-                <a16:creationId xmlns:a16="http://schemas.microsoft.com/office/drawing/2014/main" id="{A32BFE31-E579-1D8A-1A0A-0F4142D45147}"/>
+              <a:t>6</a:t>
+            </a:r>
+          </a:p>
+        </p:txBody>
+      </p:sp>
+      <p:sp>
+        <p:nvSpPr>
+          <p:cNvPr id="41" name="TextBox 40">
+            <a:extLst>
+              <a:ext uri="{FF2B5EF4-FFF2-40B4-BE49-F238E27FC236}">
+                <a16:creationId xmlns:a16="http://schemas.microsoft.com/office/drawing/2014/main" id="{BD773782-CE67-8CE3-99F3-4B813D46D9D3}"/>
               </a:ext>
             </a:extLst>
           </p:cNvPr>
@@ -21633,8 +21841,8 @@
         </p:nvSpPr>
         <p:spPr>
           <a:xfrm>
-            <a:off x="9746735" y="2681026"/>
-            <a:ext cx="280846" cy="307777"/>
+            <a:off x="9835476" y="2234062"/>
+            <a:ext cx="280847" cy="307777"/>
           </a:xfrm>
           <a:prstGeom prst="rect">
             <a:avLst/>
@@ -21674,10 +21882,10 @@
       </p:sp>
       <p:sp>
         <p:nvSpPr>
-          <p:cNvPr id="40" name="TextBox 39">
-            <a:extLst>
-              <a:ext uri="{FF2B5EF4-FFF2-40B4-BE49-F238E27FC236}">
-                <a16:creationId xmlns:a16="http://schemas.microsoft.com/office/drawing/2014/main" id="{7F315EE5-E02B-C2FD-0DC0-309A1F8DF248}"/>
+          <p:cNvPr id="56" name="TextBox 55">
+            <a:extLst>
+              <a:ext uri="{FF2B5EF4-FFF2-40B4-BE49-F238E27FC236}">
+                <a16:creationId xmlns:a16="http://schemas.microsoft.com/office/drawing/2014/main" id="{2871F6EE-7F5A-6148-5CF7-B8C524960739}"/>
               </a:ext>
             </a:extLst>
           </p:cNvPr>
@@ -21686,7 +21894,7 @@
         </p:nvSpPr>
         <p:spPr>
           <a:xfrm>
-            <a:off x="9860017" y="2460648"/>
+            <a:off x="9835476" y="1992518"/>
             <a:ext cx="280846" cy="307777"/>
           </a:xfrm>
           <a:prstGeom prst="rect">
@@ -21720,17 +21928,17 @@
                   </a:outerShdw>
                 </a:effectLst>
               </a:rPr>
-              <a:t>6</a:t>
-            </a:r>
-          </a:p>
-        </p:txBody>
-      </p:sp>
-      <p:sp>
-        <p:nvSpPr>
-          <p:cNvPr id="41" name="TextBox 40">
-            <a:extLst>
-              <a:ext uri="{FF2B5EF4-FFF2-40B4-BE49-F238E27FC236}">
-                <a16:creationId xmlns:a16="http://schemas.microsoft.com/office/drawing/2014/main" id="{BD773782-CE67-8CE3-99F3-4B813D46D9D3}"/>
+              <a:t>4</a:t>
+            </a:r>
+          </a:p>
+        </p:txBody>
+      </p:sp>
+      <p:sp>
+        <p:nvSpPr>
+          <p:cNvPr id="57" name="TextBox 56">
+            <a:extLst>
+              <a:ext uri="{FF2B5EF4-FFF2-40B4-BE49-F238E27FC236}">
+                <a16:creationId xmlns:a16="http://schemas.microsoft.com/office/drawing/2014/main" id="{A4A94965-27FF-DF2D-08A5-914B09A185DC}"/>
               </a:ext>
             </a:extLst>
           </p:cNvPr>
@@ -21739,7 +21947,7 @@
         </p:nvSpPr>
         <p:spPr>
           <a:xfrm>
-            <a:off x="9860017" y="2201934"/>
+            <a:off x="9806602" y="1794983"/>
             <a:ext cx="280846" cy="307777"/>
           </a:xfrm>
           <a:prstGeom prst="rect">
@@ -21780,10 +21988,10 @@
       </p:sp>
       <p:sp>
         <p:nvSpPr>
-          <p:cNvPr id="56" name="TextBox 55">
-            <a:extLst>
-              <a:ext uri="{FF2B5EF4-FFF2-40B4-BE49-F238E27FC236}">
-                <a16:creationId xmlns:a16="http://schemas.microsoft.com/office/drawing/2014/main" id="{2871F6EE-7F5A-6148-5CF7-B8C524960739}"/>
+          <p:cNvPr id="65" name="TextBox 64">
+            <a:extLst>
+              <a:ext uri="{FF2B5EF4-FFF2-40B4-BE49-F238E27FC236}">
+                <a16:creationId xmlns:a16="http://schemas.microsoft.com/office/drawing/2014/main" id="{EE893595-5901-F433-1625-C9830E083E48}"/>
               </a:ext>
             </a:extLst>
           </p:cNvPr>
@@ -21792,7 +22000,7 @@
         </p:nvSpPr>
         <p:spPr>
           <a:xfrm>
-            <a:off x="9859206" y="1988044"/>
+            <a:off x="9763488" y="1648321"/>
             <a:ext cx="280846" cy="307777"/>
           </a:xfrm>
           <a:prstGeom prst="rect">
@@ -21826,17 +22034,17 @@
                   </a:outerShdw>
                 </a:effectLst>
               </a:rPr>
-              <a:t>4</a:t>
-            </a:r>
-          </a:p>
-        </p:txBody>
-      </p:sp>
-      <p:sp>
-        <p:nvSpPr>
-          <p:cNvPr id="57" name="TextBox 56">
-            <a:extLst>
-              <a:ext uri="{FF2B5EF4-FFF2-40B4-BE49-F238E27FC236}">
-                <a16:creationId xmlns:a16="http://schemas.microsoft.com/office/drawing/2014/main" id="{A4A94965-27FF-DF2D-08A5-914B09A185DC}"/>
+              <a:t>3</a:t>
+            </a:r>
+          </a:p>
+        </p:txBody>
+      </p:sp>
+      <p:sp>
+        <p:nvSpPr>
+          <p:cNvPr id="69" name="TextBox 68">
+            <a:extLst>
+              <a:ext uri="{FF2B5EF4-FFF2-40B4-BE49-F238E27FC236}">
+                <a16:creationId xmlns:a16="http://schemas.microsoft.com/office/drawing/2014/main" id="{17ADBA87-D364-2288-C1EE-B5CF0E836332}"/>
               </a:ext>
             </a:extLst>
           </p:cNvPr>
@@ -21845,7 +22053,7 @@
         </p:nvSpPr>
         <p:spPr>
           <a:xfrm>
-            <a:off x="9830664" y="1790741"/>
+            <a:off x="9695053" y="1513145"/>
             <a:ext cx="280846" cy="307777"/>
           </a:xfrm>
           <a:prstGeom prst="rect">
@@ -21879,17 +22087,17 @@
                   </a:outerShdw>
                 </a:effectLst>
               </a:rPr>
-              <a:t>4</a:t>
-            </a:r>
-          </a:p>
-        </p:txBody>
-      </p:sp>
-      <p:sp>
-        <p:nvSpPr>
-          <p:cNvPr id="65" name="TextBox 64">
-            <a:extLst>
-              <a:ext uri="{FF2B5EF4-FFF2-40B4-BE49-F238E27FC236}">
-                <a16:creationId xmlns:a16="http://schemas.microsoft.com/office/drawing/2014/main" id="{EE893595-5901-F433-1625-C9830E083E48}"/>
+              <a:t>3</a:t>
+            </a:r>
+          </a:p>
+        </p:txBody>
+      </p:sp>
+      <p:sp>
+        <p:nvSpPr>
+          <p:cNvPr id="70" name="TextBox 69">
+            <a:extLst>
+              <a:ext uri="{FF2B5EF4-FFF2-40B4-BE49-F238E27FC236}">
+                <a16:creationId xmlns:a16="http://schemas.microsoft.com/office/drawing/2014/main" id="{B3E99D51-CEDB-94C7-466F-78F1FBB3BF47}"/>
               </a:ext>
             </a:extLst>
           </p:cNvPr>
@@ -21898,7 +22106,7 @@
         </p:nvSpPr>
         <p:spPr>
           <a:xfrm>
-            <a:off x="9808946" y="1638463"/>
+            <a:off x="9629420" y="1395079"/>
             <a:ext cx="280846" cy="307777"/>
           </a:xfrm>
           <a:prstGeom prst="rect">
@@ -21939,10 +22147,10 @@
       </p:sp>
       <p:sp>
         <p:nvSpPr>
-          <p:cNvPr id="69" name="TextBox 68">
-            <a:extLst>
-              <a:ext uri="{FF2B5EF4-FFF2-40B4-BE49-F238E27FC236}">
-                <a16:creationId xmlns:a16="http://schemas.microsoft.com/office/drawing/2014/main" id="{17ADBA87-D364-2288-C1EE-B5CF0E836332}"/>
+          <p:cNvPr id="95" name="TextBox 94">
+            <a:extLst>
+              <a:ext uri="{FF2B5EF4-FFF2-40B4-BE49-F238E27FC236}">
+                <a16:creationId xmlns:a16="http://schemas.microsoft.com/office/drawing/2014/main" id="{C0B3BEE4-CC57-F680-1A76-6EFC93007278}"/>
               </a:ext>
             </a:extLst>
           </p:cNvPr>
@@ -21951,8 +22159,8 @@
         </p:nvSpPr>
         <p:spPr>
           <a:xfrm>
-            <a:off x="9747839" y="1510743"/>
-            <a:ext cx="280846" cy="307777"/>
+            <a:off x="9688068" y="1257642"/>
+            <a:ext cx="226005" cy="307777"/>
           </a:xfrm>
           <a:prstGeom prst="rect">
             <a:avLst/>
@@ -21968,34 +22176,30 @@
           </a:effectLst>
         </p:spPr>
         <p:txBody>
-          <a:bodyPr wrap="none" rtlCol="0">
+          <a:bodyPr wrap="square" rtlCol="0">
             <a:spAutoFit/>
           </a:bodyPr>
           <a:lstStyle/>
           <a:p>
-            <a:pPr algn="ctr"/>
             <a:r>
               <a:rPr lang="en-US" sz="1400" dirty="0">
-                <a:solidFill>
-                  <a:schemeClr val="bg1"/>
-                </a:solidFill>
-                <a:effectLst>
-                  <a:outerShdw blurRad="88900" sx="106000" sy="106000" algn="ctr" rotWithShape="0">
-                    <a:schemeClr val="tx1"/>
-                  </a:outerShdw>
-                </a:effectLst>
-              </a:rPr>
-              <a:t>3</a:t>
-            </a:r>
-          </a:p>
-        </p:txBody>
-      </p:sp>
-      <p:sp>
-        <p:nvSpPr>
-          <p:cNvPr id="70" name="TextBox 69">
-            <a:extLst>
-              <a:ext uri="{FF2B5EF4-FFF2-40B4-BE49-F238E27FC236}">
-                <a16:creationId xmlns:a16="http://schemas.microsoft.com/office/drawing/2014/main" id="{B3E99D51-CEDB-94C7-466F-78F1FBB3BF47}"/>
+                <a:effectLst>
+                  <a:outerShdw blurRad="88900" sx="106000" sy="106000" algn="ctr" rotWithShape="0">
+                    <a:schemeClr val="bg1"/>
+                  </a:outerShdw>
+                </a:effectLst>
+              </a:rPr>
+              <a:t>1</a:t>
+            </a:r>
+          </a:p>
+        </p:txBody>
+      </p:sp>
+      <p:sp>
+        <p:nvSpPr>
+          <p:cNvPr id="4" name="TextBox 3">
+            <a:extLst>
+              <a:ext uri="{FF2B5EF4-FFF2-40B4-BE49-F238E27FC236}">
+                <a16:creationId xmlns:a16="http://schemas.microsoft.com/office/drawing/2014/main" id="{2D742ECB-BC87-687C-C1B0-F65376E30F29}"/>
               </a:ext>
             </a:extLst>
           </p:cNvPr>
@@ -22003,9 +22207,9 @@
           <p:nvPr/>
         </p:nvSpPr>
         <p:spPr>
-          <a:xfrm>
-            <a:off x="9655327" y="1412101"/>
-            <a:ext cx="280846" cy="307777"/>
+          <a:xfrm rot="16200000">
+            <a:off x="633107" y="5051320"/>
+            <a:ext cx="377026" cy="307777"/>
           </a:xfrm>
           <a:prstGeom prst="rect">
             <a:avLst/>
@@ -22026,29 +22230,25 @@
           </a:bodyPr>
           <a:lstStyle/>
           <a:p>
-            <a:pPr algn="ctr"/>
-            <a:r>
-              <a:rPr lang="en-US" sz="1400" dirty="0">
-                <a:solidFill>
-                  <a:schemeClr val="bg1"/>
-                </a:solidFill>
-                <a:effectLst>
-                  <a:outerShdw blurRad="88900" sx="106000" sy="106000" algn="ctr" rotWithShape="0">
-                    <a:schemeClr val="tx1"/>
-                  </a:outerShdw>
-                </a:effectLst>
-              </a:rPr>
-              <a:t>3</a:t>
-            </a:r>
-          </a:p>
-        </p:txBody>
-      </p:sp>
-      <p:sp>
-        <p:nvSpPr>
-          <p:cNvPr id="95" name="TextBox 94">
-            <a:extLst>
-              <a:ext uri="{FF2B5EF4-FFF2-40B4-BE49-F238E27FC236}">
-                <a16:creationId xmlns:a16="http://schemas.microsoft.com/office/drawing/2014/main" id="{C0B3BEE4-CC57-F680-1A76-6EFC93007278}"/>
+            <a:r>
+              <a:rPr lang="de-DE" sz="1400" dirty="0">
+                <a:effectLst>
+                  <a:outerShdw blurRad="88900" sx="106000" sy="106000" algn="ctr" rotWithShape="0">
+                    <a:schemeClr val="bg1"/>
+                  </a:outerShdw>
+                </a:effectLst>
+              </a:rPr>
+              <a:t>37</a:t>
+            </a:r>
+          </a:p>
+        </p:txBody>
+      </p:sp>
+      <p:sp>
+        <p:nvSpPr>
+          <p:cNvPr id="64" name="TextBox 63">
+            <a:extLst>
+              <a:ext uri="{FF2B5EF4-FFF2-40B4-BE49-F238E27FC236}">
+                <a16:creationId xmlns:a16="http://schemas.microsoft.com/office/drawing/2014/main" id="{8F2E0DC9-F9B1-2887-CE29-BD0C24869052}"/>
               </a:ext>
             </a:extLst>
           </p:cNvPr>
@@ -22056,9 +22256,9 @@
           <p:nvPr/>
         </p:nvSpPr>
         <p:spPr>
-          <a:xfrm>
-            <a:off x="9688068" y="1257642"/>
-            <a:ext cx="226005" cy="307777"/>
+          <a:xfrm rot="16200000">
+            <a:off x="632119" y="7125721"/>
+            <a:ext cx="377026" cy="307777"/>
           </a:xfrm>
           <a:prstGeom prst="rect">
             <a:avLst/>
@@ -22074,30 +22274,30 @@
           </a:effectLst>
         </p:spPr>
         <p:txBody>
-          <a:bodyPr wrap="square" rtlCol="0">
+          <a:bodyPr wrap="none" rtlCol="0">
             <a:spAutoFit/>
           </a:bodyPr>
           <a:lstStyle/>
           <a:p>
             <a:r>
-              <a:rPr lang="en-US" sz="1400" dirty="0">
+              <a:rPr lang="de-DE" sz="1400" dirty="0">
                 <a:effectLst>
                   <a:outerShdw blurRad="88900" sx="106000" sy="106000" algn="ctr" rotWithShape="0">
                     <a:schemeClr val="bg1"/>
                   </a:outerShdw>
                 </a:effectLst>
               </a:rPr>
-              <a:t>1</a:t>
-            </a:r>
-          </a:p>
-        </p:txBody>
-      </p:sp>
-      <p:sp>
-        <p:nvSpPr>
-          <p:cNvPr id="96" name="TextBox 95">
-            <a:extLst>
-              <a:ext uri="{FF2B5EF4-FFF2-40B4-BE49-F238E27FC236}">
-                <a16:creationId xmlns:a16="http://schemas.microsoft.com/office/drawing/2014/main" id="{9EA1F853-98C3-8221-1AA7-E0FAA020B075}"/>
+              <a:t>46</a:t>
+            </a:r>
+          </a:p>
+        </p:txBody>
+      </p:sp>
+      <p:sp>
+        <p:nvSpPr>
+          <p:cNvPr id="99" name="TextBox 98">
+            <a:extLst>
+              <a:ext uri="{FF2B5EF4-FFF2-40B4-BE49-F238E27FC236}">
+                <a16:creationId xmlns:a16="http://schemas.microsoft.com/office/drawing/2014/main" id="{AC7E108A-2AB6-D405-F605-E11D49399F2C}"/>
               </a:ext>
             </a:extLst>
           </p:cNvPr>
@@ -22105,8 +22305,177 @@
           <p:nvPr/>
         </p:nvSpPr>
         <p:spPr>
+          <a:xfrm rot="16200000">
+            <a:off x="2474691" y="7772986"/>
+            <a:ext cx="377027" cy="307777"/>
+          </a:xfrm>
+          <a:prstGeom prst="rect">
+            <a:avLst/>
+          </a:prstGeom>
+          <a:noFill/>
+        </p:spPr>
+        <p:txBody>
+          <a:bodyPr wrap="none" rtlCol="0">
+            <a:spAutoFit/>
+          </a:bodyPr>
+          <a:lstStyle/>
+          <a:p>
+            <a:pPr algn="r"/>
+            <a:r>
+              <a:rPr lang="de-DE" sz="1400" dirty="0">
+                <a:effectLst>
+                  <a:outerShdw blurRad="88900" dist="50800" dir="5400000" sx="106000" sy="106000" algn="ctr" rotWithShape="0">
+                    <a:schemeClr val="bg1"/>
+                  </a:outerShdw>
+                </a:effectLst>
+              </a:rPr>
+              <a:t>19</a:t>
+            </a:r>
+          </a:p>
+        </p:txBody>
+      </p:sp>
+      <p:sp>
+        <p:nvSpPr>
+          <p:cNvPr id="100" name="TextBox 99">
+            <a:extLst>
+              <a:ext uri="{FF2B5EF4-FFF2-40B4-BE49-F238E27FC236}">
+                <a16:creationId xmlns:a16="http://schemas.microsoft.com/office/drawing/2014/main" id="{57E6D439-F96F-473B-9FE7-BCE38513E3CC}"/>
+              </a:ext>
+            </a:extLst>
+          </p:cNvPr>
+          <p:cNvSpPr txBox="1"/>
+          <p:nvPr/>
+        </p:nvSpPr>
+        <p:spPr>
+          <a:xfrm rot="16200000">
+            <a:off x="2482264" y="5395264"/>
+            <a:ext cx="377027" cy="307777"/>
+          </a:xfrm>
+          <a:prstGeom prst="rect">
+            <a:avLst/>
+          </a:prstGeom>
+          <a:noFill/>
+        </p:spPr>
+        <p:txBody>
+          <a:bodyPr wrap="none" rtlCol="0">
+            <a:spAutoFit/>
+          </a:bodyPr>
+          <a:lstStyle/>
+          <a:p>
+            <a:pPr algn="r"/>
+            <a:r>
+              <a:rPr lang="de-DE" sz="1400" dirty="0">
+                <a:effectLst>
+                  <a:outerShdw blurRad="88900" dist="50800" dir="5400000" sx="106000" sy="106000" algn="ctr" rotWithShape="0">
+                    <a:schemeClr val="bg1"/>
+                  </a:outerShdw>
+                </a:effectLst>
+              </a:rPr>
+              <a:t>67</a:t>
+            </a:r>
+          </a:p>
+        </p:txBody>
+      </p:sp>
+      <p:sp>
+        <p:nvSpPr>
+          <p:cNvPr id="104" name="TextBox 103">
+            <a:extLst>
+              <a:ext uri="{FF2B5EF4-FFF2-40B4-BE49-F238E27FC236}">
+                <a16:creationId xmlns:a16="http://schemas.microsoft.com/office/drawing/2014/main" id="{0BFDF605-F156-8CDC-D584-8D0F396ABEBF}"/>
+              </a:ext>
+            </a:extLst>
+          </p:cNvPr>
+          <p:cNvSpPr txBox="1"/>
+          <p:nvPr/>
+        </p:nvSpPr>
+        <p:spPr>
+          <a:xfrm rot="16200000">
+            <a:off x="11649659" y="6683847"/>
+            <a:ext cx="377027" cy="307777"/>
+          </a:xfrm>
+          <a:prstGeom prst="rect">
+            <a:avLst/>
+          </a:prstGeom>
+          <a:noFill/>
+        </p:spPr>
+        <p:txBody>
+          <a:bodyPr wrap="none" rtlCol="0">
+            <a:spAutoFit/>
+          </a:bodyPr>
+          <a:lstStyle/>
+          <a:p>
+            <a:pPr algn="r"/>
+            <a:r>
+              <a:rPr lang="de-DE" sz="1400" dirty="0">
+                <a:effectLst>
+                  <a:outerShdw blurRad="88900" dist="50800" dir="5400000" sx="106000" sy="106000" algn="ctr" rotWithShape="0">
+                    <a:schemeClr val="bg1"/>
+                  </a:outerShdw>
+                </a:effectLst>
+              </a:rPr>
+              <a:t>39</a:t>
+            </a:r>
+          </a:p>
+        </p:txBody>
+      </p:sp>
+      <p:cxnSp>
+        <p:nvCxnSpPr>
+          <p:cNvPr id="114" name="Straight Connector 113">
+            <a:extLst>
+              <a:ext uri="{FF2B5EF4-FFF2-40B4-BE49-F238E27FC236}">
+                <a16:creationId xmlns:a16="http://schemas.microsoft.com/office/drawing/2014/main" id="{A9527715-D8E1-AEEA-BFED-150FD19CC545}"/>
+              </a:ext>
+            </a:extLst>
+          </p:cNvPr>
+          <p:cNvCxnSpPr>
+            <a:cxnSpLocks/>
+          </p:cNvCxnSpPr>
+          <p:nvPr/>
+        </p:nvCxnSpPr>
+        <p:spPr>
+          <a:xfrm flipV="1">
+            <a:off x="9747730" y="3319309"/>
+            <a:ext cx="954001" cy="11193"/>
+          </a:xfrm>
+          <a:prstGeom prst="line">
+            <a:avLst/>
+          </a:prstGeom>
+          <a:ln>
+            <a:solidFill>
+              <a:srgbClr val="042433"/>
+            </a:solidFill>
+          </a:ln>
+        </p:spPr>
+        <p:style>
+          <a:lnRef idx="2">
+            <a:schemeClr val="accent1"/>
+          </a:lnRef>
+          <a:fillRef idx="0">
+            <a:schemeClr val="accent1"/>
+          </a:fillRef>
+          <a:effectRef idx="1">
+            <a:schemeClr val="accent1"/>
+          </a:effectRef>
+          <a:fontRef idx="minor">
+            <a:schemeClr val="tx1"/>
+          </a:fontRef>
+        </p:style>
+      </p:cxnSp>
+      <p:sp>
+        <p:nvSpPr>
+          <p:cNvPr id="155" name="TextBox 154">
+            <a:extLst>
+              <a:ext uri="{FF2B5EF4-FFF2-40B4-BE49-F238E27FC236}">
+                <a16:creationId xmlns:a16="http://schemas.microsoft.com/office/drawing/2014/main" id="{63C8BD21-C31E-CDA5-44CE-E0289367F2B0}"/>
+              </a:ext>
+            </a:extLst>
+          </p:cNvPr>
+          <p:cNvSpPr txBox="1"/>
+          <p:nvPr/>
+        </p:nvSpPr>
+        <p:spPr>
           <a:xfrm>
-            <a:off x="7383363" y="1453510"/>
+            <a:off x="8375007" y="1038346"/>
             <a:ext cx="1010087" cy="523220"/>
           </a:xfrm>
           <a:prstGeom prst="rect">
@@ -22137,9 +22506,12 @@
                   </a:outerShdw>
                 </a:effectLst>
               </a:rPr>
-              <a:t>Matlab</a:t>
-            </a:r>
-            <a:br>
+              <a:t>Homer3</a:t>
+            </a:r>
+          </a:p>
+          <a:p>
+            <a:pPr algn="ctr"/>
+            <a:r>
               <a:rPr lang="en-US" sz="1400" dirty="0">
                 <a:effectLst>
                   <a:outerShdw blurRad="88900" sx="106000" sy="106000" algn="ctr" rotWithShape="0">
@@ -22147,26 +22519,17 @@
                   </a:outerShdw>
                 </a:effectLst>
               </a:rPr>
-            </a:br>
-            <a:r>
-              <a:rPr lang="en-US" sz="1400" dirty="0">
-                <a:effectLst>
-                  <a:outerShdw blurRad="88900" sx="106000" sy="106000" algn="ctr" rotWithShape="0">
-                    <a:schemeClr val="bg1"/>
-                  </a:outerShdw>
-                </a:effectLst>
-              </a:rPr>
-              <a:t>26</a:t>
-            </a:r>
-          </a:p>
-        </p:txBody>
-      </p:sp>
-      <p:sp>
-        <p:nvSpPr>
-          <p:cNvPr id="4" name="TextBox 3">
-            <a:extLst>
-              <a:ext uri="{FF2B5EF4-FFF2-40B4-BE49-F238E27FC236}">
-                <a16:creationId xmlns:a16="http://schemas.microsoft.com/office/drawing/2014/main" id="{2D742ECB-BC87-687C-C1B0-F65376E30F29}"/>
+              <a:t>53</a:t>
+            </a:r>
+          </a:p>
+        </p:txBody>
+      </p:sp>
+      <p:sp>
+        <p:nvSpPr>
+          <p:cNvPr id="158" name="TextBox 157">
+            <a:extLst>
+              <a:ext uri="{FF2B5EF4-FFF2-40B4-BE49-F238E27FC236}">
+                <a16:creationId xmlns:a16="http://schemas.microsoft.com/office/drawing/2014/main" id="{D6DEC4F2-CC94-8149-AB0B-88EC00108FCD}"/>
               </a:ext>
             </a:extLst>
           </p:cNvPr>
@@ -22174,9 +22537,9 @@
           <p:nvPr/>
         </p:nvSpPr>
         <p:spPr>
-          <a:xfrm rot="16200000">
-            <a:off x="633107" y="5051320"/>
-            <a:ext cx="377026" cy="307777"/>
+          <a:xfrm>
+            <a:off x="7369629" y="1443953"/>
+            <a:ext cx="1010087" cy="738664"/>
           </a:xfrm>
           <a:prstGeom prst="rect">
             <a:avLst/>
@@ -22192,30 +22555,69 @@
           </a:effectLst>
         </p:spPr>
         <p:txBody>
-          <a:bodyPr wrap="none" rtlCol="0">
+          <a:bodyPr wrap="square" rtlCol="0">
             <a:spAutoFit/>
           </a:bodyPr>
           <a:lstStyle/>
           <a:p>
-            <a:r>
-              <a:rPr lang="de-DE" sz="1400" dirty="0">
+            <a:pPr algn="ctr"/>
+            <a:r>
+              <a:rPr lang="en-US" sz="1400" dirty="0">
                 <a:effectLst>
                   <a:outerShdw blurRad="88900" sx="106000" sy="106000" algn="ctr" rotWithShape="0">
                     <a:schemeClr val="bg1"/>
                   </a:outerShdw>
                 </a:effectLst>
               </a:rPr>
-              <a:t>37</a:t>
-            </a:r>
-          </a:p>
-        </p:txBody>
-      </p:sp>
-      <p:sp>
-        <p:nvSpPr>
-          <p:cNvPr id="64" name="TextBox 63">
-            <a:extLst>
-              <a:ext uri="{FF2B5EF4-FFF2-40B4-BE49-F238E27FC236}">
-                <a16:creationId xmlns:a16="http://schemas.microsoft.com/office/drawing/2014/main" id="{8F2E0DC9-F9B1-2887-CE29-BD0C24869052}"/>
+              <a:t>NIRS Brain</a:t>
+            </a:r>
+            <a:br>
+              <a:rPr lang="en-US" sz="1400" dirty="0">
+                <a:effectLst>
+                  <a:outerShdw blurRad="88900" sx="106000" sy="106000" algn="ctr" rotWithShape="0">
+                    <a:schemeClr val="bg1"/>
+                  </a:outerShdw>
+                </a:effectLst>
+              </a:rPr>
+            </a:br>
+            <a:r>
+              <a:rPr lang="en-US" sz="1400" dirty="0">
+                <a:effectLst>
+                  <a:outerShdw blurRad="88900" sx="106000" sy="106000" algn="ctr" rotWithShape="0">
+                    <a:schemeClr val="bg1"/>
+                  </a:outerShdw>
+                </a:effectLst>
+              </a:rPr>
+              <a:t>AnalyzIR</a:t>
+            </a:r>
+            <a:br>
+              <a:rPr lang="en-US" sz="1400" dirty="0">
+                <a:effectLst>
+                  <a:outerShdw blurRad="88900" sx="106000" sy="106000" algn="ctr" rotWithShape="0">
+                    <a:schemeClr val="bg1"/>
+                  </a:outerShdw>
+                </a:effectLst>
+              </a:rPr>
+            </a:br>
+            <a:r>
+              <a:rPr lang="en-US" sz="1400" dirty="0">
+                <a:effectLst>
+                  <a:outerShdw blurRad="88900" sx="106000" sy="106000" algn="ctr" rotWithShape="0">
+                    <a:schemeClr val="bg1"/>
+                  </a:outerShdw>
+                </a:effectLst>
+              </a:rPr>
+              <a:t>30</a:t>
+            </a:r>
+          </a:p>
+        </p:txBody>
+      </p:sp>
+      <p:sp>
+        <p:nvSpPr>
+          <p:cNvPr id="169" name="TextBox 168">
+            <a:extLst>
+              <a:ext uri="{FF2B5EF4-FFF2-40B4-BE49-F238E27FC236}">
+                <a16:creationId xmlns:a16="http://schemas.microsoft.com/office/drawing/2014/main" id="{684BB657-3C07-DC5E-ADFC-4ACDF5415111}"/>
               </a:ext>
             </a:extLst>
           </p:cNvPr>
@@ -22223,9 +22625,9 @@
           <p:nvPr/>
         </p:nvSpPr>
         <p:spPr>
-          <a:xfrm rot="16200000">
-            <a:off x="632119" y="7125721"/>
-            <a:ext cx="377026" cy="307777"/>
+          <a:xfrm>
+            <a:off x="6919432" y="2284468"/>
+            <a:ext cx="1622030" cy="738664"/>
           </a:xfrm>
           <a:prstGeom prst="rect">
             <a:avLst/>
@@ -22241,147 +22643,85 @@
           </a:effectLst>
         </p:spPr>
         <p:txBody>
-          <a:bodyPr wrap="none" rtlCol="0">
+          <a:bodyPr wrap="square" rtlCol="0">
             <a:spAutoFit/>
           </a:bodyPr>
           <a:lstStyle/>
           <a:p>
+            <a:pPr algn="ctr"/>
+            <a:r>
+              <a:rPr lang="en-US" sz="1400" dirty="0">
+                <a:solidFill>
+                  <a:schemeClr val="bg1"/>
+                </a:solidFill>
+                <a:effectLst>
+                  <a:outerShdw blurRad="88900" sx="106000" sy="106000" algn="ctr" rotWithShape="0">
+                    <a:schemeClr val="tx1"/>
+                  </a:outerShdw>
+                </a:effectLst>
+              </a:rPr>
+              <a:t>Matlab </a:t>
+            </a:r>
+            <a:br>
+              <a:rPr lang="en-US" sz="1400" dirty="0">
+                <a:solidFill>
+                  <a:schemeClr val="bg1"/>
+                </a:solidFill>
+                <a:effectLst>
+                  <a:outerShdw blurRad="88900" sx="106000" sy="106000" algn="ctr" rotWithShape="0">
+                    <a:schemeClr val="tx1"/>
+                  </a:outerShdw>
+                </a:effectLst>
+              </a:rPr>
+            </a:br>
             <a:r>
               <a:rPr lang="de-DE" sz="1400" dirty="0">
-                <a:effectLst>
-                  <a:outerShdw blurRad="88900" sx="106000" sy="106000" algn="ctr" rotWithShape="0">
-                    <a:schemeClr val="bg1"/>
-                  </a:outerShdw>
-                </a:effectLst>
-              </a:rPr>
-              <a:t>46</a:t>
-            </a:r>
-          </a:p>
-        </p:txBody>
-      </p:sp>
-      <p:sp>
-        <p:nvSpPr>
-          <p:cNvPr id="99" name="TextBox 98">
-            <a:extLst>
-              <a:ext uri="{FF2B5EF4-FFF2-40B4-BE49-F238E27FC236}">
-                <a16:creationId xmlns:a16="http://schemas.microsoft.com/office/drawing/2014/main" id="{AC7E108A-2AB6-D405-F605-E11D49399F2C}"/>
-              </a:ext>
-            </a:extLst>
-          </p:cNvPr>
-          <p:cNvSpPr txBox="1"/>
-          <p:nvPr/>
-        </p:nvSpPr>
-        <p:spPr>
-          <a:xfrm rot="16200000">
-            <a:off x="2474691" y="7772986"/>
-            <a:ext cx="377027" cy="307777"/>
-          </a:xfrm>
-          <a:prstGeom prst="rect">
-            <a:avLst/>
-          </a:prstGeom>
-          <a:noFill/>
-        </p:spPr>
-        <p:txBody>
-          <a:bodyPr wrap="none" rtlCol="0">
-            <a:spAutoFit/>
-          </a:bodyPr>
-          <a:lstStyle/>
-          <a:p>
-            <a:pPr algn="r"/>
-            <a:r>
+                <a:solidFill>
+                  <a:schemeClr val="bg1"/>
+                </a:solidFill>
+                <a:effectLst>
+                  <a:outerShdw blurRad="88900" sx="106000" sy="106000" algn="ctr" rotWithShape="0">
+                    <a:schemeClr val="tx1"/>
+                  </a:outerShdw>
+                </a:effectLst>
+              </a:rPr>
+              <a:t>(custom)</a:t>
+            </a:r>
+            <a:br>
               <a:rPr lang="de-DE" sz="1400" dirty="0">
-                <a:effectLst>
-                  <a:outerShdw blurRad="88900" dist="50800" dir="5400000" sx="106000" sy="106000" algn="ctr" rotWithShape="0">
-                    <a:schemeClr val="bg1"/>
-                  </a:outerShdw>
-                </a:effectLst>
-              </a:rPr>
-              <a:t>19</a:t>
-            </a:r>
-          </a:p>
-        </p:txBody>
-      </p:sp>
-      <p:sp>
-        <p:nvSpPr>
-          <p:cNvPr id="100" name="TextBox 99">
-            <a:extLst>
-              <a:ext uri="{FF2B5EF4-FFF2-40B4-BE49-F238E27FC236}">
-                <a16:creationId xmlns:a16="http://schemas.microsoft.com/office/drawing/2014/main" id="{57E6D439-F96F-473B-9FE7-BCE38513E3CC}"/>
-              </a:ext>
-            </a:extLst>
-          </p:cNvPr>
-          <p:cNvSpPr txBox="1"/>
-          <p:nvPr/>
-        </p:nvSpPr>
-        <p:spPr>
-          <a:xfrm rot="16200000">
-            <a:off x="2482264" y="5395264"/>
-            <a:ext cx="377027" cy="307777"/>
-          </a:xfrm>
-          <a:prstGeom prst="rect">
-            <a:avLst/>
-          </a:prstGeom>
-          <a:noFill/>
-        </p:spPr>
-        <p:txBody>
-          <a:bodyPr wrap="none" rtlCol="0">
-            <a:spAutoFit/>
-          </a:bodyPr>
-          <a:lstStyle/>
-          <a:p>
-            <a:pPr algn="r"/>
+                <a:solidFill>
+                  <a:schemeClr val="bg1"/>
+                </a:solidFill>
+                <a:effectLst>
+                  <a:outerShdw blurRad="88900" sx="106000" sy="106000" algn="ctr" rotWithShape="0">
+                    <a:schemeClr val="tx1"/>
+                  </a:outerShdw>
+                </a:effectLst>
+              </a:rPr>
+            </a:br>
             <a:r>
               <a:rPr lang="de-DE" sz="1400" dirty="0">
-                <a:effectLst>
-                  <a:outerShdw blurRad="88900" dist="50800" dir="5400000" sx="106000" sy="106000" algn="ctr" rotWithShape="0">
-                    <a:schemeClr val="bg1"/>
-                  </a:outerShdw>
-                </a:effectLst>
-              </a:rPr>
-              <a:t>67</a:t>
-            </a:r>
-          </a:p>
-        </p:txBody>
-      </p:sp>
-      <p:sp>
-        <p:nvSpPr>
-          <p:cNvPr id="104" name="TextBox 103">
-            <a:extLst>
-              <a:ext uri="{FF2B5EF4-FFF2-40B4-BE49-F238E27FC236}">
-                <a16:creationId xmlns:a16="http://schemas.microsoft.com/office/drawing/2014/main" id="{0BFDF605-F156-8CDC-D584-8D0F396ABEBF}"/>
-              </a:ext>
-            </a:extLst>
-          </p:cNvPr>
-          <p:cNvSpPr txBox="1"/>
-          <p:nvPr/>
-        </p:nvSpPr>
-        <p:spPr>
-          <a:xfrm rot="16200000">
-            <a:off x="11649659" y="6683847"/>
-            <a:ext cx="377027" cy="307777"/>
-          </a:xfrm>
-          <a:prstGeom prst="rect">
-            <a:avLst/>
-          </a:prstGeom>
-          <a:noFill/>
-        </p:spPr>
-        <p:txBody>
-          <a:bodyPr wrap="none" rtlCol="0">
-            <a:spAutoFit/>
-          </a:bodyPr>
-          <a:lstStyle/>
-          <a:p>
-            <a:pPr algn="r"/>
-            <a:r>
-              <a:rPr lang="de-DE" sz="1400" dirty="0">
-                <a:effectLst>
-                  <a:outerShdw blurRad="88900" dist="50800" dir="5400000" sx="106000" sy="106000" algn="ctr" rotWithShape="0">
-                    <a:schemeClr val="bg1"/>
-                  </a:outerShdw>
-                </a:effectLst>
-              </a:rPr>
-              <a:t>39</a:t>
-            </a:r>
+                <a:solidFill>
+                  <a:schemeClr val="bg1"/>
+                </a:solidFill>
+                <a:effectLst>
+                  <a:outerShdw blurRad="88900" sx="106000" sy="106000" algn="ctr" rotWithShape="0">
+                    <a:schemeClr val="tx1"/>
+                  </a:outerShdw>
+                </a:effectLst>
+              </a:rPr>
+              <a:t>26</a:t>
+            </a:r>
+            <a:endParaRPr lang="en-US" sz="1400" b="1" dirty="0">
+              <a:solidFill>
+                <a:schemeClr val="bg1"/>
+              </a:solidFill>
+              <a:effectLst>
+                <a:outerShdw blurRad="88900" sx="106000" sy="106000" algn="ctr" rotWithShape="0">
+                  <a:schemeClr val="tx1"/>
+                </a:outerShdw>
+              </a:effectLst>
+            </a:endParaRPr>
           </a:p>
         </p:txBody>
       </p:sp>
@@ -22953,9 +23293,9 @@
         <p:grpSpPr>
           <a:xfrm>
             <a:off x="9518323" y="8269031"/>
-            <a:ext cx="1571622" cy="596213"/>
+            <a:ext cx="1571622" cy="896638"/>
             <a:chOff x="96021" y="5947719"/>
-            <a:chExt cx="1571622" cy="596213"/>
+            <a:chExt cx="1571622" cy="896638"/>
           </a:xfrm>
         </p:grpSpPr>
         <p:cxnSp>
@@ -23013,8 +23353,8 @@
           </p:nvSpPr>
           <p:spPr>
             <a:xfrm rot="600000">
-              <a:off x="96021" y="6174600"/>
-              <a:ext cx="1571622" cy="369332"/>
+              <a:off x="96021" y="6198026"/>
+              <a:ext cx="1571622" cy="646331"/>
             </a:xfrm>
             <a:prstGeom prst="rect">
               <a:avLst/>
@@ -23038,7 +23378,7 @@
                     </a:schemeClr>
                   </a:solidFill>
                 </a:rPr>
-                <a:t>p-Val</a:t>
+                <a:t>Significance Level</a:t>
               </a:r>
             </a:p>
           </p:txBody>
@@ -23592,7 +23932,7 @@
         <p:spPr>
           <a:xfrm>
             <a:off x="1589632" y="5615855"/>
-            <a:ext cx="1299266" cy="307777"/>
+            <a:ext cx="1507657" cy="307777"/>
           </a:xfrm>
           <a:prstGeom prst="rect">
             <a:avLst/>
@@ -23621,7 +23961,7 @@
                   </a:outerShdw>
                 </a:effectLst>
               </a:rPr>
-              <a:t>Mixed Effects*</a:t>
+              <a:t>Mixed Effects NN</a:t>
             </a:r>
           </a:p>
         </p:txBody>
@@ -25965,7 +26305,7 @@
         <p:spPr>
           <a:xfrm>
             <a:off x="10981744" y="2766164"/>
-            <a:ext cx="1010087" cy="523220"/>
+            <a:ext cx="1010087" cy="738664"/>
           </a:xfrm>
           <a:prstGeom prst="rect">
             <a:avLst/>
@@ -25997,6 +26337,25 @@
               </a:rPr>
               <a:t>Matlab </a:t>
             </a:r>
+            <a:br>
+              <a:rPr lang="en-US" sz="1400" dirty="0">
+                <a:effectLst>
+                  <a:outerShdw blurRad="88900" sx="106000" sy="106000" algn="ctr" rotWithShape="0">
+                    <a:schemeClr val="bg1"/>
+                  </a:outerShdw>
+                </a:effectLst>
+              </a:rPr>
+            </a:br>
+            <a:r>
+              <a:rPr lang="en-US" sz="1400" dirty="0">
+                <a:effectLst>
+                  <a:outerShdw blurRad="88900" sx="106000" sy="106000" algn="ctr" rotWithShape="0">
+                    <a:schemeClr val="bg1"/>
+                  </a:outerShdw>
+                </a:effectLst>
+              </a:rPr>
+              <a:t>(custom) </a:t>
+            </a:r>
           </a:p>
           <a:p>
             <a:pPr algn="ctr"/>
@@ -26027,7 +26386,7 @@
         </p:nvSpPr>
         <p:spPr>
           <a:xfrm>
-            <a:off x="10028899" y="1305771"/>
+            <a:off x="9981274" y="1296246"/>
             <a:ext cx="814647" cy="523220"/>
           </a:xfrm>
           <a:prstGeom prst="rect">
@@ -26105,8 +26464,8 @@
         </p:nvSpPr>
         <p:spPr>
           <a:xfrm>
-            <a:off x="10781318" y="1315289"/>
-            <a:ext cx="848309" cy="523220"/>
+            <a:off x="10542406" y="1180496"/>
+            <a:ext cx="1344774" cy="738664"/>
           </a:xfrm>
           <a:prstGeom prst="rect">
             <a:avLst/>
@@ -26122,7 +26481,7 @@
           </a:effectLst>
         </p:spPr>
         <p:txBody>
-          <a:bodyPr wrap="none" rtlCol="0">
+          <a:bodyPr wrap="square" rtlCol="0">
             <a:spAutoFit/>
           </a:bodyPr>
           <a:lstStyle/>
@@ -26139,7 +26498,7 @@
                   </a:outerShdw>
                 </a:effectLst>
               </a:rPr>
-              <a:t>AnalyzIR</a:t>
+              <a:t>NIRS Brain AnalyzIR</a:t>
             </a:r>
             <a:br>
               <a:rPr lang="en-US" sz="1400" dirty="0">
@@ -26183,8 +26542,8 @@
         </p:nvSpPr>
         <p:spPr>
           <a:xfrm>
-            <a:off x="9527361" y="1787114"/>
-            <a:ext cx="797013" cy="523220"/>
+            <a:off x="9722564" y="1705195"/>
+            <a:ext cx="377026" cy="523220"/>
           </a:xfrm>
           <a:prstGeom prst="rect">
             <a:avLst/>
@@ -26217,7 +26576,7 @@
                   </a:outerShdw>
                 </a:effectLst>
               </a:rPr>
-              <a:t>RStudio</a:t>
+              <a:t>R</a:t>
             </a:r>
             <a:br>
               <a:rPr lang="en-US" sz="1400" dirty="0">
@@ -26261,8 +26620,8 @@
         </p:nvSpPr>
         <p:spPr>
           <a:xfrm>
-            <a:off x="8073705" y="3100403"/>
-            <a:ext cx="997390" cy="954107"/>
+            <a:off x="8073705" y="2231723"/>
+            <a:ext cx="997390" cy="1815882"/>
           </a:xfrm>
           <a:prstGeom prst="rect">
             <a:avLst/>
@@ -26292,7 +26651,43 @@
                   </a:outerShdw>
                 </a:effectLst>
               </a:rPr>
-              <a:t>JASP </a:t>
+              <a:t>Python (custom)</a:t>
+            </a:r>
+          </a:p>
+          <a:p>
+            <a:pPr algn="r"/>
+            <a:endParaRPr lang="en-US" sz="1400" dirty="0">
+              <a:effectLst>
+                <a:outerShdw blurRad="88900" sx="106000" sy="106000" algn="ctr" rotWithShape="0">
+                  <a:schemeClr val="bg1"/>
+                </a:outerShdw>
+              </a:effectLst>
+            </a:endParaRPr>
+          </a:p>
+          <a:p>
+            <a:pPr algn="r"/>
+            <a:r>
+              <a:rPr lang="en-US" sz="1400" dirty="0">
+                <a:effectLst>
+                  <a:outerShdw blurRad="88900" sx="106000" sy="106000" algn="ctr" rotWithShape="0">
+                    <a:schemeClr val="bg1"/>
+                  </a:outerShdw>
+                </a:effectLst>
+              </a:rPr>
+              <a:t>JASP</a:t>
+            </a:r>
+          </a:p>
+          <a:p>
+            <a:pPr algn="r"/>
+            <a:r>
+              <a:rPr lang="en-US" sz="1400" dirty="0">
+                <a:effectLst>
+                  <a:outerShdw blurRad="88900" sx="106000" sy="106000" algn="ctr" rotWithShape="0">
+                    <a:schemeClr val="bg1"/>
+                  </a:outerShdw>
+                </a:effectLst>
+              </a:rPr>
+              <a:t> </a:t>
             </a:r>
           </a:p>
           <a:p>
@@ -26392,8 +26787,8 @@
         </p:nvSpPr>
         <p:spPr>
           <a:xfrm>
-            <a:off x="9384600" y="2287474"/>
-            <a:ext cx="763542" cy="523220"/>
+            <a:off x="9578533" y="2364524"/>
+            <a:ext cx="280846" cy="307777"/>
           </a:xfrm>
           <a:prstGeom prst="rect">
             <a:avLst/>
@@ -26426,31 +26821,6 @@
                   </a:outerShdw>
                 </a:effectLst>
               </a:rPr>
-              <a:t>Python </a:t>
-            </a:r>
-            <a:br>
-              <a:rPr lang="en-US" sz="1400" dirty="0">
-                <a:solidFill>
-                  <a:schemeClr val="bg1"/>
-                </a:solidFill>
-                <a:effectLst>
-                  <a:outerShdw blurRad="88900" sx="106000" sy="106000" algn="ctr" rotWithShape="0">
-                    <a:schemeClr val="tx1"/>
-                  </a:outerShdw>
-                </a:effectLst>
-              </a:rPr>
-            </a:br>
-            <a:r>
-              <a:rPr lang="en-US" sz="1400" dirty="0">
-                <a:solidFill>
-                  <a:schemeClr val="bg1"/>
-                </a:solidFill>
-                <a:effectLst>
-                  <a:outerShdw blurRad="88900" sx="106000" sy="106000" algn="ctr" rotWithShape="0">
-                    <a:schemeClr val="tx1"/>
-                  </a:outerShdw>
-                </a:effectLst>
-              </a:rPr>
               <a:t>9</a:t>
             </a:r>
           </a:p>
@@ -26470,8 +26840,8 @@
         </p:nvSpPr>
         <p:spPr>
           <a:xfrm rot="16200000">
-            <a:off x="266845" y="2958090"/>
-            <a:ext cx="1632178" cy="307777"/>
+            <a:off x="316538" y="2958090"/>
+            <a:ext cx="1532792" cy="307777"/>
           </a:xfrm>
           <a:prstGeom prst="rect">
             <a:avLst/>
@@ -26500,7 +26870,7 @@
                   </a:outerShdw>
                 </a:effectLst>
               </a:rPr>
-              <a:t>Multipole Methods</a:t>
+              <a:t>Multiple Methods</a:t>
             </a:r>
           </a:p>
         </p:txBody>
@@ -28873,51 +29243,6 @@
           </a:fontRef>
         </p:style>
       </p:cxnSp>
-      <p:cxnSp>
-        <p:nvCxnSpPr>
-          <p:cNvPr id="341" name="Connector: Elbow 340">
-            <a:extLst>
-              <a:ext uri="{FF2B5EF4-FFF2-40B4-BE49-F238E27FC236}">
-                <a16:creationId xmlns:a16="http://schemas.microsoft.com/office/drawing/2014/main" id="{A445EE3F-3E61-A8FE-5198-CAD4ADAC86EB}"/>
-              </a:ext>
-            </a:extLst>
-          </p:cNvPr>
-          <p:cNvCxnSpPr>
-            <a:cxnSpLocks/>
-          </p:cNvCxnSpPr>
-          <p:nvPr/>
-        </p:nvCxnSpPr>
-        <p:spPr>
-          <a:xfrm flipV="1">
-            <a:off x="9015570" y="3039670"/>
-            <a:ext cx="437691" cy="211572"/>
-          </a:xfrm>
-          <a:prstGeom prst="bentConnector3">
-            <a:avLst>
-              <a:gd name="adj1" fmla="val 86560"/>
-            </a:avLst>
-          </a:prstGeom>
-          <a:ln>
-            <a:solidFill>
-              <a:srgbClr val="042433"/>
-            </a:solidFill>
-          </a:ln>
-        </p:spPr>
-        <p:style>
-          <a:lnRef idx="2">
-            <a:schemeClr val="accent1"/>
-          </a:lnRef>
-          <a:fillRef idx="0">
-            <a:schemeClr val="accent1"/>
-          </a:fillRef>
-          <a:effectRef idx="1">
-            <a:schemeClr val="accent1"/>
-          </a:effectRef>
-          <a:fontRef idx="minor">
-            <a:schemeClr val="tx1"/>
-          </a:fontRef>
-        </p:style>
-      </p:cxnSp>
       <p:sp>
         <p:nvSpPr>
           <p:cNvPr id="349" name="Trapezoid 348">
@@ -29237,7 +29562,7 @@
                   </a:outerShdw>
                 </a:effectLst>
               </a:rPr>
-              <a:t>Mixed Effects*</a:t>
+              <a:t>Mixed Effects NN</a:t>
             </a:r>
           </a:p>
           <a:p>
@@ -30077,6 +30402,92 @@
             <a:avLst>
               <a:gd name="adj1" fmla="val 53859"/>
             </a:avLst>
+          </a:prstGeom>
+          <a:ln>
+            <a:solidFill>
+              <a:srgbClr val="042433"/>
+            </a:solidFill>
+          </a:ln>
+        </p:spPr>
+        <p:style>
+          <a:lnRef idx="2">
+            <a:schemeClr val="accent1"/>
+          </a:lnRef>
+          <a:fillRef idx="0">
+            <a:schemeClr val="accent1"/>
+          </a:fillRef>
+          <a:effectRef idx="1">
+            <a:schemeClr val="accent1"/>
+          </a:effectRef>
+          <a:fontRef idx="minor">
+            <a:schemeClr val="tx1"/>
+          </a:fontRef>
+        </p:style>
+      </p:cxnSp>
+      <p:cxnSp>
+        <p:nvCxnSpPr>
+          <p:cNvPr id="2" name="Straight Connector 1">
+            <a:extLst>
+              <a:ext uri="{FF2B5EF4-FFF2-40B4-BE49-F238E27FC236}">
+                <a16:creationId xmlns:a16="http://schemas.microsoft.com/office/drawing/2014/main" id="{F6851396-68FD-DDCE-C186-16AE5A723018}"/>
+              </a:ext>
+            </a:extLst>
+          </p:cNvPr>
+          <p:cNvCxnSpPr>
+            <a:cxnSpLocks/>
+          </p:cNvCxnSpPr>
+          <p:nvPr/>
+        </p:nvCxnSpPr>
+        <p:spPr>
+          <a:xfrm>
+            <a:off x="9042606" y="2498880"/>
+            <a:ext cx="339519" cy="0"/>
+          </a:xfrm>
+          <a:prstGeom prst="line">
+            <a:avLst/>
+          </a:prstGeom>
+          <a:ln>
+            <a:solidFill>
+              <a:srgbClr val="042433"/>
+            </a:solidFill>
+          </a:ln>
+        </p:spPr>
+        <p:style>
+          <a:lnRef idx="2">
+            <a:schemeClr val="accent1"/>
+          </a:lnRef>
+          <a:fillRef idx="0">
+            <a:schemeClr val="accent1"/>
+          </a:fillRef>
+          <a:effectRef idx="1">
+            <a:schemeClr val="accent1"/>
+          </a:effectRef>
+          <a:fontRef idx="minor">
+            <a:schemeClr val="tx1"/>
+          </a:fontRef>
+        </p:style>
+      </p:cxnSp>
+      <p:cxnSp>
+        <p:nvCxnSpPr>
+          <p:cNvPr id="6" name="Straight Connector 5">
+            <a:extLst>
+              <a:ext uri="{FF2B5EF4-FFF2-40B4-BE49-F238E27FC236}">
+                <a16:creationId xmlns:a16="http://schemas.microsoft.com/office/drawing/2014/main" id="{D51B270B-DCC2-CFA4-DD55-AD1EB8F9F083}"/>
+              </a:ext>
+            </a:extLst>
+          </p:cNvPr>
+          <p:cNvCxnSpPr>
+            <a:cxnSpLocks/>
+          </p:cNvCxnSpPr>
+          <p:nvPr/>
+        </p:nvCxnSpPr>
+        <p:spPr>
+          <a:xfrm flipV="1">
+            <a:off x="8996616" y="2999830"/>
+            <a:ext cx="435860" cy="6807"/>
+          </a:xfrm>
+          <a:prstGeom prst="line">
+            <a:avLst/>
           </a:prstGeom>
           <a:ln>
             <a:solidFill>
